--- a/Estatistica/Estatistica_Erros.pptx
+++ b/Estatistica/Estatistica_Erros.pptx
@@ -125,6 +125,11 @@
       </a:defRPr>
     </a:lvl9pPr>
   </p:defaultTextStyle>
+  <p:extLst>
+    <p:ext uri="{EFAFB233-063F-42B5-8137-9DF3F51BA10A}">
+      <p15:sldGuideLst xmlns:p15="http://schemas.microsoft.com/office/powerpoint/2012/main"/>
+    </p:ext>
+  </p:extLst>
 </p:presentation>
 </file>
 
@@ -4356,8 +4361,8 @@
           </a:p>
         </p:txBody>
       </p:sp>
-      <mc:AlternateContent xmlns:mc="http://schemas.openxmlformats.org/markup-compatibility/2006">
-        <mc:Choice xmlns:a14="http://schemas.microsoft.com/office/drawing/2010/main" Requires="a14">
+      <mc:AlternateContent xmlns:mc="http://schemas.openxmlformats.org/markup-compatibility/2006" xmlns:a14="http://schemas.microsoft.com/office/drawing/2010/main">
+        <mc:Choice Requires="a14">
           <p:sp>
             <p:nvSpPr>
               <p:cNvPr id="5" name="CaixaDeTexto 4">
@@ -4386,6 +4391,7 @@
               </a:bodyPr>
               <a:lstStyle/>
               <a:p>
+                <a:pPr/>
                 <a14:m>
                   <m:oMathPara xmlns:m="http://schemas.openxmlformats.org/officeDocument/2006/math">
                     <m:oMathParaPr>
@@ -4560,7 +4566,7 @@
             </p:txBody>
           </p:sp>
         </mc:Choice>
-        <mc:Fallback>
+        <mc:Fallback xmlns="">
           <p:sp>
             <p:nvSpPr>
               <p:cNvPr id="5" name="CaixaDeTexto 4">
@@ -5286,8 +5292,8 @@
           </a:p>
         </p:txBody>
       </p:sp>
-      <mc:AlternateContent xmlns:mc="http://schemas.openxmlformats.org/markup-compatibility/2006">
-        <mc:Choice xmlns:a14="http://schemas.microsoft.com/office/drawing/2010/main" Requires="a14">
+      <mc:AlternateContent xmlns:mc="http://schemas.openxmlformats.org/markup-compatibility/2006" xmlns:a14="http://schemas.microsoft.com/office/drawing/2010/main">
+        <mc:Choice Requires="a14">
           <p:sp>
             <p:nvSpPr>
               <p:cNvPr id="5" name="CaixaDeTexto 4">
@@ -5316,6 +5322,7 @@
               </a:bodyPr>
               <a:lstStyle/>
               <a:p>
+                <a:pPr/>
                 <a14:m>
                   <m:oMathPara xmlns:m="http://schemas.openxmlformats.org/officeDocument/2006/math">
                     <m:oMathParaPr>
@@ -5549,7 +5556,7 @@
             </p:txBody>
           </p:sp>
         </mc:Choice>
-        <mc:Fallback>
+        <mc:Fallback xmlns="">
           <p:sp>
             <p:nvSpPr>
               <p:cNvPr id="5" name="CaixaDeTexto 4">
@@ -6890,8 +6897,8 @@
           </a:p>
         </p:txBody>
       </p:sp>
-      <mc:AlternateContent xmlns:mc="http://schemas.openxmlformats.org/markup-compatibility/2006">
-        <mc:Choice xmlns:a14="http://schemas.microsoft.com/office/drawing/2010/main" Requires="a14">
+      <mc:AlternateContent xmlns:mc="http://schemas.openxmlformats.org/markup-compatibility/2006" xmlns:a14="http://schemas.microsoft.com/office/drawing/2010/main">
+        <mc:Choice Requires="a14">
           <p:sp>
             <p:nvSpPr>
               <p:cNvPr id="6" name="CaixaDeTexto 5">
@@ -6970,7 +6977,7 @@
             </p:txBody>
           </p:sp>
         </mc:Choice>
-        <mc:Fallback>
+        <mc:Fallback xmlns="">
           <p:sp>
             <p:nvSpPr>
               <p:cNvPr id="6" name="CaixaDeTexto 5">
@@ -7298,36 +7305,15 @@
             <a:pPr algn="ctr"/>
             <a:r>
               <a:rPr lang="pt-BR" dirty="0"/>
-              <a:t>GitHub: </a:t>
-            </a:r>
-            <a:r>
-              <a:rPr lang="pt-BR" dirty="0">
-                <a:hlinkClick r:id="rId2"/>
-              </a:rPr>
-              <a:t>https://github.com/danmorales/CursoDS_ProfDanilo</a:t>
-            </a:r>
+              <a:t>GitHub: https://github.com/danmorales/CursoDS_ProfDanilo </a:t>
+            </a:r>
+          </a:p>
+          <a:p>
+            <a:pPr algn="ctr"/>
             <a:r>
               <a:rPr lang="pt-BR" dirty="0"/>
-              <a:t> </a:t>
-            </a:r>
-          </a:p>
-          <a:p>
-            <a:pPr algn="ctr"/>
-            <a:r>
-              <a:rPr lang="pt-BR" dirty="0" err="1"/>
-              <a:t>Email</a:t>
-            </a:r>
-            <a:r>
-              <a:rPr lang="pt-BR" dirty="0"/>
-              <a:t>: </a:t>
-            </a:r>
-            <a:r>
-              <a:rPr lang="pt-BR" dirty="0">
-                <a:hlinkClick r:id="rId3"/>
-              </a:rPr>
-              <a:t>cursods_profdanilo@gmail.com</a:t>
-            </a:r>
-            <a:endParaRPr lang="pt-BR" dirty="0"/>
+              <a:t>E-mail: cursods_profdanilo@gmail.com</a:t>
+            </a:r>
           </a:p>
           <a:p>
             <a:endParaRPr lang="pt-BR" dirty="0"/>
@@ -8341,8 +8327,8 @@
           </a:p>
         </p:txBody>
       </p:sp>
-      <mc:AlternateContent xmlns:mc="http://schemas.openxmlformats.org/markup-compatibility/2006">
-        <mc:Choice xmlns:a14="http://schemas.microsoft.com/office/drawing/2010/main" Requires="a14">
+      <mc:AlternateContent xmlns:mc="http://schemas.openxmlformats.org/markup-compatibility/2006" xmlns:a14="http://schemas.microsoft.com/office/drawing/2010/main">
+        <mc:Choice Requires="a14">
           <p:sp>
             <p:nvSpPr>
               <p:cNvPr id="6" name="CaixaDeTexto 5">
@@ -8371,6 +8357,7 @@
               </a:bodyPr>
               <a:lstStyle/>
               <a:p>
+                <a:pPr/>
                 <a14:m>
                   <m:oMathPara xmlns:m="http://schemas.openxmlformats.org/officeDocument/2006/math">
                     <m:oMathParaPr>
@@ -8468,7 +8455,7 @@
             </p:txBody>
           </p:sp>
         </mc:Choice>
-        <mc:Fallback>
+        <mc:Fallback xmlns="">
           <p:sp>
             <p:nvSpPr>
               <p:cNvPr id="6" name="CaixaDeTexto 5">
@@ -8691,13 +8678,8 @@
             <a:pPr algn="ctr"/>
             <a:r>
               <a:rPr lang="pt-BR" dirty="0"/>
-              <a:t>Curta o canal para receber notificações de novos </a:t>
-            </a:r>
-            <a:r>
-              <a:rPr lang="pt-BR" dirty="0" err="1"/>
-              <a:t>vídoes</a:t>
-            </a:r>
-            <a:endParaRPr lang="pt-BR" dirty="0"/>
+              <a:t>Curta o canal para receber notificações de novos vídeos</a:t>
+            </a:r>
           </a:p>
           <a:p>
             <a:pPr algn="ctr"/>
@@ -9735,8 +9717,8 @@
           </a:p>
         </p:txBody>
       </p:sp>
-      <mc:AlternateContent xmlns:mc="http://schemas.openxmlformats.org/markup-compatibility/2006">
-        <mc:Choice xmlns:a14="http://schemas.microsoft.com/office/drawing/2010/main" Requires="a14">
+      <mc:AlternateContent xmlns:mc="http://schemas.openxmlformats.org/markup-compatibility/2006" xmlns:a14="http://schemas.microsoft.com/office/drawing/2010/main">
+        <mc:Choice Requires="a14">
           <p:sp>
             <p:nvSpPr>
               <p:cNvPr id="5" name="CaixaDeTexto 4">
@@ -9765,6 +9747,7 @@
               </a:bodyPr>
               <a:lstStyle/>
               <a:p>
+                <a:pPr/>
                 <a14:m>
                   <m:oMathPara xmlns:m="http://schemas.openxmlformats.org/officeDocument/2006/math">
                     <m:oMathParaPr>
@@ -9915,7 +9898,7 @@
             </p:txBody>
           </p:sp>
         </mc:Choice>
-        <mc:Fallback>
+        <mc:Fallback xmlns="">
           <p:sp>
             <p:nvSpPr>
               <p:cNvPr id="5" name="CaixaDeTexto 4">
@@ -10770,8 +10753,8 @@
           </a:p>
         </p:txBody>
       </p:sp>
-      <mc:AlternateContent xmlns:mc="http://schemas.openxmlformats.org/markup-compatibility/2006">
-        <mc:Choice xmlns:a14="http://schemas.microsoft.com/office/drawing/2010/main" Requires="a14">
+      <mc:AlternateContent xmlns:mc="http://schemas.openxmlformats.org/markup-compatibility/2006" xmlns:a14="http://schemas.microsoft.com/office/drawing/2010/main">
+        <mc:Choice Requires="a14">
           <p:sp>
             <p:nvSpPr>
               <p:cNvPr id="5" name="CaixaDeTexto 4">
@@ -10984,7 +10967,7 @@
             </p:txBody>
           </p:sp>
         </mc:Choice>
-        <mc:Fallback>
+        <mc:Fallback xmlns="">
           <p:sp>
             <p:nvSpPr>
               <p:cNvPr id="5" name="CaixaDeTexto 4">

--- a/Estatistica/Estatistica_Erros.pptx
+++ b/Estatistica/Estatistica_Erros.pptx
@@ -7312,7 +7312,15 @@
             <a:pPr algn="ctr"/>
             <a:r>
               <a:rPr lang="pt-BR" dirty="0"/>
-              <a:t>E-mail: cursods_profdanilo@gmail.com</a:t>
+              <a:t>E-mail: </a:t>
+            </a:r>
+            <a:r>
+              <a:rPr lang="pt-BR"/>
+              <a:t>cursods.profdanilo</a:t>
+            </a:r>
+            <a:r>
+              <a:rPr lang="pt-BR" dirty="0"/>
+              <a:t>@gmail.com</a:t>
             </a:r>
           </a:p>
           <a:p>

--- a/Estatistica/Estatistica_Erros.pptx
+++ b/Estatistica/Estatistica_Erros.pptx
@@ -3444,85 +3444,146 @@
           <a:chExt cx="0" cy="0"/>
         </a:xfrm>
       </p:grpSpPr>
-      <p:sp>
-        <p:nvSpPr>
-          <p:cNvPr id="3" name="Espaço Reservado para Conteúdo 2">
-            <a:extLst>
-              <a:ext uri="{FF2B5EF4-FFF2-40B4-BE49-F238E27FC236}">
-                <a16:creationId xmlns:a16="http://schemas.microsoft.com/office/drawing/2014/main" id="{D1C2D513-A253-5243-86F6-99B7E899C0D7}"/>
-              </a:ext>
-            </a:extLst>
-          </p:cNvPr>
-          <p:cNvSpPr>
-            <a:spLocks noGrp="1"/>
-          </p:cNvSpPr>
-          <p:nvPr>
-            <p:ph idx="1"/>
-          </p:nvPr>
-        </p:nvSpPr>
-        <p:spPr/>
-        <p:txBody>
-          <a:bodyPr>
-            <a:normAutofit/>
-          </a:bodyPr>
-          <a:lstStyle/>
-          <a:p>
-            <a:pPr algn="ctr"/>
-            <a:r>
-              <a:rPr lang="pt-BR" dirty="0"/>
-              <a:t>Erro quadrático médio (MSE) mede a distância quadrática entre o valor real </a:t>
-            </a:r>
-            <a:r>
-              <a:rPr lang="pt-BR" dirty="0" err="1"/>
-              <a:t>X</a:t>
-            </a:r>
-            <a:r>
-              <a:rPr lang="pt-BR" dirty="0"/>
-              <a:t> e o valor previsto </a:t>
-            </a:r>
-            <a:r>
-              <a:rPr lang="pt-BR" dirty="0" err="1"/>
-              <a:t>Y</a:t>
-            </a:r>
-            <a:endParaRPr lang="pt-BR" dirty="0"/>
-          </a:p>
-          <a:p>
-            <a:pPr algn="ctr"/>
-            <a:r>
-              <a:rPr lang="pt-BR" dirty="0"/>
-              <a:t>Sempre positivo</a:t>
-            </a:r>
-          </a:p>
-          <a:p>
-            <a:pPr algn="ctr"/>
-            <a:r>
-              <a:rPr lang="pt-BR" dirty="0"/>
-              <a:t>Quanto mais próximo de zero melhor</a:t>
-            </a:r>
-          </a:p>
-          <a:p>
-            <a:pPr algn="ctr"/>
-            <a:r>
-              <a:rPr lang="pt-BR" dirty="0"/>
-              <a:t>Incorpora a variância, ou seja, quão espalhados as estimativas estão dos dados verdadeiros</a:t>
-            </a:r>
-          </a:p>
-          <a:p>
-            <a:pPr algn="ctr"/>
-            <a:r>
-              <a:rPr lang="pt-BR" dirty="0"/>
-              <a:t>Incorpora o bias, ou seja, quão distante os valores médios estimados estão dos valões verdadeiros</a:t>
-            </a:r>
-          </a:p>
-          <a:p>
-            <a:pPr algn="ctr"/>
-            <a:r>
-              <a:rPr lang="pt-BR" dirty="0"/>
-              <a:t>Penaliza mais os valores mais afastados dos valores reais</a:t>
-            </a:r>
-          </a:p>
-        </p:txBody>
-      </p:sp>
+      <mc:AlternateContent xmlns:mc="http://schemas.openxmlformats.org/markup-compatibility/2006">
+        <mc:Choice xmlns:a14="http://schemas.microsoft.com/office/drawing/2010/main" Requires="a14">
+          <p:sp>
+            <p:nvSpPr>
+              <p:cNvPr id="3" name="Espaço Reservado para Conteúdo 2">
+                <a:extLst>
+                  <a:ext uri="{FF2B5EF4-FFF2-40B4-BE49-F238E27FC236}">
+                    <a16:creationId xmlns:a16="http://schemas.microsoft.com/office/drawing/2014/main" id="{D1C2D513-A253-5243-86F6-99B7E899C0D7}"/>
+                  </a:ext>
+                </a:extLst>
+              </p:cNvPr>
+              <p:cNvSpPr>
+                <a:spLocks noGrp="1"/>
+              </p:cNvSpPr>
+              <p:nvPr>
+                <p:ph idx="1"/>
+              </p:nvPr>
+            </p:nvSpPr>
+            <p:spPr/>
+            <p:txBody>
+              <a:bodyPr>
+                <a:normAutofit/>
+              </a:bodyPr>
+              <a:lstStyle/>
+              <a:p>
+                <a:pPr algn="ctr"/>
+                <a:r>
+                  <a:rPr lang="pt-BR" dirty="0"/>
+                  <a:t>Erro quadrático médio (MSE) mede a distância quadrática entre o valor real </a:t>
+                </a:r>
+                <a:r>
+                  <a:rPr lang="pt-BR" dirty="0" err="1"/>
+                  <a:t>Y</a:t>
+                </a:r>
+                <a:r>
+                  <a:rPr lang="pt-BR" dirty="0"/>
+                  <a:t> e o valor previsto </a:t>
+                </a:r>
+                <a14:m>
+                  <m:oMath xmlns:m="http://schemas.openxmlformats.org/officeDocument/2006/math">
+                    <m:acc>
+                      <m:accPr>
+                        <m:chr m:val="̂"/>
+                        <m:ctrlPr>
+                          <a:rPr lang="pt-BR" i="1" smtClean="0">
+                            <a:latin typeface="Cambria Math" panose="02040503050406030204" pitchFamily="18" charset="0"/>
+                          </a:rPr>
+                        </m:ctrlPr>
+                      </m:accPr>
+                      <m:e>
+                        <m:r>
+                          <a:rPr lang="pt-BR" b="0" i="1" smtClean="0">
+                            <a:latin typeface="Cambria Math" panose="02040503050406030204" pitchFamily="18" charset="0"/>
+                          </a:rPr>
+                          <m:t>𝑌</m:t>
+                        </m:r>
+                      </m:e>
+                    </m:acc>
+                  </m:oMath>
+                </a14:m>
+                <a:endParaRPr lang="pt-BR" dirty="0"/>
+              </a:p>
+              <a:p>
+                <a:pPr algn="ctr"/>
+                <a:r>
+                  <a:rPr lang="pt-BR" dirty="0"/>
+                  <a:t>Sempre positivo</a:t>
+                </a:r>
+              </a:p>
+              <a:p>
+                <a:pPr algn="ctr"/>
+                <a:r>
+                  <a:rPr lang="pt-BR" dirty="0"/>
+                  <a:t>Quanto mais próximo de zero melhor</a:t>
+                </a:r>
+              </a:p>
+              <a:p>
+                <a:pPr algn="ctr"/>
+                <a:r>
+                  <a:rPr lang="pt-BR" dirty="0"/>
+                  <a:t>Incorpora a variância, ou seja, quão espalhados as estimativas estão dos dados verdadeiros</a:t>
+                </a:r>
+              </a:p>
+              <a:p>
+                <a:pPr algn="ctr"/>
+                <a:r>
+                  <a:rPr lang="pt-BR" dirty="0"/>
+                  <a:t>Incorpora o bias, ou seja, quão distante os valores médios estimados estão dos valões verdadeiros</a:t>
+                </a:r>
+              </a:p>
+              <a:p>
+                <a:pPr algn="ctr"/>
+                <a:r>
+                  <a:rPr lang="pt-BR" dirty="0"/>
+                  <a:t>Penaliza mais os valores mais afastados dos valores reais</a:t>
+                </a:r>
+              </a:p>
+            </p:txBody>
+          </p:sp>
+        </mc:Choice>
+        <mc:Fallback>
+          <p:sp>
+            <p:nvSpPr>
+              <p:cNvPr id="3" name="Espaço Reservado para Conteúdo 2">
+                <a:extLst>
+                  <a:ext uri="{FF2B5EF4-FFF2-40B4-BE49-F238E27FC236}">
+                    <a16:creationId xmlns:a16="http://schemas.microsoft.com/office/drawing/2014/main" id="{D1C2D513-A253-5243-86F6-99B7E899C0D7}"/>
+                  </a:ext>
+                </a:extLst>
+              </p:cNvPr>
+              <p:cNvSpPr>
+                <a:spLocks noGrp="1" noRot="1" noChangeAspect="1" noMove="1" noResize="1" noEditPoints="1" noAdjustHandles="1" noChangeArrowheads="1" noChangeShapeType="1" noTextEdit="1"/>
+              </p:cNvSpPr>
+              <p:nvPr>
+                <p:ph idx="1"/>
+              </p:nvPr>
+            </p:nvSpPr>
+            <p:spPr>
+              <a:blipFill>
+                <a:blip r:embed="rId2"/>
+                <a:stretch>
+                  <a:fillRect t="-2632" r="-844" b="-292"/>
+                </a:stretch>
+              </a:blipFill>
+            </p:spPr>
+            <p:txBody>
+              <a:bodyPr/>
+              <a:lstStyle/>
+              <a:p>
+                <a:r>
+                  <a:rPr lang="pt-BR">
+                    <a:noFill/>
+                  </a:rPr>
+                  <a:t> </a:t>
+                </a:r>
+              </a:p>
+            </p:txBody>
+          </p:sp>
+        </mc:Fallback>
+      </mc:AlternateContent>
       <p:sp>
         <p:nvSpPr>
           <p:cNvPr id="4" name="Título 1">
@@ -3869,455 +3930,1059 @@
           <a:chExt cx="0" cy="0"/>
         </a:xfrm>
       </p:grpSpPr>
-      <p:graphicFrame>
-        <p:nvGraphicFramePr>
-          <p:cNvPr id="2" name="Espaço Reservado para Conteúdo 1">
-            <a:extLst>
-              <a:ext uri="{FF2B5EF4-FFF2-40B4-BE49-F238E27FC236}">
-                <a16:creationId xmlns:a16="http://schemas.microsoft.com/office/drawing/2014/main" id="{E77B43E8-B8E9-B34E-991F-6FE6A61A692E}"/>
-              </a:ext>
-            </a:extLst>
-          </p:cNvPr>
-          <p:cNvGraphicFramePr>
-            <a:graphicFrameLocks noGrp="1"/>
-          </p:cNvGraphicFramePr>
-          <p:nvPr>
-            <p:ph idx="1"/>
-            <p:extLst>
-              <p:ext uri="{D42A27DB-BD31-4B8C-83A1-F6EECF244321}">
-                <p14:modId xmlns:p14="http://schemas.microsoft.com/office/powerpoint/2010/main" val="1705389676"/>
-              </p:ext>
-            </p:extLst>
-          </p:nvPr>
-        </p:nvGraphicFramePr>
-        <p:xfrm>
-          <a:off x="4108784" y="2042193"/>
-          <a:ext cx="3974432" cy="2225040"/>
-        </p:xfrm>
-        <a:graphic>
-          <a:graphicData uri="http://schemas.openxmlformats.org/drawingml/2006/table">
-            <a:tbl>
-              <a:tblPr firstRow="1" bandRow="1">
-                <a:tableStyleId>{5C22544A-7EE6-4342-B048-85BDC9FD1C3A}</a:tableStyleId>
-              </a:tblPr>
-              <a:tblGrid>
-                <a:gridCol w="1027303">
-                  <a:extLst>
-                    <a:ext uri="{9D8B030D-6E8A-4147-A177-3AD203B41FA5}">
-                      <a16:colId xmlns:a16="http://schemas.microsoft.com/office/drawing/2014/main" val="3250293782"/>
-                    </a:ext>
-                  </a:extLst>
-                </a:gridCol>
-                <a:gridCol w="934455">
-                  <a:extLst>
-                    <a:ext uri="{9D8B030D-6E8A-4147-A177-3AD203B41FA5}">
-                      <a16:colId xmlns:a16="http://schemas.microsoft.com/office/drawing/2014/main" val="886750355"/>
-                    </a:ext>
-                  </a:extLst>
-                </a:gridCol>
-                <a:gridCol w="1006337">
-                  <a:extLst>
-                    <a:ext uri="{9D8B030D-6E8A-4147-A177-3AD203B41FA5}">
-                      <a16:colId xmlns:a16="http://schemas.microsoft.com/office/drawing/2014/main" val="4002214762"/>
-                    </a:ext>
-                  </a:extLst>
-                </a:gridCol>
-                <a:gridCol w="1006337">
-                  <a:extLst>
-                    <a:ext uri="{9D8B030D-6E8A-4147-A177-3AD203B41FA5}">
-                      <a16:colId xmlns:a16="http://schemas.microsoft.com/office/drawing/2014/main" val="1806760654"/>
-                    </a:ext>
-                  </a:extLst>
-                </a:gridCol>
-              </a:tblGrid>
-              <a:tr h="370840">
-                <a:tc>
-                  <a:txBody>
-                    <a:bodyPr/>
-                    <a:lstStyle/>
-                    <a:p>
-                      <a:pPr algn="ctr"/>
-                      <a:r>
-                        <a:rPr lang="pt-BR" dirty="0" err="1"/>
-                        <a:t>X</a:t>
-                      </a:r>
-                      <a:endParaRPr lang="pt-BR" dirty="0"/>
-                    </a:p>
-                  </a:txBody>
-                  <a:tcPr/>
-                </a:tc>
-                <a:tc>
-                  <a:txBody>
-                    <a:bodyPr/>
-                    <a:lstStyle/>
-                    <a:p>
-                      <a:pPr algn="ctr"/>
-                      <a:r>
-                        <a:rPr lang="pt-BR" dirty="0" err="1"/>
-                        <a:t>Y</a:t>
-                      </a:r>
-                      <a:endParaRPr lang="pt-BR" dirty="0"/>
-                    </a:p>
-                  </a:txBody>
-                  <a:tcPr/>
-                </a:tc>
-                <a:tc>
-                  <a:txBody>
-                    <a:bodyPr/>
-                    <a:lstStyle/>
-                    <a:p>
-                      <a:pPr algn="ctr"/>
-                      <a:r>
-                        <a:rPr lang="pt-BR" dirty="0"/>
-                        <a:t>(X-Y)</a:t>
-                      </a:r>
-                    </a:p>
-                  </a:txBody>
-                  <a:tcPr/>
-                </a:tc>
-                <a:tc>
-                  <a:txBody>
-                    <a:bodyPr/>
-                    <a:lstStyle/>
-                    <a:p>
-                      <a:pPr algn="ctr"/>
-                      <a:r>
-                        <a:rPr lang="pt-BR" dirty="0"/>
-                        <a:t>(X-Y)</a:t>
-                      </a:r>
-                      <a:r>
-                        <a:rPr lang="pt-BR" baseline="30000" dirty="0"/>
-                        <a:t>2</a:t>
-                      </a:r>
-                    </a:p>
-                  </a:txBody>
-                  <a:tcPr/>
-                </a:tc>
+      <mc:AlternateContent xmlns:mc="http://schemas.openxmlformats.org/markup-compatibility/2006">
+        <mc:Choice xmlns:a14="http://schemas.microsoft.com/office/drawing/2010/main" Requires="a14">
+          <p:graphicFrame>
+            <p:nvGraphicFramePr>
+              <p:cNvPr id="2" name="Espaço Reservado para Conteúdo 1">
                 <a:extLst>
-                  <a:ext uri="{0D108BD9-81ED-4DB2-BD59-A6C34878D82A}">
-                    <a16:rowId xmlns:a16="http://schemas.microsoft.com/office/drawing/2014/main" val="3387704678"/>
+                  <a:ext uri="{FF2B5EF4-FFF2-40B4-BE49-F238E27FC236}">
+                    <a16:creationId xmlns:a16="http://schemas.microsoft.com/office/drawing/2014/main" id="{E77B43E8-B8E9-B34E-991F-6FE6A61A692E}"/>
                   </a:ext>
                 </a:extLst>
-              </a:tr>
-              <a:tr h="370840">
-                <a:tc>
-                  <a:txBody>
-                    <a:bodyPr/>
-                    <a:lstStyle/>
-                    <a:p>
-                      <a:pPr algn="ctr"/>
-                      <a:r>
-                        <a:rPr lang="pt-BR" dirty="0"/>
-                        <a:t>2.45</a:t>
-                      </a:r>
-                    </a:p>
-                  </a:txBody>
-                  <a:tcPr/>
-                </a:tc>
-                <a:tc>
-                  <a:txBody>
-                    <a:bodyPr/>
-                    <a:lstStyle/>
-                    <a:p>
-                      <a:pPr algn="ctr"/>
-                      <a:r>
-                        <a:rPr lang="pt-BR" dirty="0"/>
-                        <a:t>2.47</a:t>
-                      </a:r>
-                    </a:p>
-                  </a:txBody>
-                  <a:tcPr/>
-                </a:tc>
-                <a:tc>
-                  <a:txBody>
-                    <a:bodyPr/>
-                    <a:lstStyle/>
-                    <a:p>
-                      <a:pPr algn="ctr"/>
-                      <a:r>
-                        <a:rPr lang="pt-BR" dirty="0"/>
-                        <a:t>0.02</a:t>
-                      </a:r>
-                    </a:p>
-                  </a:txBody>
-                  <a:tcPr/>
-                </a:tc>
-                <a:tc>
-                  <a:txBody>
-                    <a:bodyPr/>
-                    <a:lstStyle/>
-                    <a:p>
-                      <a:pPr algn="ctr"/>
-                      <a:r>
-                        <a:rPr lang="pt-BR" dirty="0"/>
-                        <a:t>0.004</a:t>
-                      </a:r>
-                    </a:p>
-                  </a:txBody>
-                  <a:tcPr/>
-                </a:tc>
+              </p:cNvPr>
+              <p:cNvGraphicFramePr>
+                <a:graphicFrameLocks noGrp="1"/>
+              </p:cNvGraphicFramePr>
+              <p:nvPr>
+                <p:ph idx="1"/>
+                <p:extLst>
+                  <p:ext uri="{D42A27DB-BD31-4B8C-83A1-F6EECF244321}">
+                    <p14:modId xmlns:p14="http://schemas.microsoft.com/office/powerpoint/2010/main" val="3895781268"/>
+                  </p:ext>
+                </p:extLst>
+              </p:nvPr>
+            </p:nvGraphicFramePr>
+            <p:xfrm>
+              <a:off x="4108784" y="2042193"/>
+              <a:ext cx="3974432" cy="2255266"/>
+            </p:xfrm>
+            <a:graphic>
+              <a:graphicData uri="http://schemas.openxmlformats.org/drawingml/2006/table">
+                <a:tbl>
+                  <a:tblPr firstRow="1" bandRow="1">
+                    <a:tableStyleId>{5C22544A-7EE6-4342-B048-85BDC9FD1C3A}</a:tableStyleId>
+                  </a:tblPr>
+                  <a:tblGrid>
+                    <a:gridCol w="1027303">
+                      <a:extLst>
+                        <a:ext uri="{9D8B030D-6E8A-4147-A177-3AD203B41FA5}">
+                          <a16:colId xmlns:a16="http://schemas.microsoft.com/office/drawing/2014/main" val="3250293782"/>
+                        </a:ext>
+                      </a:extLst>
+                    </a:gridCol>
+                    <a:gridCol w="934455">
+                      <a:extLst>
+                        <a:ext uri="{9D8B030D-6E8A-4147-A177-3AD203B41FA5}">
+                          <a16:colId xmlns:a16="http://schemas.microsoft.com/office/drawing/2014/main" val="886750355"/>
+                        </a:ext>
+                      </a:extLst>
+                    </a:gridCol>
+                    <a:gridCol w="1006337">
+                      <a:extLst>
+                        <a:ext uri="{9D8B030D-6E8A-4147-A177-3AD203B41FA5}">
+                          <a16:colId xmlns:a16="http://schemas.microsoft.com/office/drawing/2014/main" val="4002214762"/>
+                        </a:ext>
+                      </a:extLst>
+                    </a:gridCol>
+                    <a:gridCol w="1006337">
+                      <a:extLst>
+                        <a:ext uri="{9D8B030D-6E8A-4147-A177-3AD203B41FA5}">
+                          <a16:colId xmlns:a16="http://schemas.microsoft.com/office/drawing/2014/main" val="1806760654"/>
+                        </a:ext>
+                      </a:extLst>
+                    </a:gridCol>
+                  </a:tblGrid>
+                  <a:tr h="370840">
+                    <a:tc>
+                      <a:txBody>
+                        <a:bodyPr/>
+                        <a:lstStyle/>
+                        <a:p>
+                          <a:pPr algn="ctr"/>
+                          <a:r>
+                            <a:rPr lang="pt-BR" dirty="0"/>
+                            <a:t>Y</a:t>
+                          </a:r>
+                        </a:p>
+                      </a:txBody>
+                      <a:tcPr/>
+                    </a:tc>
+                    <a:tc>
+                      <a:txBody>
+                        <a:bodyPr/>
+                        <a:lstStyle/>
+                        <a:p>
+                          <a:pPr algn="ctr"/>
+                          <a14:m>
+                            <m:oMathPara xmlns:m="http://schemas.openxmlformats.org/officeDocument/2006/math">
+                              <m:oMathParaPr>
+                                <m:jc m:val="centerGroup"/>
+                              </m:oMathParaPr>
+                              <m:oMath xmlns:m="http://schemas.openxmlformats.org/officeDocument/2006/math">
+                                <m:acc>
+                                  <m:accPr>
+                                    <m:chr m:val="̂"/>
+                                    <m:ctrlPr>
+                                      <a:rPr lang="pt-BR" i="1" smtClean="0">
+                                        <a:latin typeface="Cambria Math" panose="02040503050406030204" pitchFamily="18" charset="0"/>
+                                      </a:rPr>
+                                    </m:ctrlPr>
+                                  </m:accPr>
+                                  <m:e>
+                                    <m:r>
+                                      <a:rPr lang="pt-BR" b="1" i="1" smtClean="0">
+                                        <a:latin typeface="Cambria Math" panose="02040503050406030204" pitchFamily="18" charset="0"/>
+                                      </a:rPr>
+                                      <m:t>𝒀</m:t>
+                                    </m:r>
+                                  </m:e>
+                                </m:acc>
+                              </m:oMath>
+                            </m:oMathPara>
+                          </a14:m>
+                          <a:endParaRPr lang="pt-BR" dirty="0"/>
+                        </a:p>
+                      </a:txBody>
+                      <a:tcPr/>
+                    </a:tc>
+                    <a:tc>
+                      <a:txBody>
+                        <a:bodyPr/>
+                        <a:lstStyle/>
+                        <a:p>
+                          <a:pPr marL="0" marR="0" lvl="0" indent="0" algn="ctr" defTabSz="914400" rtl="0" eaLnBrk="1" fontAlgn="auto" latinLnBrk="0" hangingPunct="1">
+                            <a:lnSpc>
+                              <a:spcPct val="100000"/>
+                            </a:lnSpc>
+                            <a:spcBef>
+                              <a:spcPts val="0"/>
+                            </a:spcBef>
+                            <a:spcAft>
+                              <a:spcPts val="0"/>
+                            </a:spcAft>
+                            <a:buClrTx/>
+                            <a:buSzTx/>
+                            <a:buFontTx/>
+                            <a:buNone/>
+                            <a:tabLst/>
+                            <a:defRPr/>
+                          </a:pPr>
+                          <a14:m>
+                            <m:oMathPara xmlns:m="http://schemas.openxmlformats.org/officeDocument/2006/math">
+                              <m:oMathParaPr>
+                                <m:jc m:val="centerGroup"/>
+                              </m:oMathParaPr>
+                              <m:oMath xmlns:m="http://schemas.openxmlformats.org/officeDocument/2006/math">
+                                <m:d>
+                                  <m:dPr>
+                                    <m:begChr m:val="|"/>
+                                    <m:endChr m:val="|"/>
+                                    <m:ctrlPr>
+                                      <a:rPr lang="pt-BR" i="1" smtClean="0">
+                                        <a:latin typeface="Cambria Math" panose="02040503050406030204" pitchFamily="18" charset="0"/>
+                                      </a:rPr>
+                                    </m:ctrlPr>
+                                  </m:dPr>
+                                  <m:e>
+                                    <m:r>
+                                      <a:rPr lang="pt-BR" b="1" i="1" smtClean="0">
+                                        <a:latin typeface="Cambria Math" panose="02040503050406030204" pitchFamily="18" charset="0"/>
+                                      </a:rPr>
+                                      <m:t>𝒀</m:t>
+                                    </m:r>
+                                    <m:r>
+                                      <a:rPr lang="pt-BR" b="1" i="1" smtClean="0">
+                                        <a:latin typeface="Cambria Math" panose="02040503050406030204" pitchFamily="18" charset="0"/>
+                                      </a:rPr>
+                                      <m:t>−</m:t>
+                                    </m:r>
+                                    <m:acc>
+                                      <m:accPr>
+                                        <m:chr m:val="̂"/>
+                                        <m:ctrlPr>
+                                          <a:rPr lang="pt-BR" b="1" i="1" smtClean="0">
+                                            <a:latin typeface="Cambria Math" panose="02040503050406030204" pitchFamily="18" charset="0"/>
+                                          </a:rPr>
+                                        </m:ctrlPr>
+                                      </m:accPr>
+                                      <m:e>
+                                        <m:r>
+                                          <a:rPr lang="pt-BR" b="1" i="1" smtClean="0">
+                                            <a:latin typeface="Cambria Math" panose="02040503050406030204" pitchFamily="18" charset="0"/>
+                                          </a:rPr>
+                                          <m:t>𝒀</m:t>
+                                        </m:r>
+                                      </m:e>
+                                    </m:acc>
+                                  </m:e>
+                                </m:d>
+                              </m:oMath>
+                            </m:oMathPara>
+                          </a14:m>
+                          <a:endParaRPr lang="pt-BR" dirty="0"/>
+                        </a:p>
+                      </a:txBody>
+                      <a:tcPr/>
+                    </a:tc>
+                    <a:tc>
+                      <a:txBody>
+                        <a:bodyPr/>
+                        <a:lstStyle/>
+                        <a:p>
+                          <a:pPr marL="0" marR="0" lvl="0" indent="0" algn="ctr" defTabSz="914400" rtl="0" eaLnBrk="1" fontAlgn="auto" latinLnBrk="0" hangingPunct="1">
+                            <a:lnSpc>
+                              <a:spcPct val="100000"/>
+                            </a:lnSpc>
+                            <a:spcBef>
+                              <a:spcPts val="0"/>
+                            </a:spcBef>
+                            <a:spcAft>
+                              <a:spcPts val="0"/>
+                            </a:spcAft>
+                            <a:buClrTx/>
+                            <a:buSzTx/>
+                            <a:buFontTx/>
+                            <a:buNone/>
+                            <a:tabLst/>
+                            <a:defRPr/>
+                          </a:pPr>
+                          <a14:m>
+                            <m:oMath xmlns:m="http://schemas.openxmlformats.org/officeDocument/2006/math">
+                              <m:d>
+                                <m:dPr>
+                                  <m:begChr m:val="|"/>
+                                  <m:endChr m:val="|"/>
+                                  <m:ctrlPr>
+                                    <a:rPr lang="pt-BR" i="1" smtClean="0">
+                                      <a:latin typeface="Cambria Math" panose="02040503050406030204" pitchFamily="18" charset="0"/>
+                                    </a:rPr>
+                                  </m:ctrlPr>
+                                </m:dPr>
+                                <m:e>
+                                  <m:r>
+                                    <a:rPr lang="pt-BR" b="1" i="1" smtClean="0">
+                                      <a:latin typeface="Cambria Math" panose="02040503050406030204" pitchFamily="18" charset="0"/>
+                                    </a:rPr>
+                                    <m:t>𝒀</m:t>
+                                  </m:r>
+                                  <m:r>
+                                    <a:rPr lang="pt-BR" b="1" i="1" smtClean="0">
+                                      <a:latin typeface="Cambria Math" panose="02040503050406030204" pitchFamily="18" charset="0"/>
+                                    </a:rPr>
+                                    <m:t>−</m:t>
+                                  </m:r>
+                                  <m:acc>
+                                    <m:accPr>
+                                      <m:chr m:val="̂"/>
+                                      <m:ctrlPr>
+                                        <a:rPr lang="pt-BR" b="1" i="1" smtClean="0">
+                                          <a:latin typeface="Cambria Math" panose="02040503050406030204" pitchFamily="18" charset="0"/>
+                                        </a:rPr>
+                                      </m:ctrlPr>
+                                    </m:accPr>
+                                    <m:e>
+                                      <m:r>
+                                        <a:rPr lang="pt-BR" b="1" i="1" smtClean="0">
+                                          <a:latin typeface="Cambria Math" panose="02040503050406030204" pitchFamily="18" charset="0"/>
+                                        </a:rPr>
+                                        <m:t>𝒀</m:t>
+                                      </m:r>
+                                    </m:e>
+                                  </m:acc>
+                                </m:e>
+                              </m:d>
+                            </m:oMath>
+                          </a14:m>
+                          <a:r>
+                            <a:rPr lang="pt-BR" baseline="30000" dirty="0"/>
+                            <a:t>2</a:t>
+                          </a:r>
+                        </a:p>
+                      </a:txBody>
+                      <a:tcPr/>
+                    </a:tc>
+                    <a:extLst>
+                      <a:ext uri="{0D108BD9-81ED-4DB2-BD59-A6C34878D82A}">
+                        <a16:rowId xmlns:a16="http://schemas.microsoft.com/office/drawing/2014/main" val="3387704678"/>
+                      </a:ext>
+                    </a:extLst>
+                  </a:tr>
+                  <a:tr h="370840">
+                    <a:tc>
+                      <a:txBody>
+                        <a:bodyPr/>
+                        <a:lstStyle/>
+                        <a:p>
+                          <a:pPr algn="ctr"/>
+                          <a:r>
+                            <a:rPr lang="pt-BR" dirty="0"/>
+                            <a:t>2.45</a:t>
+                          </a:r>
+                        </a:p>
+                      </a:txBody>
+                      <a:tcPr/>
+                    </a:tc>
+                    <a:tc>
+                      <a:txBody>
+                        <a:bodyPr/>
+                        <a:lstStyle/>
+                        <a:p>
+                          <a:pPr algn="ctr"/>
+                          <a:r>
+                            <a:rPr lang="pt-BR" dirty="0"/>
+                            <a:t>2.47</a:t>
+                          </a:r>
+                        </a:p>
+                      </a:txBody>
+                      <a:tcPr/>
+                    </a:tc>
+                    <a:tc>
+                      <a:txBody>
+                        <a:bodyPr/>
+                        <a:lstStyle/>
+                        <a:p>
+                          <a:pPr algn="ctr"/>
+                          <a:r>
+                            <a:rPr lang="pt-BR" dirty="0"/>
+                            <a:t>0.02</a:t>
+                          </a:r>
+                        </a:p>
+                      </a:txBody>
+                      <a:tcPr/>
+                    </a:tc>
+                    <a:tc>
+                      <a:txBody>
+                        <a:bodyPr/>
+                        <a:lstStyle/>
+                        <a:p>
+                          <a:pPr algn="ctr"/>
+                          <a:r>
+                            <a:rPr lang="pt-BR" dirty="0"/>
+                            <a:t>0.004</a:t>
+                          </a:r>
+                        </a:p>
+                      </a:txBody>
+                      <a:tcPr/>
+                    </a:tc>
+                    <a:extLst>
+                      <a:ext uri="{0D108BD9-81ED-4DB2-BD59-A6C34878D82A}">
+                        <a16:rowId xmlns:a16="http://schemas.microsoft.com/office/drawing/2014/main" val="1199927121"/>
+                      </a:ext>
+                    </a:extLst>
+                  </a:tr>
+                  <a:tr h="370840">
+                    <a:tc>
+                      <a:txBody>
+                        <a:bodyPr/>
+                        <a:lstStyle/>
+                        <a:p>
+                          <a:pPr algn="ctr"/>
+                          <a:r>
+                            <a:rPr lang="pt-BR" dirty="0"/>
+                            <a:t>2.38</a:t>
+                          </a:r>
+                        </a:p>
+                      </a:txBody>
+                      <a:tcPr/>
+                    </a:tc>
+                    <a:tc>
+                      <a:txBody>
+                        <a:bodyPr/>
+                        <a:lstStyle/>
+                        <a:p>
+                          <a:pPr algn="ctr"/>
+                          <a:r>
+                            <a:rPr lang="pt-BR" dirty="0"/>
+                            <a:t>2.35</a:t>
+                          </a:r>
+                        </a:p>
+                      </a:txBody>
+                      <a:tcPr/>
+                    </a:tc>
+                    <a:tc>
+                      <a:txBody>
+                        <a:bodyPr/>
+                        <a:lstStyle/>
+                        <a:p>
+                          <a:pPr algn="ctr"/>
+                          <a:r>
+                            <a:rPr lang="pt-BR" dirty="0"/>
+                            <a:t>0.03</a:t>
+                          </a:r>
+                        </a:p>
+                      </a:txBody>
+                      <a:tcPr/>
+                    </a:tc>
+                    <a:tc>
+                      <a:txBody>
+                        <a:bodyPr/>
+                        <a:lstStyle/>
+                        <a:p>
+                          <a:pPr algn="ctr"/>
+                          <a:r>
+                            <a:rPr lang="pt-BR" dirty="0"/>
+                            <a:t>0.009</a:t>
+                          </a:r>
+                        </a:p>
+                      </a:txBody>
+                      <a:tcPr/>
+                    </a:tc>
+                    <a:extLst>
+                      <a:ext uri="{0D108BD9-81ED-4DB2-BD59-A6C34878D82A}">
+                        <a16:rowId xmlns:a16="http://schemas.microsoft.com/office/drawing/2014/main" val="861695788"/>
+                      </a:ext>
+                    </a:extLst>
+                  </a:tr>
+                  <a:tr h="370840">
+                    <a:tc>
+                      <a:txBody>
+                        <a:bodyPr/>
+                        <a:lstStyle/>
+                        <a:p>
+                          <a:pPr algn="ctr"/>
+                          <a:r>
+                            <a:rPr lang="pt-BR" dirty="0"/>
+                            <a:t>2.41</a:t>
+                          </a:r>
+                        </a:p>
+                      </a:txBody>
+                      <a:tcPr/>
+                    </a:tc>
+                    <a:tc>
+                      <a:txBody>
+                        <a:bodyPr/>
+                        <a:lstStyle/>
+                        <a:p>
+                          <a:pPr algn="ctr"/>
+                          <a:r>
+                            <a:rPr lang="pt-BR" dirty="0"/>
+                            <a:t>2.42</a:t>
+                          </a:r>
+                        </a:p>
+                      </a:txBody>
+                      <a:tcPr/>
+                    </a:tc>
+                    <a:tc>
+                      <a:txBody>
+                        <a:bodyPr/>
+                        <a:lstStyle/>
+                        <a:p>
+                          <a:pPr algn="ctr"/>
+                          <a:r>
+                            <a:rPr lang="pt-BR" dirty="0"/>
+                            <a:t>0.01</a:t>
+                          </a:r>
+                        </a:p>
+                      </a:txBody>
+                      <a:tcPr/>
+                    </a:tc>
+                    <a:tc>
+                      <a:txBody>
+                        <a:bodyPr/>
+                        <a:lstStyle/>
+                        <a:p>
+                          <a:pPr algn="ctr"/>
+                          <a:r>
+                            <a:rPr lang="pt-BR" dirty="0"/>
+                            <a:t>0.001</a:t>
+                          </a:r>
+                        </a:p>
+                      </a:txBody>
+                      <a:tcPr/>
+                    </a:tc>
+                    <a:extLst>
+                      <a:ext uri="{0D108BD9-81ED-4DB2-BD59-A6C34878D82A}">
+                        <a16:rowId xmlns:a16="http://schemas.microsoft.com/office/drawing/2014/main" val="3962358187"/>
+                      </a:ext>
+                    </a:extLst>
+                  </a:tr>
+                  <a:tr h="370840">
+                    <a:tc>
+                      <a:txBody>
+                        <a:bodyPr/>
+                        <a:lstStyle/>
+                        <a:p>
+                          <a:pPr algn="ctr"/>
+                          <a:r>
+                            <a:rPr lang="pt-BR" dirty="0"/>
+                            <a:t>2.39</a:t>
+                          </a:r>
+                        </a:p>
+                      </a:txBody>
+                      <a:tcPr/>
+                    </a:tc>
+                    <a:tc>
+                      <a:txBody>
+                        <a:bodyPr/>
+                        <a:lstStyle/>
+                        <a:p>
+                          <a:pPr algn="ctr"/>
+                          <a:r>
+                            <a:rPr lang="pt-BR" dirty="0"/>
+                            <a:t>2.35</a:t>
+                          </a:r>
+                        </a:p>
+                      </a:txBody>
+                      <a:tcPr/>
+                    </a:tc>
+                    <a:tc>
+                      <a:txBody>
+                        <a:bodyPr/>
+                        <a:lstStyle/>
+                        <a:p>
+                          <a:pPr algn="ctr"/>
+                          <a:r>
+                            <a:rPr lang="pt-BR" dirty="0"/>
+                            <a:t>0.04</a:t>
+                          </a:r>
+                        </a:p>
+                      </a:txBody>
+                      <a:tcPr/>
+                    </a:tc>
+                    <a:tc>
+                      <a:txBody>
+                        <a:bodyPr/>
+                        <a:lstStyle/>
+                        <a:p>
+                          <a:pPr algn="ctr"/>
+                          <a:r>
+                            <a:rPr lang="pt-BR" dirty="0"/>
+                            <a:t>0.0016</a:t>
+                          </a:r>
+                        </a:p>
+                      </a:txBody>
+                      <a:tcPr/>
+                    </a:tc>
+                    <a:extLst>
+                      <a:ext uri="{0D108BD9-81ED-4DB2-BD59-A6C34878D82A}">
+                        <a16:rowId xmlns:a16="http://schemas.microsoft.com/office/drawing/2014/main" val="3991630761"/>
+                      </a:ext>
+                    </a:extLst>
+                  </a:tr>
+                  <a:tr h="370840">
+                    <a:tc>
+                      <a:txBody>
+                        <a:bodyPr/>
+                        <a:lstStyle/>
+                        <a:p>
+                          <a:pPr algn="ctr"/>
+                          <a:r>
+                            <a:rPr lang="pt-BR" dirty="0"/>
+                            <a:t>2.15</a:t>
+                          </a:r>
+                        </a:p>
+                      </a:txBody>
+                      <a:tcPr/>
+                    </a:tc>
+                    <a:tc>
+                      <a:txBody>
+                        <a:bodyPr/>
+                        <a:lstStyle/>
+                        <a:p>
+                          <a:pPr algn="ctr"/>
+                          <a:r>
+                            <a:rPr lang="pt-BR" dirty="0"/>
+                            <a:t>2.18</a:t>
+                          </a:r>
+                        </a:p>
+                      </a:txBody>
+                      <a:tcPr/>
+                    </a:tc>
+                    <a:tc>
+                      <a:txBody>
+                        <a:bodyPr/>
+                        <a:lstStyle/>
+                        <a:p>
+                          <a:pPr algn="ctr"/>
+                          <a:r>
+                            <a:rPr lang="pt-BR" dirty="0"/>
+                            <a:t>0.04</a:t>
+                          </a:r>
+                        </a:p>
+                      </a:txBody>
+                      <a:tcPr/>
+                    </a:tc>
+                    <a:tc>
+                      <a:txBody>
+                        <a:bodyPr/>
+                        <a:lstStyle/>
+                        <a:p>
+                          <a:pPr algn="ctr"/>
+                          <a:r>
+                            <a:rPr lang="pt-BR" dirty="0"/>
+                            <a:t>0.0016</a:t>
+                          </a:r>
+                        </a:p>
+                      </a:txBody>
+                      <a:tcPr/>
+                    </a:tc>
+                    <a:extLst>
+                      <a:ext uri="{0D108BD9-81ED-4DB2-BD59-A6C34878D82A}">
+                        <a16:rowId xmlns:a16="http://schemas.microsoft.com/office/drawing/2014/main" val="742894488"/>
+                      </a:ext>
+                    </a:extLst>
+                  </a:tr>
+                </a:tbl>
+              </a:graphicData>
+            </a:graphic>
+          </p:graphicFrame>
+        </mc:Choice>
+        <mc:Fallback>
+          <p:graphicFrame>
+            <p:nvGraphicFramePr>
+              <p:cNvPr id="2" name="Espaço Reservado para Conteúdo 1">
                 <a:extLst>
-                  <a:ext uri="{0D108BD9-81ED-4DB2-BD59-A6C34878D82A}">
-                    <a16:rowId xmlns:a16="http://schemas.microsoft.com/office/drawing/2014/main" val="1199927121"/>
+                  <a:ext uri="{FF2B5EF4-FFF2-40B4-BE49-F238E27FC236}">
+                    <a16:creationId xmlns:a16="http://schemas.microsoft.com/office/drawing/2014/main" id="{E77B43E8-B8E9-B34E-991F-6FE6A61A692E}"/>
                   </a:ext>
                 </a:extLst>
-              </a:tr>
-              <a:tr h="370840">
-                <a:tc>
-                  <a:txBody>
-                    <a:bodyPr/>
-                    <a:lstStyle/>
-                    <a:p>
-                      <a:pPr algn="ctr"/>
-                      <a:r>
-                        <a:rPr lang="pt-BR" dirty="0"/>
-                        <a:t>2.38</a:t>
-                      </a:r>
-                    </a:p>
-                  </a:txBody>
-                  <a:tcPr/>
-                </a:tc>
-                <a:tc>
-                  <a:txBody>
-                    <a:bodyPr/>
-                    <a:lstStyle/>
-                    <a:p>
-                      <a:pPr algn="ctr"/>
-                      <a:r>
-                        <a:rPr lang="pt-BR" dirty="0"/>
-                        <a:t>2.35</a:t>
-                      </a:r>
-                    </a:p>
-                  </a:txBody>
-                  <a:tcPr/>
-                </a:tc>
-                <a:tc>
-                  <a:txBody>
-                    <a:bodyPr/>
-                    <a:lstStyle/>
-                    <a:p>
-                      <a:pPr algn="ctr"/>
-                      <a:r>
-                        <a:rPr lang="pt-BR" dirty="0"/>
-                        <a:t>0.03</a:t>
-                      </a:r>
-                    </a:p>
-                  </a:txBody>
-                  <a:tcPr/>
-                </a:tc>
-                <a:tc>
-                  <a:txBody>
-                    <a:bodyPr/>
-                    <a:lstStyle/>
-                    <a:p>
-                      <a:pPr algn="ctr"/>
-                      <a:r>
-                        <a:rPr lang="pt-BR" dirty="0"/>
-                        <a:t>0.009</a:t>
-                      </a:r>
-                    </a:p>
-                  </a:txBody>
-                  <a:tcPr/>
-                </a:tc>
-                <a:extLst>
-                  <a:ext uri="{0D108BD9-81ED-4DB2-BD59-A6C34878D82A}">
-                    <a16:rowId xmlns:a16="http://schemas.microsoft.com/office/drawing/2014/main" val="861695788"/>
-                  </a:ext>
-                </a:extLst>
-              </a:tr>
-              <a:tr h="370840">
-                <a:tc>
-                  <a:txBody>
-                    <a:bodyPr/>
-                    <a:lstStyle/>
-                    <a:p>
-                      <a:pPr algn="ctr"/>
-                      <a:r>
-                        <a:rPr lang="pt-BR" dirty="0"/>
-                        <a:t>2.41</a:t>
-                      </a:r>
-                    </a:p>
-                  </a:txBody>
-                  <a:tcPr/>
-                </a:tc>
-                <a:tc>
-                  <a:txBody>
-                    <a:bodyPr/>
-                    <a:lstStyle/>
-                    <a:p>
-                      <a:pPr algn="ctr"/>
-                      <a:r>
-                        <a:rPr lang="pt-BR" dirty="0"/>
-                        <a:t>2.42</a:t>
-                      </a:r>
-                    </a:p>
-                  </a:txBody>
-                  <a:tcPr/>
-                </a:tc>
-                <a:tc>
-                  <a:txBody>
-                    <a:bodyPr/>
-                    <a:lstStyle/>
-                    <a:p>
-                      <a:pPr algn="ctr"/>
-                      <a:r>
-                        <a:rPr lang="pt-BR" dirty="0"/>
-                        <a:t>0.01</a:t>
-                      </a:r>
-                    </a:p>
-                  </a:txBody>
-                  <a:tcPr/>
-                </a:tc>
-                <a:tc>
-                  <a:txBody>
-                    <a:bodyPr/>
-                    <a:lstStyle/>
-                    <a:p>
-                      <a:pPr algn="ctr"/>
-                      <a:r>
-                        <a:rPr lang="pt-BR" dirty="0"/>
-                        <a:t>0.001</a:t>
-                      </a:r>
-                    </a:p>
-                  </a:txBody>
-                  <a:tcPr/>
-                </a:tc>
-                <a:extLst>
-                  <a:ext uri="{0D108BD9-81ED-4DB2-BD59-A6C34878D82A}">
-                    <a16:rowId xmlns:a16="http://schemas.microsoft.com/office/drawing/2014/main" val="3962358187"/>
-                  </a:ext>
-                </a:extLst>
-              </a:tr>
-              <a:tr h="370840">
-                <a:tc>
-                  <a:txBody>
-                    <a:bodyPr/>
-                    <a:lstStyle/>
-                    <a:p>
-                      <a:pPr algn="ctr"/>
-                      <a:r>
-                        <a:rPr lang="pt-BR" dirty="0"/>
-                        <a:t>2.39</a:t>
-                      </a:r>
-                    </a:p>
-                  </a:txBody>
-                  <a:tcPr/>
-                </a:tc>
-                <a:tc>
-                  <a:txBody>
-                    <a:bodyPr/>
-                    <a:lstStyle/>
-                    <a:p>
-                      <a:pPr algn="ctr"/>
-                      <a:r>
-                        <a:rPr lang="pt-BR" dirty="0"/>
-                        <a:t>2.35</a:t>
-                      </a:r>
-                    </a:p>
-                  </a:txBody>
-                  <a:tcPr/>
-                </a:tc>
-                <a:tc>
-                  <a:txBody>
-                    <a:bodyPr/>
-                    <a:lstStyle/>
-                    <a:p>
-                      <a:pPr algn="ctr"/>
-                      <a:r>
-                        <a:rPr lang="pt-BR" dirty="0"/>
-                        <a:t>0.04</a:t>
-                      </a:r>
-                    </a:p>
-                  </a:txBody>
-                  <a:tcPr/>
-                </a:tc>
-                <a:tc>
-                  <a:txBody>
-                    <a:bodyPr/>
-                    <a:lstStyle/>
-                    <a:p>
-                      <a:pPr algn="ctr"/>
-                      <a:r>
-                        <a:rPr lang="pt-BR" dirty="0"/>
-                        <a:t>0.0016</a:t>
-                      </a:r>
-                    </a:p>
-                  </a:txBody>
-                  <a:tcPr/>
-                </a:tc>
-                <a:extLst>
-                  <a:ext uri="{0D108BD9-81ED-4DB2-BD59-A6C34878D82A}">
-                    <a16:rowId xmlns:a16="http://schemas.microsoft.com/office/drawing/2014/main" val="3991630761"/>
-                  </a:ext>
-                </a:extLst>
-              </a:tr>
-              <a:tr h="370840">
-                <a:tc>
-                  <a:txBody>
-                    <a:bodyPr/>
-                    <a:lstStyle/>
-                    <a:p>
-                      <a:pPr algn="ctr"/>
-                      <a:r>
-                        <a:rPr lang="pt-BR" dirty="0"/>
-                        <a:t>2.15</a:t>
-                      </a:r>
-                    </a:p>
-                  </a:txBody>
-                  <a:tcPr/>
-                </a:tc>
-                <a:tc>
-                  <a:txBody>
-                    <a:bodyPr/>
-                    <a:lstStyle/>
-                    <a:p>
-                      <a:pPr algn="ctr"/>
-                      <a:r>
-                        <a:rPr lang="pt-BR" dirty="0"/>
-                        <a:t>2.18</a:t>
-                      </a:r>
-                    </a:p>
-                  </a:txBody>
-                  <a:tcPr/>
-                </a:tc>
-                <a:tc>
-                  <a:txBody>
-                    <a:bodyPr/>
-                    <a:lstStyle/>
-                    <a:p>
-                      <a:pPr algn="ctr"/>
-                      <a:r>
-                        <a:rPr lang="pt-BR" dirty="0"/>
-                        <a:t>0.04</a:t>
-                      </a:r>
-                    </a:p>
-                  </a:txBody>
-                  <a:tcPr/>
-                </a:tc>
-                <a:tc>
-                  <a:txBody>
-                    <a:bodyPr/>
-                    <a:lstStyle/>
-                    <a:p>
-                      <a:pPr algn="ctr"/>
-                      <a:r>
-                        <a:rPr lang="pt-BR" dirty="0"/>
-                        <a:t>0.0016</a:t>
-                      </a:r>
-                    </a:p>
-                  </a:txBody>
-                  <a:tcPr/>
-                </a:tc>
-                <a:extLst>
-                  <a:ext uri="{0D108BD9-81ED-4DB2-BD59-A6C34878D82A}">
-                    <a16:rowId xmlns:a16="http://schemas.microsoft.com/office/drawing/2014/main" val="742894488"/>
-                  </a:ext>
-                </a:extLst>
-              </a:tr>
-            </a:tbl>
-          </a:graphicData>
-        </a:graphic>
-      </p:graphicFrame>
+              </p:cNvPr>
+              <p:cNvGraphicFramePr>
+                <a:graphicFrameLocks noGrp="1"/>
+              </p:cNvGraphicFramePr>
+              <p:nvPr>
+                <p:ph idx="1"/>
+                <p:extLst>
+                  <p:ext uri="{D42A27DB-BD31-4B8C-83A1-F6EECF244321}">
+                    <p14:modId xmlns:p14="http://schemas.microsoft.com/office/powerpoint/2010/main" val="3895781268"/>
+                  </p:ext>
+                </p:extLst>
+              </p:nvPr>
+            </p:nvGraphicFramePr>
+            <p:xfrm>
+              <a:off x="4108784" y="2042193"/>
+              <a:ext cx="3974432" cy="2255266"/>
+            </p:xfrm>
+            <a:graphic>
+              <a:graphicData uri="http://schemas.openxmlformats.org/drawingml/2006/table">
+                <a:tbl>
+                  <a:tblPr firstRow="1" bandRow="1">
+                    <a:tableStyleId>{5C22544A-7EE6-4342-B048-85BDC9FD1C3A}</a:tableStyleId>
+                  </a:tblPr>
+                  <a:tblGrid>
+                    <a:gridCol w="1027303">
+                      <a:extLst>
+                        <a:ext uri="{9D8B030D-6E8A-4147-A177-3AD203B41FA5}">
+                          <a16:colId xmlns:a16="http://schemas.microsoft.com/office/drawing/2014/main" val="3250293782"/>
+                        </a:ext>
+                      </a:extLst>
+                    </a:gridCol>
+                    <a:gridCol w="934455">
+                      <a:extLst>
+                        <a:ext uri="{9D8B030D-6E8A-4147-A177-3AD203B41FA5}">
+                          <a16:colId xmlns:a16="http://schemas.microsoft.com/office/drawing/2014/main" val="886750355"/>
+                        </a:ext>
+                      </a:extLst>
+                    </a:gridCol>
+                    <a:gridCol w="1006337">
+                      <a:extLst>
+                        <a:ext uri="{9D8B030D-6E8A-4147-A177-3AD203B41FA5}">
+                          <a16:colId xmlns:a16="http://schemas.microsoft.com/office/drawing/2014/main" val="4002214762"/>
+                        </a:ext>
+                      </a:extLst>
+                    </a:gridCol>
+                    <a:gridCol w="1006337">
+                      <a:extLst>
+                        <a:ext uri="{9D8B030D-6E8A-4147-A177-3AD203B41FA5}">
+                          <a16:colId xmlns:a16="http://schemas.microsoft.com/office/drawing/2014/main" val="1806760654"/>
+                        </a:ext>
+                      </a:extLst>
+                    </a:gridCol>
+                  </a:tblGrid>
+                  <a:tr h="401066">
+                    <a:tc>
+                      <a:txBody>
+                        <a:bodyPr/>
+                        <a:lstStyle/>
+                        <a:p>
+                          <a:pPr algn="ctr"/>
+                          <a:r>
+                            <a:rPr lang="pt-BR" dirty="0"/>
+                            <a:t>Y</a:t>
+                          </a:r>
+                        </a:p>
+                      </a:txBody>
+                      <a:tcPr/>
+                    </a:tc>
+                    <a:tc>
+                      <a:txBody>
+                        <a:bodyPr/>
+                        <a:lstStyle/>
+                        <a:p>
+                          <a:endParaRPr lang="pt-BR"/>
+                        </a:p>
+                      </a:txBody>
+                      <a:tcPr>
+                        <a:blipFill>
+                          <a:blip r:embed="rId2"/>
+                          <a:stretch>
+                            <a:fillRect l="-110811" t="-6250" r="-216216" b="-481250"/>
+                          </a:stretch>
+                        </a:blipFill>
+                      </a:tcPr>
+                    </a:tc>
+                    <a:tc>
+                      <a:txBody>
+                        <a:bodyPr/>
+                        <a:lstStyle/>
+                        <a:p>
+                          <a:endParaRPr lang="pt-BR"/>
+                        </a:p>
+                      </a:txBody>
+                      <a:tcPr>
+                        <a:blipFill>
+                          <a:blip r:embed="rId2"/>
+                          <a:stretch>
+                            <a:fillRect l="-197468" t="-6250" r="-102532" b="-481250"/>
+                          </a:stretch>
+                        </a:blipFill>
+                      </a:tcPr>
+                    </a:tc>
+                    <a:tc>
+                      <a:txBody>
+                        <a:bodyPr/>
+                        <a:lstStyle/>
+                        <a:p>
+                          <a:endParaRPr lang="pt-BR"/>
+                        </a:p>
+                      </a:txBody>
+                      <a:tcPr>
+                        <a:blipFill>
+                          <a:blip r:embed="rId2"/>
+                          <a:stretch>
+                            <a:fillRect l="-293750" t="-6250" r="-1250" b="-481250"/>
+                          </a:stretch>
+                        </a:blipFill>
+                      </a:tcPr>
+                    </a:tc>
+                    <a:extLst>
+                      <a:ext uri="{0D108BD9-81ED-4DB2-BD59-A6C34878D82A}">
+                        <a16:rowId xmlns:a16="http://schemas.microsoft.com/office/drawing/2014/main" val="3387704678"/>
+                      </a:ext>
+                    </a:extLst>
+                  </a:tr>
+                  <a:tr h="370840">
+                    <a:tc>
+                      <a:txBody>
+                        <a:bodyPr/>
+                        <a:lstStyle/>
+                        <a:p>
+                          <a:pPr algn="ctr"/>
+                          <a:r>
+                            <a:rPr lang="pt-BR" dirty="0"/>
+                            <a:t>2.45</a:t>
+                          </a:r>
+                        </a:p>
+                      </a:txBody>
+                      <a:tcPr/>
+                    </a:tc>
+                    <a:tc>
+                      <a:txBody>
+                        <a:bodyPr/>
+                        <a:lstStyle/>
+                        <a:p>
+                          <a:pPr algn="ctr"/>
+                          <a:r>
+                            <a:rPr lang="pt-BR" dirty="0"/>
+                            <a:t>2.47</a:t>
+                          </a:r>
+                        </a:p>
+                      </a:txBody>
+                      <a:tcPr/>
+                    </a:tc>
+                    <a:tc>
+                      <a:txBody>
+                        <a:bodyPr/>
+                        <a:lstStyle/>
+                        <a:p>
+                          <a:pPr algn="ctr"/>
+                          <a:r>
+                            <a:rPr lang="pt-BR" dirty="0"/>
+                            <a:t>0.02</a:t>
+                          </a:r>
+                        </a:p>
+                      </a:txBody>
+                      <a:tcPr/>
+                    </a:tc>
+                    <a:tc>
+                      <a:txBody>
+                        <a:bodyPr/>
+                        <a:lstStyle/>
+                        <a:p>
+                          <a:pPr algn="ctr"/>
+                          <a:r>
+                            <a:rPr lang="pt-BR" dirty="0"/>
+                            <a:t>0.004</a:t>
+                          </a:r>
+                        </a:p>
+                      </a:txBody>
+                      <a:tcPr/>
+                    </a:tc>
+                    <a:extLst>
+                      <a:ext uri="{0D108BD9-81ED-4DB2-BD59-A6C34878D82A}">
+                        <a16:rowId xmlns:a16="http://schemas.microsoft.com/office/drawing/2014/main" val="1199927121"/>
+                      </a:ext>
+                    </a:extLst>
+                  </a:tr>
+                  <a:tr h="370840">
+                    <a:tc>
+                      <a:txBody>
+                        <a:bodyPr/>
+                        <a:lstStyle/>
+                        <a:p>
+                          <a:pPr algn="ctr"/>
+                          <a:r>
+                            <a:rPr lang="pt-BR" dirty="0"/>
+                            <a:t>2.38</a:t>
+                          </a:r>
+                        </a:p>
+                      </a:txBody>
+                      <a:tcPr/>
+                    </a:tc>
+                    <a:tc>
+                      <a:txBody>
+                        <a:bodyPr/>
+                        <a:lstStyle/>
+                        <a:p>
+                          <a:pPr algn="ctr"/>
+                          <a:r>
+                            <a:rPr lang="pt-BR" dirty="0"/>
+                            <a:t>2.35</a:t>
+                          </a:r>
+                        </a:p>
+                      </a:txBody>
+                      <a:tcPr/>
+                    </a:tc>
+                    <a:tc>
+                      <a:txBody>
+                        <a:bodyPr/>
+                        <a:lstStyle/>
+                        <a:p>
+                          <a:pPr algn="ctr"/>
+                          <a:r>
+                            <a:rPr lang="pt-BR" dirty="0"/>
+                            <a:t>0.03</a:t>
+                          </a:r>
+                        </a:p>
+                      </a:txBody>
+                      <a:tcPr/>
+                    </a:tc>
+                    <a:tc>
+                      <a:txBody>
+                        <a:bodyPr/>
+                        <a:lstStyle/>
+                        <a:p>
+                          <a:pPr algn="ctr"/>
+                          <a:r>
+                            <a:rPr lang="pt-BR" dirty="0"/>
+                            <a:t>0.009</a:t>
+                          </a:r>
+                        </a:p>
+                      </a:txBody>
+                      <a:tcPr/>
+                    </a:tc>
+                    <a:extLst>
+                      <a:ext uri="{0D108BD9-81ED-4DB2-BD59-A6C34878D82A}">
+                        <a16:rowId xmlns:a16="http://schemas.microsoft.com/office/drawing/2014/main" val="861695788"/>
+                      </a:ext>
+                    </a:extLst>
+                  </a:tr>
+                  <a:tr h="370840">
+                    <a:tc>
+                      <a:txBody>
+                        <a:bodyPr/>
+                        <a:lstStyle/>
+                        <a:p>
+                          <a:pPr algn="ctr"/>
+                          <a:r>
+                            <a:rPr lang="pt-BR" dirty="0"/>
+                            <a:t>2.41</a:t>
+                          </a:r>
+                        </a:p>
+                      </a:txBody>
+                      <a:tcPr/>
+                    </a:tc>
+                    <a:tc>
+                      <a:txBody>
+                        <a:bodyPr/>
+                        <a:lstStyle/>
+                        <a:p>
+                          <a:pPr algn="ctr"/>
+                          <a:r>
+                            <a:rPr lang="pt-BR" dirty="0"/>
+                            <a:t>2.42</a:t>
+                          </a:r>
+                        </a:p>
+                      </a:txBody>
+                      <a:tcPr/>
+                    </a:tc>
+                    <a:tc>
+                      <a:txBody>
+                        <a:bodyPr/>
+                        <a:lstStyle/>
+                        <a:p>
+                          <a:pPr algn="ctr"/>
+                          <a:r>
+                            <a:rPr lang="pt-BR" dirty="0"/>
+                            <a:t>0.01</a:t>
+                          </a:r>
+                        </a:p>
+                      </a:txBody>
+                      <a:tcPr/>
+                    </a:tc>
+                    <a:tc>
+                      <a:txBody>
+                        <a:bodyPr/>
+                        <a:lstStyle/>
+                        <a:p>
+                          <a:pPr algn="ctr"/>
+                          <a:r>
+                            <a:rPr lang="pt-BR" dirty="0"/>
+                            <a:t>0.001</a:t>
+                          </a:r>
+                        </a:p>
+                      </a:txBody>
+                      <a:tcPr/>
+                    </a:tc>
+                    <a:extLst>
+                      <a:ext uri="{0D108BD9-81ED-4DB2-BD59-A6C34878D82A}">
+                        <a16:rowId xmlns:a16="http://schemas.microsoft.com/office/drawing/2014/main" val="3962358187"/>
+                      </a:ext>
+                    </a:extLst>
+                  </a:tr>
+                  <a:tr h="370840">
+                    <a:tc>
+                      <a:txBody>
+                        <a:bodyPr/>
+                        <a:lstStyle/>
+                        <a:p>
+                          <a:pPr algn="ctr"/>
+                          <a:r>
+                            <a:rPr lang="pt-BR" dirty="0"/>
+                            <a:t>2.39</a:t>
+                          </a:r>
+                        </a:p>
+                      </a:txBody>
+                      <a:tcPr/>
+                    </a:tc>
+                    <a:tc>
+                      <a:txBody>
+                        <a:bodyPr/>
+                        <a:lstStyle/>
+                        <a:p>
+                          <a:pPr algn="ctr"/>
+                          <a:r>
+                            <a:rPr lang="pt-BR" dirty="0"/>
+                            <a:t>2.35</a:t>
+                          </a:r>
+                        </a:p>
+                      </a:txBody>
+                      <a:tcPr/>
+                    </a:tc>
+                    <a:tc>
+                      <a:txBody>
+                        <a:bodyPr/>
+                        <a:lstStyle/>
+                        <a:p>
+                          <a:pPr algn="ctr"/>
+                          <a:r>
+                            <a:rPr lang="pt-BR" dirty="0"/>
+                            <a:t>0.04</a:t>
+                          </a:r>
+                        </a:p>
+                      </a:txBody>
+                      <a:tcPr/>
+                    </a:tc>
+                    <a:tc>
+                      <a:txBody>
+                        <a:bodyPr/>
+                        <a:lstStyle/>
+                        <a:p>
+                          <a:pPr algn="ctr"/>
+                          <a:r>
+                            <a:rPr lang="pt-BR" dirty="0"/>
+                            <a:t>0.0016</a:t>
+                          </a:r>
+                        </a:p>
+                      </a:txBody>
+                      <a:tcPr/>
+                    </a:tc>
+                    <a:extLst>
+                      <a:ext uri="{0D108BD9-81ED-4DB2-BD59-A6C34878D82A}">
+                        <a16:rowId xmlns:a16="http://schemas.microsoft.com/office/drawing/2014/main" val="3991630761"/>
+                      </a:ext>
+                    </a:extLst>
+                  </a:tr>
+                  <a:tr h="370840">
+                    <a:tc>
+                      <a:txBody>
+                        <a:bodyPr/>
+                        <a:lstStyle/>
+                        <a:p>
+                          <a:pPr algn="ctr"/>
+                          <a:r>
+                            <a:rPr lang="pt-BR" dirty="0"/>
+                            <a:t>2.15</a:t>
+                          </a:r>
+                        </a:p>
+                      </a:txBody>
+                      <a:tcPr/>
+                    </a:tc>
+                    <a:tc>
+                      <a:txBody>
+                        <a:bodyPr/>
+                        <a:lstStyle/>
+                        <a:p>
+                          <a:pPr algn="ctr"/>
+                          <a:r>
+                            <a:rPr lang="pt-BR" dirty="0"/>
+                            <a:t>2.18</a:t>
+                          </a:r>
+                        </a:p>
+                      </a:txBody>
+                      <a:tcPr/>
+                    </a:tc>
+                    <a:tc>
+                      <a:txBody>
+                        <a:bodyPr/>
+                        <a:lstStyle/>
+                        <a:p>
+                          <a:pPr algn="ctr"/>
+                          <a:r>
+                            <a:rPr lang="pt-BR" dirty="0"/>
+                            <a:t>0.04</a:t>
+                          </a:r>
+                        </a:p>
+                      </a:txBody>
+                      <a:tcPr/>
+                    </a:tc>
+                    <a:tc>
+                      <a:txBody>
+                        <a:bodyPr/>
+                        <a:lstStyle/>
+                        <a:p>
+                          <a:pPr algn="ctr"/>
+                          <a:r>
+                            <a:rPr lang="pt-BR" dirty="0"/>
+                            <a:t>0.0016</a:t>
+                          </a:r>
+                        </a:p>
+                      </a:txBody>
+                      <a:tcPr/>
+                    </a:tc>
+                    <a:extLst>
+                      <a:ext uri="{0D108BD9-81ED-4DB2-BD59-A6C34878D82A}">
+                        <a16:rowId xmlns:a16="http://schemas.microsoft.com/office/drawing/2014/main" val="742894488"/>
+                      </a:ext>
+                    </a:extLst>
+                  </a:tr>
+                </a:tbl>
+              </a:graphicData>
+            </a:graphic>
+          </p:graphicFrame>
+        </mc:Fallback>
+      </mc:AlternateContent>
       <p:sp>
         <p:nvSpPr>
           <p:cNvPr id="4" name="Título 1">
@@ -4361,8 +5026,8 @@
           </a:p>
         </p:txBody>
       </p:sp>
-      <mc:AlternateContent xmlns:mc="http://schemas.openxmlformats.org/markup-compatibility/2006" xmlns:a14="http://schemas.microsoft.com/office/drawing/2010/main">
-        <mc:Choice Requires="a14">
+      <mc:AlternateContent xmlns:mc="http://schemas.openxmlformats.org/markup-compatibility/2006">
+        <mc:Choice xmlns:a14="http://schemas.microsoft.com/office/drawing/2010/main" Requires="a14">
           <p:sp>
             <p:nvSpPr>
               <p:cNvPr id="5" name="CaixaDeTexto 4">
@@ -4378,7 +5043,7 @@
             <p:spPr>
               <a:xfrm>
                 <a:off x="3956383" y="4618738"/>
-                <a:ext cx="4279233" cy="555858"/>
+                <a:ext cx="4279233" cy="646074"/>
               </a:xfrm>
               <a:prstGeom prst="rect">
                 <a:avLst/>
@@ -4476,7 +5141,7 @@
                                         <a:rPr lang="pt-BR" b="0" i="1" smtClean="0">
                                           <a:latin typeface="Cambria Math" panose="02040503050406030204" pitchFamily="18" charset="0"/>
                                         </a:rPr>
-                                        <m:t>𝑋</m:t>
+                                        <m:t>𝑌</m:t>
                                       </m:r>
                                       <m:r>
                                         <a:rPr lang="pt-BR" b="0" i="1" smtClean="0">
@@ -4484,12 +5149,24 @@
                                         </a:rPr>
                                         <m:t>−</m:t>
                                       </m:r>
-                                      <m:r>
-                                        <a:rPr lang="pt-BR" b="0" i="1" smtClean="0">
-                                          <a:latin typeface="Cambria Math" panose="02040503050406030204" pitchFamily="18" charset="0"/>
-                                        </a:rPr>
-                                        <m:t>𝑌</m:t>
-                                      </m:r>
+                                      <m:acc>
+                                        <m:accPr>
+                                          <m:chr m:val="̂"/>
+                                          <m:ctrlPr>
+                                            <a:rPr lang="pt-BR" b="0" i="1" smtClean="0">
+                                              <a:latin typeface="Cambria Math" panose="02040503050406030204" pitchFamily="18" charset="0"/>
+                                            </a:rPr>
+                                          </m:ctrlPr>
+                                        </m:accPr>
+                                        <m:e>
+                                          <m:r>
+                                            <a:rPr lang="pt-BR" b="0" i="1" smtClean="0">
+                                              <a:latin typeface="Cambria Math" panose="02040503050406030204" pitchFamily="18" charset="0"/>
+                                            </a:rPr>
+                                            <m:t>𝑌</m:t>
+                                          </m:r>
+                                        </m:e>
+                                      </m:acc>
                                     </m:e>
                                   </m:d>
                                 </m:e>
@@ -4566,7 +5243,7 @@
             </p:txBody>
           </p:sp>
         </mc:Choice>
-        <mc:Fallback xmlns="">
+        <mc:Fallback>
           <p:sp>
             <p:nvSpPr>
               <p:cNvPr id="5" name="CaixaDeTexto 4">
@@ -4584,15 +5261,15 @@
             <p:spPr>
               <a:xfrm>
                 <a:off x="3956383" y="4618738"/>
-                <a:ext cx="4279233" cy="555858"/>
+                <a:ext cx="4279233" cy="646074"/>
               </a:xfrm>
               <a:prstGeom prst="rect">
                 <a:avLst/>
               </a:prstGeom>
               <a:blipFill>
-                <a:blip r:embed="rId2"/>
+                <a:blip r:embed="rId3"/>
                 <a:stretch>
-                  <a:fillRect l="-595" t="-84091" r="-298" b="-72727"/>
+                  <a:fillRect l="-893" t="-57692" r="-595" b="-57692"/>
                 </a:stretch>
               </a:blipFill>
             </p:spPr>
@@ -4805,450 +5482,1059 @@
           <a:chExt cx="0" cy="0"/>
         </a:xfrm>
       </p:grpSpPr>
-      <p:graphicFrame>
-        <p:nvGraphicFramePr>
-          <p:cNvPr id="2" name="Espaço Reservado para Conteúdo 1">
-            <a:extLst>
-              <a:ext uri="{FF2B5EF4-FFF2-40B4-BE49-F238E27FC236}">
-                <a16:creationId xmlns:a16="http://schemas.microsoft.com/office/drawing/2014/main" id="{E77B43E8-B8E9-B34E-991F-6FE6A61A692E}"/>
-              </a:ext>
-            </a:extLst>
-          </p:cNvPr>
-          <p:cNvGraphicFramePr>
-            <a:graphicFrameLocks noGrp="1"/>
-          </p:cNvGraphicFramePr>
-          <p:nvPr>
-            <p:ph idx="1"/>
-          </p:nvPr>
-        </p:nvGraphicFramePr>
-        <p:xfrm>
-          <a:off x="4108784" y="2042193"/>
-          <a:ext cx="3974432" cy="2225040"/>
-        </p:xfrm>
-        <a:graphic>
-          <a:graphicData uri="http://schemas.openxmlformats.org/drawingml/2006/table">
-            <a:tbl>
-              <a:tblPr firstRow="1" bandRow="1">
-                <a:tableStyleId>{5C22544A-7EE6-4342-B048-85BDC9FD1C3A}</a:tableStyleId>
-              </a:tblPr>
-              <a:tblGrid>
-                <a:gridCol w="1027303">
-                  <a:extLst>
-                    <a:ext uri="{9D8B030D-6E8A-4147-A177-3AD203B41FA5}">
-                      <a16:colId xmlns:a16="http://schemas.microsoft.com/office/drawing/2014/main" val="3250293782"/>
-                    </a:ext>
-                  </a:extLst>
-                </a:gridCol>
-                <a:gridCol w="934455">
-                  <a:extLst>
-                    <a:ext uri="{9D8B030D-6E8A-4147-A177-3AD203B41FA5}">
-                      <a16:colId xmlns:a16="http://schemas.microsoft.com/office/drawing/2014/main" val="886750355"/>
-                    </a:ext>
-                  </a:extLst>
-                </a:gridCol>
-                <a:gridCol w="1006337">
-                  <a:extLst>
-                    <a:ext uri="{9D8B030D-6E8A-4147-A177-3AD203B41FA5}">
-                      <a16:colId xmlns:a16="http://schemas.microsoft.com/office/drawing/2014/main" val="4002214762"/>
-                    </a:ext>
-                  </a:extLst>
-                </a:gridCol>
-                <a:gridCol w="1006337">
-                  <a:extLst>
-                    <a:ext uri="{9D8B030D-6E8A-4147-A177-3AD203B41FA5}">
-                      <a16:colId xmlns:a16="http://schemas.microsoft.com/office/drawing/2014/main" val="1806760654"/>
-                    </a:ext>
-                  </a:extLst>
-                </a:gridCol>
-              </a:tblGrid>
-              <a:tr h="370840">
-                <a:tc>
-                  <a:txBody>
-                    <a:bodyPr/>
-                    <a:lstStyle/>
-                    <a:p>
-                      <a:pPr algn="ctr"/>
-                      <a:r>
-                        <a:rPr lang="pt-BR" dirty="0" err="1"/>
-                        <a:t>X</a:t>
-                      </a:r>
-                      <a:endParaRPr lang="pt-BR" dirty="0"/>
-                    </a:p>
-                  </a:txBody>
-                  <a:tcPr/>
-                </a:tc>
-                <a:tc>
-                  <a:txBody>
-                    <a:bodyPr/>
-                    <a:lstStyle/>
-                    <a:p>
-                      <a:pPr algn="ctr"/>
-                      <a:r>
-                        <a:rPr lang="pt-BR" dirty="0" err="1"/>
-                        <a:t>Y</a:t>
-                      </a:r>
-                      <a:endParaRPr lang="pt-BR" dirty="0"/>
-                    </a:p>
-                  </a:txBody>
-                  <a:tcPr/>
-                </a:tc>
-                <a:tc>
-                  <a:txBody>
-                    <a:bodyPr/>
-                    <a:lstStyle/>
-                    <a:p>
-                      <a:pPr algn="ctr"/>
-                      <a:r>
-                        <a:rPr lang="pt-BR" dirty="0"/>
-                        <a:t>(X-Y)</a:t>
-                      </a:r>
-                    </a:p>
-                  </a:txBody>
-                  <a:tcPr/>
-                </a:tc>
-                <a:tc>
-                  <a:txBody>
-                    <a:bodyPr/>
-                    <a:lstStyle/>
-                    <a:p>
-                      <a:pPr algn="ctr"/>
-                      <a:r>
-                        <a:rPr lang="pt-BR" dirty="0"/>
-                        <a:t>(X-Y)</a:t>
-                      </a:r>
-                      <a:r>
-                        <a:rPr lang="pt-BR" baseline="30000" dirty="0"/>
-                        <a:t>2</a:t>
-                      </a:r>
-                    </a:p>
-                  </a:txBody>
-                  <a:tcPr/>
-                </a:tc>
+      <mc:AlternateContent xmlns:mc="http://schemas.openxmlformats.org/markup-compatibility/2006">
+        <mc:Choice xmlns:a14="http://schemas.microsoft.com/office/drawing/2010/main" Requires="a14">
+          <p:graphicFrame>
+            <p:nvGraphicFramePr>
+              <p:cNvPr id="2" name="Espaço Reservado para Conteúdo 1">
                 <a:extLst>
-                  <a:ext uri="{0D108BD9-81ED-4DB2-BD59-A6C34878D82A}">
-                    <a16:rowId xmlns:a16="http://schemas.microsoft.com/office/drawing/2014/main" val="3387704678"/>
+                  <a:ext uri="{FF2B5EF4-FFF2-40B4-BE49-F238E27FC236}">
+                    <a16:creationId xmlns:a16="http://schemas.microsoft.com/office/drawing/2014/main" id="{E77B43E8-B8E9-B34E-991F-6FE6A61A692E}"/>
                   </a:ext>
                 </a:extLst>
-              </a:tr>
-              <a:tr h="370840">
-                <a:tc>
-                  <a:txBody>
-                    <a:bodyPr/>
-                    <a:lstStyle/>
-                    <a:p>
-                      <a:pPr algn="ctr"/>
-                      <a:r>
-                        <a:rPr lang="pt-BR" dirty="0"/>
-                        <a:t>2.45</a:t>
-                      </a:r>
-                    </a:p>
-                  </a:txBody>
-                  <a:tcPr/>
-                </a:tc>
-                <a:tc>
-                  <a:txBody>
-                    <a:bodyPr/>
-                    <a:lstStyle/>
-                    <a:p>
-                      <a:pPr algn="ctr"/>
-                      <a:r>
-                        <a:rPr lang="pt-BR" dirty="0"/>
-                        <a:t>2.47</a:t>
-                      </a:r>
-                    </a:p>
-                  </a:txBody>
-                  <a:tcPr/>
-                </a:tc>
-                <a:tc>
-                  <a:txBody>
-                    <a:bodyPr/>
-                    <a:lstStyle/>
-                    <a:p>
-                      <a:pPr algn="ctr"/>
-                      <a:r>
-                        <a:rPr lang="pt-BR" dirty="0"/>
-                        <a:t>0.02</a:t>
-                      </a:r>
-                    </a:p>
-                  </a:txBody>
-                  <a:tcPr/>
-                </a:tc>
-                <a:tc>
-                  <a:txBody>
-                    <a:bodyPr/>
-                    <a:lstStyle/>
-                    <a:p>
-                      <a:pPr algn="ctr"/>
-                      <a:r>
-                        <a:rPr lang="pt-BR" dirty="0"/>
-                        <a:t>0.004</a:t>
-                      </a:r>
-                    </a:p>
-                  </a:txBody>
-                  <a:tcPr/>
-                </a:tc>
+              </p:cNvPr>
+              <p:cNvGraphicFramePr>
+                <a:graphicFrameLocks noGrp="1"/>
+              </p:cNvGraphicFramePr>
+              <p:nvPr>
+                <p:ph idx="1"/>
+                <p:extLst>
+                  <p:ext uri="{D42A27DB-BD31-4B8C-83A1-F6EECF244321}">
+                    <p14:modId xmlns:p14="http://schemas.microsoft.com/office/powerpoint/2010/main" val="1392163078"/>
+                  </p:ext>
+                </p:extLst>
+              </p:nvPr>
+            </p:nvGraphicFramePr>
+            <p:xfrm>
+              <a:off x="4108784" y="2042193"/>
+              <a:ext cx="3974432" cy="2255266"/>
+            </p:xfrm>
+            <a:graphic>
+              <a:graphicData uri="http://schemas.openxmlformats.org/drawingml/2006/table">
+                <a:tbl>
+                  <a:tblPr firstRow="1" bandRow="1">
+                    <a:tableStyleId>{5C22544A-7EE6-4342-B048-85BDC9FD1C3A}</a:tableStyleId>
+                  </a:tblPr>
+                  <a:tblGrid>
+                    <a:gridCol w="1027303">
+                      <a:extLst>
+                        <a:ext uri="{9D8B030D-6E8A-4147-A177-3AD203B41FA5}">
+                          <a16:colId xmlns:a16="http://schemas.microsoft.com/office/drawing/2014/main" val="3250293782"/>
+                        </a:ext>
+                      </a:extLst>
+                    </a:gridCol>
+                    <a:gridCol w="934455">
+                      <a:extLst>
+                        <a:ext uri="{9D8B030D-6E8A-4147-A177-3AD203B41FA5}">
+                          <a16:colId xmlns:a16="http://schemas.microsoft.com/office/drawing/2014/main" val="886750355"/>
+                        </a:ext>
+                      </a:extLst>
+                    </a:gridCol>
+                    <a:gridCol w="1006337">
+                      <a:extLst>
+                        <a:ext uri="{9D8B030D-6E8A-4147-A177-3AD203B41FA5}">
+                          <a16:colId xmlns:a16="http://schemas.microsoft.com/office/drawing/2014/main" val="4002214762"/>
+                        </a:ext>
+                      </a:extLst>
+                    </a:gridCol>
+                    <a:gridCol w="1006337">
+                      <a:extLst>
+                        <a:ext uri="{9D8B030D-6E8A-4147-A177-3AD203B41FA5}">
+                          <a16:colId xmlns:a16="http://schemas.microsoft.com/office/drawing/2014/main" val="1806760654"/>
+                        </a:ext>
+                      </a:extLst>
+                    </a:gridCol>
+                  </a:tblGrid>
+                  <a:tr h="370840">
+                    <a:tc>
+                      <a:txBody>
+                        <a:bodyPr/>
+                        <a:lstStyle/>
+                        <a:p>
+                          <a:pPr algn="ctr"/>
+                          <a:r>
+                            <a:rPr lang="pt-BR" dirty="0"/>
+                            <a:t>Y</a:t>
+                          </a:r>
+                        </a:p>
+                      </a:txBody>
+                      <a:tcPr/>
+                    </a:tc>
+                    <a:tc>
+                      <a:txBody>
+                        <a:bodyPr/>
+                        <a:lstStyle/>
+                        <a:p>
+                          <a:pPr algn="ctr"/>
+                          <a14:m>
+                            <m:oMathPara xmlns:m="http://schemas.openxmlformats.org/officeDocument/2006/math">
+                              <m:oMathParaPr>
+                                <m:jc m:val="centerGroup"/>
+                              </m:oMathParaPr>
+                              <m:oMath xmlns:m="http://schemas.openxmlformats.org/officeDocument/2006/math">
+                                <m:acc>
+                                  <m:accPr>
+                                    <m:chr m:val="̂"/>
+                                    <m:ctrlPr>
+                                      <a:rPr lang="pt-BR" i="1" smtClean="0">
+                                        <a:latin typeface="Cambria Math" panose="02040503050406030204" pitchFamily="18" charset="0"/>
+                                      </a:rPr>
+                                    </m:ctrlPr>
+                                  </m:accPr>
+                                  <m:e>
+                                    <m:r>
+                                      <a:rPr lang="pt-BR" b="1" i="1" smtClean="0">
+                                        <a:latin typeface="Cambria Math" panose="02040503050406030204" pitchFamily="18" charset="0"/>
+                                      </a:rPr>
+                                      <m:t>𝒀</m:t>
+                                    </m:r>
+                                  </m:e>
+                                </m:acc>
+                              </m:oMath>
+                            </m:oMathPara>
+                          </a14:m>
+                          <a:endParaRPr lang="pt-BR" dirty="0"/>
+                        </a:p>
+                      </a:txBody>
+                      <a:tcPr/>
+                    </a:tc>
+                    <a:tc>
+                      <a:txBody>
+                        <a:bodyPr/>
+                        <a:lstStyle/>
+                        <a:p>
+                          <a:pPr marL="0" marR="0" lvl="0" indent="0" algn="ctr" defTabSz="914400" rtl="0" eaLnBrk="1" fontAlgn="auto" latinLnBrk="0" hangingPunct="1">
+                            <a:lnSpc>
+                              <a:spcPct val="100000"/>
+                            </a:lnSpc>
+                            <a:spcBef>
+                              <a:spcPts val="0"/>
+                            </a:spcBef>
+                            <a:spcAft>
+                              <a:spcPts val="0"/>
+                            </a:spcAft>
+                            <a:buClrTx/>
+                            <a:buSzTx/>
+                            <a:buFontTx/>
+                            <a:buNone/>
+                            <a:tabLst/>
+                            <a:defRPr/>
+                          </a:pPr>
+                          <a14:m>
+                            <m:oMathPara xmlns:m="http://schemas.openxmlformats.org/officeDocument/2006/math">
+                              <m:oMathParaPr>
+                                <m:jc m:val="centerGroup"/>
+                              </m:oMathParaPr>
+                              <m:oMath xmlns:m="http://schemas.openxmlformats.org/officeDocument/2006/math">
+                                <m:d>
+                                  <m:dPr>
+                                    <m:begChr m:val="|"/>
+                                    <m:endChr m:val="|"/>
+                                    <m:ctrlPr>
+                                      <a:rPr lang="pt-BR" i="1" smtClean="0">
+                                        <a:latin typeface="Cambria Math" panose="02040503050406030204" pitchFamily="18" charset="0"/>
+                                      </a:rPr>
+                                    </m:ctrlPr>
+                                  </m:dPr>
+                                  <m:e>
+                                    <m:r>
+                                      <a:rPr lang="pt-BR" b="1" i="1" smtClean="0">
+                                        <a:latin typeface="Cambria Math" panose="02040503050406030204" pitchFamily="18" charset="0"/>
+                                      </a:rPr>
+                                      <m:t>𝒀</m:t>
+                                    </m:r>
+                                    <m:r>
+                                      <a:rPr lang="pt-BR" b="1" i="1" smtClean="0">
+                                        <a:latin typeface="Cambria Math" panose="02040503050406030204" pitchFamily="18" charset="0"/>
+                                      </a:rPr>
+                                      <m:t>−</m:t>
+                                    </m:r>
+                                    <m:acc>
+                                      <m:accPr>
+                                        <m:chr m:val="̂"/>
+                                        <m:ctrlPr>
+                                          <a:rPr lang="pt-BR" b="1" i="1" smtClean="0">
+                                            <a:latin typeface="Cambria Math" panose="02040503050406030204" pitchFamily="18" charset="0"/>
+                                          </a:rPr>
+                                        </m:ctrlPr>
+                                      </m:accPr>
+                                      <m:e>
+                                        <m:r>
+                                          <a:rPr lang="pt-BR" b="1" i="1" smtClean="0">
+                                            <a:latin typeface="Cambria Math" panose="02040503050406030204" pitchFamily="18" charset="0"/>
+                                          </a:rPr>
+                                          <m:t>𝒀</m:t>
+                                        </m:r>
+                                      </m:e>
+                                    </m:acc>
+                                  </m:e>
+                                </m:d>
+                              </m:oMath>
+                            </m:oMathPara>
+                          </a14:m>
+                          <a:endParaRPr lang="pt-BR" dirty="0"/>
+                        </a:p>
+                      </a:txBody>
+                      <a:tcPr/>
+                    </a:tc>
+                    <a:tc>
+                      <a:txBody>
+                        <a:bodyPr/>
+                        <a:lstStyle/>
+                        <a:p>
+                          <a:pPr marL="0" marR="0" lvl="0" indent="0" algn="ctr" defTabSz="914400" rtl="0" eaLnBrk="1" fontAlgn="auto" latinLnBrk="0" hangingPunct="1">
+                            <a:lnSpc>
+                              <a:spcPct val="100000"/>
+                            </a:lnSpc>
+                            <a:spcBef>
+                              <a:spcPts val="0"/>
+                            </a:spcBef>
+                            <a:spcAft>
+                              <a:spcPts val="0"/>
+                            </a:spcAft>
+                            <a:buClrTx/>
+                            <a:buSzTx/>
+                            <a:buFontTx/>
+                            <a:buNone/>
+                            <a:tabLst/>
+                            <a:defRPr/>
+                          </a:pPr>
+                          <a14:m>
+                            <m:oMath xmlns:m="http://schemas.openxmlformats.org/officeDocument/2006/math">
+                              <m:d>
+                                <m:dPr>
+                                  <m:begChr m:val="|"/>
+                                  <m:endChr m:val="|"/>
+                                  <m:ctrlPr>
+                                    <a:rPr lang="pt-BR" i="1" smtClean="0">
+                                      <a:latin typeface="Cambria Math" panose="02040503050406030204" pitchFamily="18" charset="0"/>
+                                    </a:rPr>
+                                  </m:ctrlPr>
+                                </m:dPr>
+                                <m:e>
+                                  <m:r>
+                                    <a:rPr lang="pt-BR" b="1" i="1" smtClean="0">
+                                      <a:latin typeface="Cambria Math" panose="02040503050406030204" pitchFamily="18" charset="0"/>
+                                    </a:rPr>
+                                    <m:t>𝒀</m:t>
+                                  </m:r>
+                                  <m:r>
+                                    <a:rPr lang="pt-BR" b="1" i="1" smtClean="0">
+                                      <a:latin typeface="Cambria Math" panose="02040503050406030204" pitchFamily="18" charset="0"/>
+                                    </a:rPr>
+                                    <m:t>−</m:t>
+                                  </m:r>
+                                  <m:acc>
+                                    <m:accPr>
+                                      <m:chr m:val="̂"/>
+                                      <m:ctrlPr>
+                                        <a:rPr lang="pt-BR" b="1" i="1" smtClean="0">
+                                          <a:latin typeface="Cambria Math" panose="02040503050406030204" pitchFamily="18" charset="0"/>
+                                        </a:rPr>
+                                      </m:ctrlPr>
+                                    </m:accPr>
+                                    <m:e>
+                                      <m:r>
+                                        <a:rPr lang="pt-BR" b="1" i="1" smtClean="0">
+                                          <a:latin typeface="Cambria Math" panose="02040503050406030204" pitchFamily="18" charset="0"/>
+                                        </a:rPr>
+                                        <m:t>𝒀</m:t>
+                                      </m:r>
+                                    </m:e>
+                                  </m:acc>
+                                </m:e>
+                              </m:d>
+                            </m:oMath>
+                          </a14:m>
+                          <a:r>
+                            <a:rPr lang="pt-BR" baseline="30000" dirty="0"/>
+                            <a:t>2</a:t>
+                          </a:r>
+                        </a:p>
+                      </a:txBody>
+                      <a:tcPr/>
+                    </a:tc>
+                    <a:extLst>
+                      <a:ext uri="{0D108BD9-81ED-4DB2-BD59-A6C34878D82A}">
+                        <a16:rowId xmlns:a16="http://schemas.microsoft.com/office/drawing/2014/main" val="3387704678"/>
+                      </a:ext>
+                    </a:extLst>
+                  </a:tr>
+                  <a:tr h="370840">
+                    <a:tc>
+                      <a:txBody>
+                        <a:bodyPr/>
+                        <a:lstStyle/>
+                        <a:p>
+                          <a:pPr algn="ctr"/>
+                          <a:r>
+                            <a:rPr lang="pt-BR" dirty="0"/>
+                            <a:t>2.45</a:t>
+                          </a:r>
+                        </a:p>
+                      </a:txBody>
+                      <a:tcPr/>
+                    </a:tc>
+                    <a:tc>
+                      <a:txBody>
+                        <a:bodyPr/>
+                        <a:lstStyle/>
+                        <a:p>
+                          <a:pPr algn="ctr"/>
+                          <a:r>
+                            <a:rPr lang="pt-BR" dirty="0"/>
+                            <a:t>2.47</a:t>
+                          </a:r>
+                        </a:p>
+                      </a:txBody>
+                      <a:tcPr/>
+                    </a:tc>
+                    <a:tc>
+                      <a:txBody>
+                        <a:bodyPr/>
+                        <a:lstStyle/>
+                        <a:p>
+                          <a:pPr algn="ctr"/>
+                          <a:r>
+                            <a:rPr lang="pt-BR" dirty="0"/>
+                            <a:t>0.02</a:t>
+                          </a:r>
+                        </a:p>
+                      </a:txBody>
+                      <a:tcPr/>
+                    </a:tc>
+                    <a:tc>
+                      <a:txBody>
+                        <a:bodyPr/>
+                        <a:lstStyle/>
+                        <a:p>
+                          <a:pPr algn="ctr"/>
+                          <a:r>
+                            <a:rPr lang="pt-BR" dirty="0"/>
+                            <a:t>0.004</a:t>
+                          </a:r>
+                        </a:p>
+                      </a:txBody>
+                      <a:tcPr/>
+                    </a:tc>
+                    <a:extLst>
+                      <a:ext uri="{0D108BD9-81ED-4DB2-BD59-A6C34878D82A}">
+                        <a16:rowId xmlns:a16="http://schemas.microsoft.com/office/drawing/2014/main" val="1199927121"/>
+                      </a:ext>
+                    </a:extLst>
+                  </a:tr>
+                  <a:tr h="370840">
+                    <a:tc>
+                      <a:txBody>
+                        <a:bodyPr/>
+                        <a:lstStyle/>
+                        <a:p>
+                          <a:pPr algn="ctr"/>
+                          <a:r>
+                            <a:rPr lang="pt-BR" dirty="0"/>
+                            <a:t>2.38</a:t>
+                          </a:r>
+                        </a:p>
+                      </a:txBody>
+                      <a:tcPr/>
+                    </a:tc>
+                    <a:tc>
+                      <a:txBody>
+                        <a:bodyPr/>
+                        <a:lstStyle/>
+                        <a:p>
+                          <a:pPr algn="ctr"/>
+                          <a:r>
+                            <a:rPr lang="pt-BR" dirty="0"/>
+                            <a:t>2.35</a:t>
+                          </a:r>
+                        </a:p>
+                      </a:txBody>
+                      <a:tcPr/>
+                    </a:tc>
+                    <a:tc>
+                      <a:txBody>
+                        <a:bodyPr/>
+                        <a:lstStyle/>
+                        <a:p>
+                          <a:pPr algn="ctr"/>
+                          <a:r>
+                            <a:rPr lang="pt-BR" dirty="0"/>
+                            <a:t>0.03</a:t>
+                          </a:r>
+                        </a:p>
+                      </a:txBody>
+                      <a:tcPr/>
+                    </a:tc>
+                    <a:tc>
+                      <a:txBody>
+                        <a:bodyPr/>
+                        <a:lstStyle/>
+                        <a:p>
+                          <a:pPr algn="ctr"/>
+                          <a:r>
+                            <a:rPr lang="pt-BR" dirty="0"/>
+                            <a:t>0.009</a:t>
+                          </a:r>
+                        </a:p>
+                      </a:txBody>
+                      <a:tcPr/>
+                    </a:tc>
+                    <a:extLst>
+                      <a:ext uri="{0D108BD9-81ED-4DB2-BD59-A6C34878D82A}">
+                        <a16:rowId xmlns:a16="http://schemas.microsoft.com/office/drawing/2014/main" val="861695788"/>
+                      </a:ext>
+                    </a:extLst>
+                  </a:tr>
+                  <a:tr h="370840">
+                    <a:tc>
+                      <a:txBody>
+                        <a:bodyPr/>
+                        <a:lstStyle/>
+                        <a:p>
+                          <a:pPr algn="ctr"/>
+                          <a:r>
+                            <a:rPr lang="pt-BR" dirty="0"/>
+                            <a:t>2.41</a:t>
+                          </a:r>
+                        </a:p>
+                      </a:txBody>
+                      <a:tcPr/>
+                    </a:tc>
+                    <a:tc>
+                      <a:txBody>
+                        <a:bodyPr/>
+                        <a:lstStyle/>
+                        <a:p>
+                          <a:pPr algn="ctr"/>
+                          <a:r>
+                            <a:rPr lang="pt-BR" dirty="0"/>
+                            <a:t>2.42</a:t>
+                          </a:r>
+                        </a:p>
+                      </a:txBody>
+                      <a:tcPr/>
+                    </a:tc>
+                    <a:tc>
+                      <a:txBody>
+                        <a:bodyPr/>
+                        <a:lstStyle/>
+                        <a:p>
+                          <a:pPr algn="ctr"/>
+                          <a:r>
+                            <a:rPr lang="pt-BR" dirty="0"/>
+                            <a:t>0.01</a:t>
+                          </a:r>
+                        </a:p>
+                      </a:txBody>
+                      <a:tcPr/>
+                    </a:tc>
+                    <a:tc>
+                      <a:txBody>
+                        <a:bodyPr/>
+                        <a:lstStyle/>
+                        <a:p>
+                          <a:pPr algn="ctr"/>
+                          <a:r>
+                            <a:rPr lang="pt-BR" dirty="0"/>
+                            <a:t>0.001</a:t>
+                          </a:r>
+                        </a:p>
+                      </a:txBody>
+                      <a:tcPr/>
+                    </a:tc>
+                    <a:extLst>
+                      <a:ext uri="{0D108BD9-81ED-4DB2-BD59-A6C34878D82A}">
+                        <a16:rowId xmlns:a16="http://schemas.microsoft.com/office/drawing/2014/main" val="3962358187"/>
+                      </a:ext>
+                    </a:extLst>
+                  </a:tr>
+                  <a:tr h="370840">
+                    <a:tc>
+                      <a:txBody>
+                        <a:bodyPr/>
+                        <a:lstStyle/>
+                        <a:p>
+                          <a:pPr algn="ctr"/>
+                          <a:r>
+                            <a:rPr lang="pt-BR" dirty="0"/>
+                            <a:t>2.39</a:t>
+                          </a:r>
+                        </a:p>
+                      </a:txBody>
+                      <a:tcPr/>
+                    </a:tc>
+                    <a:tc>
+                      <a:txBody>
+                        <a:bodyPr/>
+                        <a:lstStyle/>
+                        <a:p>
+                          <a:pPr algn="ctr"/>
+                          <a:r>
+                            <a:rPr lang="pt-BR" dirty="0"/>
+                            <a:t>2.35</a:t>
+                          </a:r>
+                        </a:p>
+                      </a:txBody>
+                      <a:tcPr/>
+                    </a:tc>
+                    <a:tc>
+                      <a:txBody>
+                        <a:bodyPr/>
+                        <a:lstStyle/>
+                        <a:p>
+                          <a:pPr algn="ctr"/>
+                          <a:r>
+                            <a:rPr lang="pt-BR" dirty="0"/>
+                            <a:t>0.04</a:t>
+                          </a:r>
+                        </a:p>
+                      </a:txBody>
+                      <a:tcPr/>
+                    </a:tc>
+                    <a:tc>
+                      <a:txBody>
+                        <a:bodyPr/>
+                        <a:lstStyle/>
+                        <a:p>
+                          <a:pPr algn="ctr"/>
+                          <a:r>
+                            <a:rPr lang="pt-BR" dirty="0"/>
+                            <a:t>0.0016</a:t>
+                          </a:r>
+                        </a:p>
+                      </a:txBody>
+                      <a:tcPr/>
+                    </a:tc>
+                    <a:extLst>
+                      <a:ext uri="{0D108BD9-81ED-4DB2-BD59-A6C34878D82A}">
+                        <a16:rowId xmlns:a16="http://schemas.microsoft.com/office/drawing/2014/main" val="3991630761"/>
+                      </a:ext>
+                    </a:extLst>
+                  </a:tr>
+                  <a:tr h="370840">
+                    <a:tc>
+                      <a:txBody>
+                        <a:bodyPr/>
+                        <a:lstStyle/>
+                        <a:p>
+                          <a:pPr algn="ctr"/>
+                          <a:r>
+                            <a:rPr lang="pt-BR" dirty="0"/>
+                            <a:t>2.15</a:t>
+                          </a:r>
+                        </a:p>
+                      </a:txBody>
+                      <a:tcPr/>
+                    </a:tc>
+                    <a:tc>
+                      <a:txBody>
+                        <a:bodyPr/>
+                        <a:lstStyle/>
+                        <a:p>
+                          <a:pPr algn="ctr"/>
+                          <a:r>
+                            <a:rPr lang="pt-BR" dirty="0"/>
+                            <a:t>2.18</a:t>
+                          </a:r>
+                        </a:p>
+                      </a:txBody>
+                      <a:tcPr/>
+                    </a:tc>
+                    <a:tc>
+                      <a:txBody>
+                        <a:bodyPr/>
+                        <a:lstStyle/>
+                        <a:p>
+                          <a:pPr algn="ctr"/>
+                          <a:r>
+                            <a:rPr lang="pt-BR" dirty="0"/>
+                            <a:t>0.04</a:t>
+                          </a:r>
+                        </a:p>
+                      </a:txBody>
+                      <a:tcPr/>
+                    </a:tc>
+                    <a:tc>
+                      <a:txBody>
+                        <a:bodyPr/>
+                        <a:lstStyle/>
+                        <a:p>
+                          <a:pPr algn="ctr"/>
+                          <a:r>
+                            <a:rPr lang="pt-BR" dirty="0"/>
+                            <a:t>0.0016</a:t>
+                          </a:r>
+                        </a:p>
+                      </a:txBody>
+                      <a:tcPr/>
+                    </a:tc>
+                    <a:extLst>
+                      <a:ext uri="{0D108BD9-81ED-4DB2-BD59-A6C34878D82A}">
+                        <a16:rowId xmlns:a16="http://schemas.microsoft.com/office/drawing/2014/main" val="742894488"/>
+                      </a:ext>
+                    </a:extLst>
+                  </a:tr>
+                </a:tbl>
+              </a:graphicData>
+            </a:graphic>
+          </p:graphicFrame>
+        </mc:Choice>
+        <mc:Fallback>
+          <p:graphicFrame>
+            <p:nvGraphicFramePr>
+              <p:cNvPr id="2" name="Espaço Reservado para Conteúdo 1">
                 <a:extLst>
-                  <a:ext uri="{0D108BD9-81ED-4DB2-BD59-A6C34878D82A}">
-                    <a16:rowId xmlns:a16="http://schemas.microsoft.com/office/drawing/2014/main" val="1199927121"/>
+                  <a:ext uri="{FF2B5EF4-FFF2-40B4-BE49-F238E27FC236}">
+                    <a16:creationId xmlns:a16="http://schemas.microsoft.com/office/drawing/2014/main" id="{E77B43E8-B8E9-B34E-991F-6FE6A61A692E}"/>
                   </a:ext>
                 </a:extLst>
-              </a:tr>
-              <a:tr h="370840">
-                <a:tc>
-                  <a:txBody>
-                    <a:bodyPr/>
-                    <a:lstStyle/>
-                    <a:p>
-                      <a:pPr algn="ctr"/>
-                      <a:r>
-                        <a:rPr lang="pt-BR" dirty="0"/>
-                        <a:t>2.38</a:t>
-                      </a:r>
-                    </a:p>
-                  </a:txBody>
-                  <a:tcPr/>
-                </a:tc>
-                <a:tc>
-                  <a:txBody>
-                    <a:bodyPr/>
-                    <a:lstStyle/>
-                    <a:p>
-                      <a:pPr algn="ctr"/>
-                      <a:r>
-                        <a:rPr lang="pt-BR" dirty="0"/>
-                        <a:t>2.35</a:t>
-                      </a:r>
-                    </a:p>
-                  </a:txBody>
-                  <a:tcPr/>
-                </a:tc>
-                <a:tc>
-                  <a:txBody>
-                    <a:bodyPr/>
-                    <a:lstStyle/>
-                    <a:p>
-                      <a:pPr algn="ctr"/>
-                      <a:r>
-                        <a:rPr lang="pt-BR" dirty="0"/>
-                        <a:t>0.03</a:t>
-                      </a:r>
-                    </a:p>
-                  </a:txBody>
-                  <a:tcPr/>
-                </a:tc>
-                <a:tc>
-                  <a:txBody>
-                    <a:bodyPr/>
-                    <a:lstStyle/>
-                    <a:p>
-                      <a:pPr algn="ctr"/>
-                      <a:r>
-                        <a:rPr lang="pt-BR" dirty="0"/>
-                        <a:t>0.009</a:t>
-                      </a:r>
-                    </a:p>
-                  </a:txBody>
-                  <a:tcPr/>
-                </a:tc>
-                <a:extLst>
-                  <a:ext uri="{0D108BD9-81ED-4DB2-BD59-A6C34878D82A}">
-                    <a16:rowId xmlns:a16="http://schemas.microsoft.com/office/drawing/2014/main" val="861695788"/>
-                  </a:ext>
-                </a:extLst>
-              </a:tr>
-              <a:tr h="370840">
-                <a:tc>
-                  <a:txBody>
-                    <a:bodyPr/>
-                    <a:lstStyle/>
-                    <a:p>
-                      <a:pPr algn="ctr"/>
-                      <a:r>
-                        <a:rPr lang="pt-BR" dirty="0"/>
-                        <a:t>2.41</a:t>
-                      </a:r>
-                    </a:p>
-                  </a:txBody>
-                  <a:tcPr/>
-                </a:tc>
-                <a:tc>
-                  <a:txBody>
-                    <a:bodyPr/>
-                    <a:lstStyle/>
-                    <a:p>
-                      <a:pPr algn="ctr"/>
-                      <a:r>
-                        <a:rPr lang="pt-BR" dirty="0"/>
-                        <a:t>2.42</a:t>
-                      </a:r>
-                    </a:p>
-                  </a:txBody>
-                  <a:tcPr/>
-                </a:tc>
-                <a:tc>
-                  <a:txBody>
-                    <a:bodyPr/>
-                    <a:lstStyle/>
-                    <a:p>
-                      <a:pPr algn="ctr"/>
-                      <a:r>
-                        <a:rPr lang="pt-BR" dirty="0"/>
-                        <a:t>0.01</a:t>
-                      </a:r>
-                    </a:p>
-                  </a:txBody>
-                  <a:tcPr/>
-                </a:tc>
-                <a:tc>
-                  <a:txBody>
-                    <a:bodyPr/>
-                    <a:lstStyle/>
-                    <a:p>
-                      <a:pPr algn="ctr"/>
-                      <a:r>
-                        <a:rPr lang="pt-BR" dirty="0"/>
-                        <a:t>0.001</a:t>
-                      </a:r>
-                    </a:p>
-                  </a:txBody>
-                  <a:tcPr/>
-                </a:tc>
-                <a:extLst>
-                  <a:ext uri="{0D108BD9-81ED-4DB2-BD59-A6C34878D82A}">
-                    <a16:rowId xmlns:a16="http://schemas.microsoft.com/office/drawing/2014/main" val="3962358187"/>
-                  </a:ext>
-                </a:extLst>
-              </a:tr>
-              <a:tr h="370840">
-                <a:tc>
-                  <a:txBody>
-                    <a:bodyPr/>
-                    <a:lstStyle/>
-                    <a:p>
-                      <a:pPr algn="ctr"/>
-                      <a:r>
-                        <a:rPr lang="pt-BR" dirty="0"/>
-                        <a:t>2.39</a:t>
-                      </a:r>
-                    </a:p>
-                  </a:txBody>
-                  <a:tcPr/>
-                </a:tc>
-                <a:tc>
-                  <a:txBody>
-                    <a:bodyPr/>
-                    <a:lstStyle/>
-                    <a:p>
-                      <a:pPr algn="ctr"/>
-                      <a:r>
-                        <a:rPr lang="pt-BR" dirty="0"/>
-                        <a:t>2.35</a:t>
-                      </a:r>
-                    </a:p>
-                  </a:txBody>
-                  <a:tcPr/>
-                </a:tc>
-                <a:tc>
-                  <a:txBody>
-                    <a:bodyPr/>
-                    <a:lstStyle/>
-                    <a:p>
-                      <a:pPr algn="ctr"/>
-                      <a:r>
-                        <a:rPr lang="pt-BR" dirty="0"/>
-                        <a:t>0.04</a:t>
-                      </a:r>
-                    </a:p>
-                  </a:txBody>
-                  <a:tcPr/>
-                </a:tc>
-                <a:tc>
-                  <a:txBody>
-                    <a:bodyPr/>
-                    <a:lstStyle/>
-                    <a:p>
-                      <a:pPr algn="ctr"/>
-                      <a:r>
-                        <a:rPr lang="pt-BR" dirty="0"/>
-                        <a:t>0.0016</a:t>
-                      </a:r>
-                    </a:p>
-                  </a:txBody>
-                  <a:tcPr/>
-                </a:tc>
-                <a:extLst>
-                  <a:ext uri="{0D108BD9-81ED-4DB2-BD59-A6C34878D82A}">
-                    <a16:rowId xmlns:a16="http://schemas.microsoft.com/office/drawing/2014/main" val="3991630761"/>
-                  </a:ext>
-                </a:extLst>
-              </a:tr>
-              <a:tr h="370840">
-                <a:tc>
-                  <a:txBody>
-                    <a:bodyPr/>
-                    <a:lstStyle/>
-                    <a:p>
-                      <a:pPr algn="ctr"/>
-                      <a:r>
-                        <a:rPr lang="pt-BR" dirty="0"/>
-                        <a:t>2.15</a:t>
-                      </a:r>
-                    </a:p>
-                  </a:txBody>
-                  <a:tcPr/>
-                </a:tc>
-                <a:tc>
-                  <a:txBody>
-                    <a:bodyPr/>
-                    <a:lstStyle/>
-                    <a:p>
-                      <a:pPr algn="ctr"/>
-                      <a:r>
-                        <a:rPr lang="pt-BR" dirty="0"/>
-                        <a:t>2.18</a:t>
-                      </a:r>
-                    </a:p>
-                  </a:txBody>
-                  <a:tcPr/>
-                </a:tc>
-                <a:tc>
-                  <a:txBody>
-                    <a:bodyPr/>
-                    <a:lstStyle/>
-                    <a:p>
-                      <a:pPr algn="ctr"/>
-                      <a:r>
-                        <a:rPr lang="pt-BR" dirty="0"/>
-                        <a:t>0.04</a:t>
-                      </a:r>
-                    </a:p>
-                  </a:txBody>
-                  <a:tcPr/>
-                </a:tc>
-                <a:tc>
-                  <a:txBody>
-                    <a:bodyPr/>
-                    <a:lstStyle/>
-                    <a:p>
-                      <a:pPr algn="ctr"/>
-                      <a:r>
-                        <a:rPr lang="pt-BR" dirty="0"/>
-                        <a:t>0.0016</a:t>
-                      </a:r>
-                    </a:p>
-                  </a:txBody>
-                  <a:tcPr/>
-                </a:tc>
-                <a:extLst>
-                  <a:ext uri="{0D108BD9-81ED-4DB2-BD59-A6C34878D82A}">
-                    <a16:rowId xmlns:a16="http://schemas.microsoft.com/office/drawing/2014/main" val="742894488"/>
-                  </a:ext>
-                </a:extLst>
-              </a:tr>
-            </a:tbl>
-          </a:graphicData>
-        </a:graphic>
-      </p:graphicFrame>
+              </p:cNvPr>
+              <p:cNvGraphicFramePr>
+                <a:graphicFrameLocks noGrp="1"/>
+              </p:cNvGraphicFramePr>
+              <p:nvPr>
+                <p:ph idx="1"/>
+                <p:extLst>
+                  <p:ext uri="{D42A27DB-BD31-4B8C-83A1-F6EECF244321}">
+                    <p14:modId xmlns:p14="http://schemas.microsoft.com/office/powerpoint/2010/main" val="1392163078"/>
+                  </p:ext>
+                </p:extLst>
+              </p:nvPr>
+            </p:nvGraphicFramePr>
+            <p:xfrm>
+              <a:off x="4108784" y="2042193"/>
+              <a:ext cx="3974432" cy="2255266"/>
+            </p:xfrm>
+            <a:graphic>
+              <a:graphicData uri="http://schemas.openxmlformats.org/drawingml/2006/table">
+                <a:tbl>
+                  <a:tblPr firstRow="1" bandRow="1">
+                    <a:tableStyleId>{5C22544A-7EE6-4342-B048-85BDC9FD1C3A}</a:tableStyleId>
+                  </a:tblPr>
+                  <a:tblGrid>
+                    <a:gridCol w="1027303">
+                      <a:extLst>
+                        <a:ext uri="{9D8B030D-6E8A-4147-A177-3AD203B41FA5}">
+                          <a16:colId xmlns:a16="http://schemas.microsoft.com/office/drawing/2014/main" val="3250293782"/>
+                        </a:ext>
+                      </a:extLst>
+                    </a:gridCol>
+                    <a:gridCol w="934455">
+                      <a:extLst>
+                        <a:ext uri="{9D8B030D-6E8A-4147-A177-3AD203B41FA5}">
+                          <a16:colId xmlns:a16="http://schemas.microsoft.com/office/drawing/2014/main" val="886750355"/>
+                        </a:ext>
+                      </a:extLst>
+                    </a:gridCol>
+                    <a:gridCol w="1006337">
+                      <a:extLst>
+                        <a:ext uri="{9D8B030D-6E8A-4147-A177-3AD203B41FA5}">
+                          <a16:colId xmlns:a16="http://schemas.microsoft.com/office/drawing/2014/main" val="4002214762"/>
+                        </a:ext>
+                      </a:extLst>
+                    </a:gridCol>
+                    <a:gridCol w="1006337">
+                      <a:extLst>
+                        <a:ext uri="{9D8B030D-6E8A-4147-A177-3AD203B41FA5}">
+                          <a16:colId xmlns:a16="http://schemas.microsoft.com/office/drawing/2014/main" val="1806760654"/>
+                        </a:ext>
+                      </a:extLst>
+                    </a:gridCol>
+                  </a:tblGrid>
+                  <a:tr h="401066">
+                    <a:tc>
+                      <a:txBody>
+                        <a:bodyPr/>
+                        <a:lstStyle/>
+                        <a:p>
+                          <a:pPr algn="ctr"/>
+                          <a:r>
+                            <a:rPr lang="pt-BR" dirty="0"/>
+                            <a:t>Y</a:t>
+                          </a:r>
+                        </a:p>
+                      </a:txBody>
+                      <a:tcPr/>
+                    </a:tc>
+                    <a:tc>
+                      <a:txBody>
+                        <a:bodyPr/>
+                        <a:lstStyle/>
+                        <a:p>
+                          <a:endParaRPr lang="pt-BR"/>
+                        </a:p>
+                      </a:txBody>
+                      <a:tcPr>
+                        <a:blipFill>
+                          <a:blip r:embed="rId2"/>
+                          <a:stretch>
+                            <a:fillRect l="-110811" t="-6250" r="-216216" b="-481250"/>
+                          </a:stretch>
+                        </a:blipFill>
+                      </a:tcPr>
+                    </a:tc>
+                    <a:tc>
+                      <a:txBody>
+                        <a:bodyPr/>
+                        <a:lstStyle/>
+                        <a:p>
+                          <a:endParaRPr lang="pt-BR"/>
+                        </a:p>
+                      </a:txBody>
+                      <a:tcPr>
+                        <a:blipFill>
+                          <a:blip r:embed="rId2"/>
+                          <a:stretch>
+                            <a:fillRect l="-197468" t="-6250" r="-102532" b="-481250"/>
+                          </a:stretch>
+                        </a:blipFill>
+                      </a:tcPr>
+                    </a:tc>
+                    <a:tc>
+                      <a:txBody>
+                        <a:bodyPr/>
+                        <a:lstStyle/>
+                        <a:p>
+                          <a:endParaRPr lang="pt-BR"/>
+                        </a:p>
+                      </a:txBody>
+                      <a:tcPr>
+                        <a:blipFill>
+                          <a:blip r:embed="rId2"/>
+                          <a:stretch>
+                            <a:fillRect l="-293750" t="-6250" r="-1250" b="-481250"/>
+                          </a:stretch>
+                        </a:blipFill>
+                      </a:tcPr>
+                    </a:tc>
+                    <a:extLst>
+                      <a:ext uri="{0D108BD9-81ED-4DB2-BD59-A6C34878D82A}">
+                        <a16:rowId xmlns:a16="http://schemas.microsoft.com/office/drawing/2014/main" val="3387704678"/>
+                      </a:ext>
+                    </a:extLst>
+                  </a:tr>
+                  <a:tr h="370840">
+                    <a:tc>
+                      <a:txBody>
+                        <a:bodyPr/>
+                        <a:lstStyle/>
+                        <a:p>
+                          <a:pPr algn="ctr"/>
+                          <a:r>
+                            <a:rPr lang="pt-BR" dirty="0"/>
+                            <a:t>2.45</a:t>
+                          </a:r>
+                        </a:p>
+                      </a:txBody>
+                      <a:tcPr/>
+                    </a:tc>
+                    <a:tc>
+                      <a:txBody>
+                        <a:bodyPr/>
+                        <a:lstStyle/>
+                        <a:p>
+                          <a:pPr algn="ctr"/>
+                          <a:r>
+                            <a:rPr lang="pt-BR" dirty="0"/>
+                            <a:t>2.47</a:t>
+                          </a:r>
+                        </a:p>
+                      </a:txBody>
+                      <a:tcPr/>
+                    </a:tc>
+                    <a:tc>
+                      <a:txBody>
+                        <a:bodyPr/>
+                        <a:lstStyle/>
+                        <a:p>
+                          <a:pPr algn="ctr"/>
+                          <a:r>
+                            <a:rPr lang="pt-BR" dirty="0"/>
+                            <a:t>0.02</a:t>
+                          </a:r>
+                        </a:p>
+                      </a:txBody>
+                      <a:tcPr/>
+                    </a:tc>
+                    <a:tc>
+                      <a:txBody>
+                        <a:bodyPr/>
+                        <a:lstStyle/>
+                        <a:p>
+                          <a:pPr algn="ctr"/>
+                          <a:r>
+                            <a:rPr lang="pt-BR" dirty="0"/>
+                            <a:t>0.004</a:t>
+                          </a:r>
+                        </a:p>
+                      </a:txBody>
+                      <a:tcPr/>
+                    </a:tc>
+                    <a:extLst>
+                      <a:ext uri="{0D108BD9-81ED-4DB2-BD59-A6C34878D82A}">
+                        <a16:rowId xmlns:a16="http://schemas.microsoft.com/office/drawing/2014/main" val="1199927121"/>
+                      </a:ext>
+                    </a:extLst>
+                  </a:tr>
+                  <a:tr h="370840">
+                    <a:tc>
+                      <a:txBody>
+                        <a:bodyPr/>
+                        <a:lstStyle/>
+                        <a:p>
+                          <a:pPr algn="ctr"/>
+                          <a:r>
+                            <a:rPr lang="pt-BR" dirty="0"/>
+                            <a:t>2.38</a:t>
+                          </a:r>
+                        </a:p>
+                      </a:txBody>
+                      <a:tcPr/>
+                    </a:tc>
+                    <a:tc>
+                      <a:txBody>
+                        <a:bodyPr/>
+                        <a:lstStyle/>
+                        <a:p>
+                          <a:pPr algn="ctr"/>
+                          <a:r>
+                            <a:rPr lang="pt-BR" dirty="0"/>
+                            <a:t>2.35</a:t>
+                          </a:r>
+                        </a:p>
+                      </a:txBody>
+                      <a:tcPr/>
+                    </a:tc>
+                    <a:tc>
+                      <a:txBody>
+                        <a:bodyPr/>
+                        <a:lstStyle/>
+                        <a:p>
+                          <a:pPr algn="ctr"/>
+                          <a:r>
+                            <a:rPr lang="pt-BR" dirty="0"/>
+                            <a:t>0.03</a:t>
+                          </a:r>
+                        </a:p>
+                      </a:txBody>
+                      <a:tcPr/>
+                    </a:tc>
+                    <a:tc>
+                      <a:txBody>
+                        <a:bodyPr/>
+                        <a:lstStyle/>
+                        <a:p>
+                          <a:pPr algn="ctr"/>
+                          <a:r>
+                            <a:rPr lang="pt-BR" dirty="0"/>
+                            <a:t>0.009</a:t>
+                          </a:r>
+                        </a:p>
+                      </a:txBody>
+                      <a:tcPr/>
+                    </a:tc>
+                    <a:extLst>
+                      <a:ext uri="{0D108BD9-81ED-4DB2-BD59-A6C34878D82A}">
+                        <a16:rowId xmlns:a16="http://schemas.microsoft.com/office/drawing/2014/main" val="861695788"/>
+                      </a:ext>
+                    </a:extLst>
+                  </a:tr>
+                  <a:tr h="370840">
+                    <a:tc>
+                      <a:txBody>
+                        <a:bodyPr/>
+                        <a:lstStyle/>
+                        <a:p>
+                          <a:pPr algn="ctr"/>
+                          <a:r>
+                            <a:rPr lang="pt-BR" dirty="0"/>
+                            <a:t>2.41</a:t>
+                          </a:r>
+                        </a:p>
+                      </a:txBody>
+                      <a:tcPr/>
+                    </a:tc>
+                    <a:tc>
+                      <a:txBody>
+                        <a:bodyPr/>
+                        <a:lstStyle/>
+                        <a:p>
+                          <a:pPr algn="ctr"/>
+                          <a:r>
+                            <a:rPr lang="pt-BR" dirty="0"/>
+                            <a:t>2.42</a:t>
+                          </a:r>
+                        </a:p>
+                      </a:txBody>
+                      <a:tcPr/>
+                    </a:tc>
+                    <a:tc>
+                      <a:txBody>
+                        <a:bodyPr/>
+                        <a:lstStyle/>
+                        <a:p>
+                          <a:pPr algn="ctr"/>
+                          <a:r>
+                            <a:rPr lang="pt-BR" dirty="0"/>
+                            <a:t>0.01</a:t>
+                          </a:r>
+                        </a:p>
+                      </a:txBody>
+                      <a:tcPr/>
+                    </a:tc>
+                    <a:tc>
+                      <a:txBody>
+                        <a:bodyPr/>
+                        <a:lstStyle/>
+                        <a:p>
+                          <a:pPr algn="ctr"/>
+                          <a:r>
+                            <a:rPr lang="pt-BR" dirty="0"/>
+                            <a:t>0.001</a:t>
+                          </a:r>
+                        </a:p>
+                      </a:txBody>
+                      <a:tcPr/>
+                    </a:tc>
+                    <a:extLst>
+                      <a:ext uri="{0D108BD9-81ED-4DB2-BD59-A6C34878D82A}">
+                        <a16:rowId xmlns:a16="http://schemas.microsoft.com/office/drawing/2014/main" val="3962358187"/>
+                      </a:ext>
+                    </a:extLst>
+                  </a:tr>
+                  <a:tr h="370840">
+                    <a:tc>
+                      <a:txBody>
+                        <a:bodyPr/>
+                        <a:lstStyle/>
+                        <a:p>
+                          <a:pPr algn="ctr"/>
+                          <a:r>
+                            <a:rPr lang="pt-BR" dirty="0"/>
+                            <a:t>2.39</a:t>
+                          </a:r>
+                        </a:p>
+                      </a:txBody>
+                      <a:tcPr/>
+                    </a:tc>
+                    <a:tc>
+                      <a:txBody>
+                        <a:bodyPr/>
+                        <a:lstStyle/>
+                        <a:p>
+                          <a:pPr algn="ctr"/>
+                          <a:r>
+                            <a:rPr lang="pt-BR" dirty="0"/>
+                            <a:t>2.35</a:t>
+                          </a:r>
+                        </a:p>
+                      </a:txBody>
+                      <a:tcPr/>
+                    </a:tc>
+                    <a:tc>
+                      <a:txBody>
+                        <a:bodyPr/>
+                        <a:lstStyle/>
+                        <a:p>
+                          <a:pPr algn="ctr"/>
+                          <a:r>
+                            <a:rPr lang="pt-BR" dirty="0"/>
+                            <a:t>0.04</a:t>
+                          </a:r>
+                        </a:p>
+                      </a:txBody>
+                      <a:tcPr/>
+                    </a:tc>
+                    <a:tc>
+                      <a:txBody>
+                        <a:bodyPr/>
+                        <a:lstStyle/>
+                        <a:p>
+                          <a:pPr algn="ctr"/>
+                          <a:r>
+                            <a:rPr lang="pt-BR" dirty="0"/>
+                            <a:t>0.0016</a:t>
+                          </a:r>
+                        </a:p>
+                      </a:txBody>
+                      <a:tcPr/>
+                    </a:tc>
+                    <a:extLst>
+                      <a:ext uri="{0D108BD9-81ED-4DB2-BD59-A6C34878D82A}">
+                        <a16:rowId xmlns:a16="http://schemas.microsoft.com/office/drawing/2014/main" val="3991630761"/>
+                      </a:ext>
+                    </a:extLst>
+                  </a:tr>
+                  <a:tr h="370840">
+                    <a:tc>
+                      <a:txBody>
+                        <a:bodyPr/>
+                        <a:lstStyle/>
+                        <a:p>
+                          <a:pPr algn="ctr"/>
+                          <a:r>
+                            <a:rPr lang="pt-BR" dirty="0"/>
+                            <a:t>2.15</a:t>
+                          </a:r>
+                        </a:p>
+                      </a:txBody>
+                      <a:tcPr/>
+                    </a:tc>
+                    <a:tc>
+                      <a:txBody>
+                        <a:bodyPr/>
+                        <a:lstStyle/>
+                        <a:p>
+                          <a:pPr algn="ctr"/>
+                          <a:r>
+                            <a:rPr lang="pt-BR" dirty="0"/>
+                            <a:t>2.18</a:t>
+                          </a:r>
+                        </a:p>
+                      </a:txBody>
+                      <a:tcPr/>
+                    </a:tc>
+                    <a:tc>
+                      <a:txBody>
+                        <a:bodyPr/>
+                        <a:lstStyle/>
+                        <a:p>
+                          <a:pPr algn="ctr"/>
+                          <a:r>
+                            <a:rPr lang="pt-BR" dirty="0"/>
+                            <a:t>0.04</a:t>
+                          </a:r>
+                        </a:p>
+                      </a:txBody>
+                      <a:tcPr/>
+                    </a:tc>
+                    <a:tc>
+                      <a:txBody>
+                        <a:bodyPr/>
+                        <a:lstStyle/>
+                        <a:p>
+                          <a:pPr algn="ctr"/>
+                          <a:r>
+                            <a:rPr lang="pt-BR" dirty="0"/>
+                            <a:t>0.0016</a:t>
+                          </a:r>
+                        </a:p>
+                      </a:txBody>
+                      <a:tcPr/>
+                    </a:tc>
+                    <a:extLst>
+                      <a:ext uri="{0D108BD9-81ED-4DB2-BD59-A6C34878D82A}">
+                        <a16:rowId xmlns:a16="http://schemas.microsoft.com/office/drawing/2014/main" val="742894488"/>
+                      </a:ext>
+                    </a:extLst>
+                  </a:tr>
+                </a:tbl>
+              </a:graphicData>
+            </a:graphic>
+          </p:graphicFrame>
+        </mc:Fallback>
+      </mc:AlternateContent>
       <p:sp>
         <p:nvSpPr>
           <p:cNvPr id="4" name="Título 1">
@@ -5292,8 +6578,8 @@
           </a:p>
         </p:txBody>
       </p:sp>
-      <mc:AlternateContent xmlns:mc="http://schemas.openxmlformats.org/markup-compatibility/2006" xmlns:a14="http://schemas.microsoft.com/office/drawing/2010/main">
-        <mc:Choice Requires="a14">
+      <mc:AlternateContent xmlns:mc="http://schemas.openxmlformats.org/markup-compatibility/2006">
+        <mc:Choice xmlns:a14="http://schemas.microsoft.com/office/drawing/2010/main" Requires="a14">
           <p:sp>
             <p:nvSpPr>
               <p:cNvPr id="5" name="CaixaDeTexto 4">
@@ -5309,7 +6595,7 @@
             <p:spPr>
               <a:xfrm>
                 <a:off x="3308684" y="4618738"/>
-                <a:ext cx="5919537" cy="829394"/>
+                <a:ext cx="5919537" cy="882101"/>
               </a:xfrm>
               <a:prstGeom prst="rect">
                 <a:avLst/>
@@ -5418,7 +6704,7 @@
                                             <a:rPr lang="pt-BR" b="0" i="1" smtClean="0">
                                               <a:latin typeface="Cambria Math" panose="02040503050406030204" pitchFamily="18" charset="0"/>
                                             </a:rPr>
-                                            <m:t>𝑋</m:t>
+                                            <m:t>𝑌</m:t>
                                           </m:r>
                                           <m:r>
                                             <a:rPr lang="pt-BR" b="0" i="1" smtClean="0">
@@ -5426,12 +6712,24 @@
                                             </a:rPr>
                                             <m:t>−</m:t>
                                           </m:r>
-                                          <m:r>
-                                            <a:rPr lang="pt-BR" b="0" i="1" smtClean="0">
-                                              <a:latin typeface="Cambria Math" panose="02040503050406030204" pitchFamily="18" charset="0"/>
-                                            </a:rPr>
-                                            <m:t>𝑌</m:t>
-                                          </m:r>
+                                          <m:acc>
+                                            <m:accPr>
+                                              <m:chr m:val="̂"/>
+                                              <m:ctrlPr>
+                                                <a:rPr lang="pt-BR" b="0" i="1" smtClean="0">
+                                                  <a:latin typeface="Cambria Math" panose="02040503050406030204" pitchFamily="18" charset="0"/>
+                                                </a:rPr>
+                                              </m:ctrlPr>
+                                            </m:accPr>
+                                            <m:e>
+                                              <m:r>
+                                                <a:rPr lang="pt-BR" b="0" i="1" smtClean="0">
+                                                  <a:latin typeface="Cambria Math" panose="02040503050406030204" pitchFamily="18" charset="0"/>
+                                                </a:rPr>
+                                                <m:t>𝑌</m:t>
+                                              </m:r>
+                                            </m:e>
+                                          </m:acc>
                                         </m:e>
                                       </m:d>
                                     </m:e>
@@ -5556,7 +6854,7 @@
             </p:txBody>
           </p:sp>
         </mc:Choice>
-        <mc:Fallback xmlns="">
+        <mc:Fallback>
           <p:sp>
             <p:nvSpPr>
               <p:cNvPr id="5" name="CaixaDeTexto 4">
@@ -5574,15 +6872,15 @@
             <p:spPr>
               <a:xfrm>
                 <a:off x="3308684" y="4618738"/>
-                <a:ext cx="5919537" cy="829394"/>
+                <a:ext cx="5919537" cy="882101"/>
               </a:xfrm>
               <a:prstGeom prst="rect">
                 <a:avLst/>
               </a:prstGeom>
               <a:blipFill>
-                <a:blip r:embed="rId2"/>
+                <a:blip r:embed="rId3"/>
                 <a:stretch>
-                  <a:fillRect t="-37879" b="-33333"/>
+                  <a:fillRect t="-31429" b="-30000"/>
                 </a:stretch>
               </a:blipFill>
             </p:spPr>
@@ -7315,13 +8613,42 @@
               <a:t>E-mail: </a:t>
             </a:r>
             <a:r>
-              <a:rPr lang="pt-BR"/>
-              <a:t>cursods.profdanilo</a:t>
+              <a:rPr lang="pt-BR" dirty="0" err="1"/>
+              <a:t>cursods.profdanilo@gmail.com</a:t>
+            </a:r>
+            <a:endParaRPr lang="pt-BR" dirty="0"/>
+          </a:p>
+          <a:p>
+            <a:pPr algn="ctr"/>
+            <a:r>
+              <a:rPr lang="pt-BR" dirty="0" err="1"/>
+              <a:t>Facebook</a:t>
             </a:r>
             <a:r>
               <a:rPr lang="pt-BR" dirty="0"/>
-              <a:t>@gmail.com</a:t>
+              <a:t>: </a:t>
             </a:r>
+            <a:r>
+              <a:rPr lang="pt-BR" dirty="0" err="1"/>
+              <a:t>https</a:t>
+            </a:r>
+            <a:r>
+              <a:rPr lang="pt-BR" dirty="0"/>
+              <a:t>://</a:t>
+            </a:r>
+            <a:r>
+              <a:rPr lang="pt-BR" dirty="0" err="1"/>
+              <a:t>www.facebook.com</a:t>
+            </a:r>
+            <a:r>
+              <a:rPr lang="pt-BR" dirty="0"/>
+              <a:t>/</a:t>
+            </a:r>
+            <a:r>
+              <a:rPr lang="pt-BR"/>
+              <a:t>profdanilods/</a:t>
+            </a:r>
+            <a:endParaRPr lang="pt-BR" dirty="0"/>
           </a:p>
           <a:p>
             <a:endParaRPr lang="pt-BR" dirty="0"/>
@@ -8916,72 +10243,125 @@
           <a:chExt cx="0" cy="0"/>
         </a:xfrm>
       </p:grpSpPr>
-      <p:sp>
-        <p:nvSpPr>
-          <p:cNvPr id="3" name="Espaço Reservado para Conteúdo 2">
-            <a:extLst>
-              <a:ext uri="{FF2B5EF4-FFF2-40B4-BE49-F238E27FC236}">
-                <a16:creationId xmlns:a16="http://schemas.microsoft.com/office/drawing/2014/main" id="{D1C2D513-A253-5243-86F6-99B7E899C0D7}"/>
-              </a:ext>
-            </a:extLst>
-          </p:cNvPr>
-          <p:cNvSpPr>
-            <a:spLocks noGrp="1"/>
-          </p:cNvSpPr>
-          <p:nvPr>
-            <p:ph idx="1"/>
-          </p:nvPr>
-        </p:nvSpPr>
-        <p:spPr/>
-        <p:txBody>
-          <a:bodyPr/>
-          <a:lstStyle/>
-          <a:p>
-            <a:pPr algn="ctr"/>
-            <a:r>
-              <a:rPr lang="pt-BR" dirty="0"/>
-              <a:t>Erro absoluto médio (MAE) é a medida da diferença entre duas variáveis contínuas</a:t>
-            </a:r>
-          </a:p>
-          <a:p>
-            <a:pPr algn="ctr"/>
-            <a:r>
-              <a:rPr lang="pt-BR" dirty="0"/>
-              <a:t>Seja </a:t>
-            </a:r>
-            <a:r>
-              <a:rPr lang="pt-BR" dirty="0" err="1"/>
-              <a:t>X</a:t>
-            </a:r>
-            <a:r>
-              <a:rPr lang="pt-BR" dirty="0"/>
-              <a:t> os valores reais e </a:t>
-            </a:r>
-            <a:r>
-              <a:rPr lang="pt-BR" dirty="0" err="1"/>
-              <a:t>Y</a:t>
-            </a:r>
-            <a:r>
-              <a:rPr lang="pt-BR" dirty="0"/>
-              <a:t> os valores previstos de um determinando evento</a:t>
-            </a:r>
-          </a:p>
-          <a:p>
-            <a:pPr algn="ctr"/>
-            <a:r>
-              <a:rPr lang="pt-BR" dirty="0"/>
-              <a:t>MAE é a distância vertical média entre os pontos</a:t>
-            </a:r>
-          </a:p>
-          <a:p>
-            <a:pPr algn="ctr"/>
-            <a:r>
-              <a:rPr lang="pt-BR" dirty="0"/>
-              <a:t>MAE utiliza a mesma escala de medida dos dados</a:t>
-            </a:r>
-          </a:p>
-        </p:txBody>
-      </p:sp>
+      <mc:AlternateContent xmlns:mc="http://schemas.openxmlformats.org/markup-compatibility/2006">
+        <mc:Choice xmlns:a14="http://schemas.microsoft.com/office/drawing/2010/main" Requires="a14">
+          <p:sp>
+            <p:nvSpPr>
+              <p:cNvPr id="3" name="Espaço Reservado para Conteúdo 2">
+                <a:extLst>
+                  <a:ext uri="{FF2B5EF4-FFF2-40B4-BE49-F238E27FC236}">
+                    <a16:creationId xmlns:a16="http://schemas.microsoft.com/office/drawing/2014/main" id="{D1C2D513-A253-5243-86F6-99B7E899C0D7}"/>
+                  </a:ext>
+                </a:extLst>
+              </p:cNvPr>
+              <p:cNvSpPr>
+                <a:spLocks noGrp="1"/>
+              </p:cNvSpPr>
+              <p:nvPr>
+                <p:ph idx="1"/>
+              </p:nvPr>
+            </p:nvSpPr>
+            <p:spPr/>
+            <p:txBody>
+              <a:bodyPr/>
+              <a:lstStyle/>
+              <a:p>
+                <a:pPr algn="ctr"/>
+                <a:r>
+                  <a:rPr lang="pt-BR" dirty="0"/>
+                  <a:t>Erro absoluto médio (MAE) é a medida da diferença entre duas variáveis contínuas</a:t>
+                </a:r>
+              </a:p>
+              <a:p>
+                <a:pPr algn="ctr"/>
+                <a:r>
+                  <a:rPr lang="pt-BR" dirty="0"/>
+                  <a:t>Seja Y os valores reais e </a:t>
+                </a:r>
+                <a14:m>
+                  <m:oMath xmlns:m="http://schemas.openxmlformats.org/officeDocument/2006/math">
+                    <m:acc>
+                      <m:accPr>
+                        <m:chr m:val="̂"/>
+                        <m:ctrlPr>
+                          <a:rPr lang="pt-BR" i="1" smtClean="0">
+                            <a:latin typeface="Cambria Math" panose="02040503050406030204" pitchFamily="18" charset="0"/>
+                          </a:rPr>
+                        </m:ctrlPr>
+                      </m:accPr>
+                      <m:e>
+                        <m:r>
+                          <a:rPr lang="pt-BR" b="0" i="1" smtClean="0">
+                            <a:latin typeface="Cambria Math" panose="02040503050406030204" pitchFamily="18" charset="0"/>
+                          </a:rPr>
+                          <m:t>𝑌</m:t>
+                        </m:r>
+                      </m:e>
+                    </m:acc>
+                  </m:oMath>
+                </a14:m>
+                <a:r>
+                  <a:rPr lang="pt-BR" dirty="0"/>
+                  <a:t> os valores previstos de um determinando evento</a:t>
+                </a:r>
+              </a:p>
+              <a:p>
+                <a:pPr algn="ctr"/>
+                <a:r>
+                  <a:rPr lang="pt-BR" dirty="0"/>
+                  <a:t>MAE é a distância vertical média entre os pontos</a:t>
+                </a:r>
+              </a:p>
+              <a:p>
+                <a:pPr algn="ctr"/>
+                <a:r>
+                  <a:rPr lang="pt-BR" dirty="0"/>
+                  <a:t>MAE utiliza a mesma escala de medida dos dados</a:t>
+                </a:r>
+              </a:p>
+            </p:txBody>
+          </p:sp>
+        </mc:Choice>
+        <mc:Fallback>
+          <p:sp>
+            <p:nvSpPr>
+              <p:cNvPr id="3" name="Espaço Reservado para Conteúdo 2">
+                <a:extLst>
+                  <a:ext uri="{FF2B5EF4-FFF2-40B4-BE49-F238E27FC236}">
+                    <a16:creationId xmlns:a16="http://schemas.microsoft.com/office/drawing/2014/main" id="{D1C2D513-A253-5243-86F6-99B7E899C0D7}"/>
+                  </a:ext>
+                </a:extLst>
+              </p:cNvPr>
+              <p:cNvSpPr>
+                <a:spLocks noGrp="1" noRot="1" noChangeAspect="1" noMove="1" noResize="1" noEditPoints="1" noAdjustHandles="1" noChangeArrowheads="1" noChangeShapeType="1" noTextEdit="1"/>
+              </p:cNvSpPr>
+              <p:nvPr>
+                <p:ph idx="1"/>
+              </p:nvPr>
+            </p:nvSpPr>
+            <p:spPr>
+              <a:blipFill>
+                <a:blip r:embed="rId2"/>
+                <a:stretch>
+                  <a:fillRect t="-2632" r="-121"/>
+                </a:stretch>
+              </a:blipFill>
+            </p:spPr>
+            <p:txBody>
+              <a:bodyPr/>
+              <a:lstStyle/>
+              <a:p>
+                <a:r>
+                  <a:rPr lang="pt-BR">
+                    <a:noFill/>
+                  </a:rPr>
+                  <a:t> </a:t>
+                </a:r>
+              </a:p>
+            </p:txBody>
+          </p:sp>
+        </mc:Fallback>
+      </mc:AlternateContent>
       <p:sp>
         <p:nvSpPr>
           <p:cNvPr id="4" name="Título 1">
@@ -9253,10 +10633,10 @@
       </p:sp>
       <p:pic>
         <p:nvPicPr>
-          <p:cNvPr id="4100" name="Picture 4" descr="image.png">
+          <p:cNvPr id="1026" name="Picture 2" descr="https://miro.medium.com/max/630/1*OVlFLnMwHDx08PHzqlBDag.gif">
             <a:extLst>
               <a:ext uri="{FF2B5EF4-FFF2-40B4-BE49-F238E27FC236}">
-                <a16:creationId xmlns:a16="http://schemas.microsoft.com/office/drawing/2014/main" id="{31DEEFD8-33D4-F347-A050-80304CC332DA}"/>
+                <a16:creationId xmlns:a16="http://schemas.microsoft.com/office/drawing/2014/main" id="{A35C2517-9DC8-2945-A028-8B83AA6EA007}"/>
               </a:ext>
             </a:extLst>
           </p:cNvPr>
@@ -9280,8 +10660,8 @@
         </p:blipFill>
         <p:spPr bwMode="auto">
           <a:xfrm>
-            <a:off x="2471822" y="2767596"/>
-            <a:ext cx="6931728" cy="1106571"/>
+            <a:off x="4095749" y="2556710"/>
+            <a:ext cx="4442659" cy="1269331"/>
           </a:xfrm>
           <a:prstGeom prst="rect">
             <a:avLst/>
@@ -9328,360 +10708,795 @@
           <a:chExt cx="0" cy="0"/>
         </a:xfrm>
       </p:grpSpPr>
-      <p:graphicFrame>
-        <p:nvGraphicFramePr>
-          <p:cNvPr id="2" name="Espaço Reservado para Conteúdo 1">
-            <a:extLst>
-              <a:ext uri="{FF2B5EF4-FFF2-40B4-BE49-F238E27FC236}">
-                <a16:creationId xmlns:a16="http://schemas.microsoft.com/office/drawing/2014/main" id="{E77B43E8-B8E9-B34E-991F-6FE6A61A692E}"/>
-              </a:ext>
-            </a:extLst>
-          </p:cNvPr>
-          <p:cNvGraphicFramePr>
-            <a:graphicFrameLocks noGrp="1"/>
-          </p:cNvGraphicFramePr>
-          <p:nvPr>
-            <p:ph idx="1"/>
-            <p:extLst>
-              <p:ext uri="{D42A27DB-BD31-4B8C-83A1-F6EECF244321}">
-                <p14:modId xmlns:p14="http://schemas.microsoft.com/office/powerpoint/2010/main" val="4114769364"/>
-              </p:ext>
-            </p:extLst>
-          </p:nvPr>
-        </p:nvGraphicFramePr>
-        <p:xfrm>
-          <a:off x="4108784" y="2042193"/>
-          <a:ext cx="3974432" cy="2225040"/>
-        </p:xfrm>
-        <a:graphic>
-          <a:graphicData uri="http://schemas.openxmlformats.org/drawingml/2006/table">
-            <a:tbl>
-              <a:tblPr firstRow="1" bandRow="1">
-                <a:tableStyleId>{5C22544A-7EE6-4342-B048-85BDC9FD1C3A}</a:tableStyleId>
-              </a:tblPr>
-              <a:tblGrid>
-                <a:gridCol w="1375611">
-                  <a:extLst>
-                    <a:ext uri="{9D8B030D-6E8A-4147-A177-3AD203B41FA5}">
-                      <a16:colId xmlns:a16="http://schemas.microsoft.com/office/drawing/2014/main" val="3250293782"/>
-                    </a:ext>
-                  </a:extLst>
-                </a:gridCol>
-                <a:gridCol w="1251284">
-                  <a:extLst>
-                    <a:ext uri="{9D8B030D-6E8A-4147-A177-3AD203B41FA5}">
-                      <a16:colId xmlns:a16="http://schemas.microsoft.com/office/drawing/2014/main" val="886750355"/>
-                    </a:ext>
-                  </a:extLst>
-                </a:gridCol>
-                <a:gridCol w="1347537">
-                  <a:extLst>
-                    <a:ext uri="{9D8B030D-6E8A-4147-A177-3AD203B41FA5}">
-                      <a16:colId xmlns:a16="http://schemas.microsoft.com/office/drawing/2014/main" val="4002214762"/>
-                    </a:ext>
-                  </a:extLst>
-                </a:gridCol>
-              </a:tblGrid>
-              <a:tr h="370840">
-                <a:tc>
-                  <a:txBody>
-                    <a:bodyPr/>
-                    <a:lstStyle/>
-                    <a:p>
-                      <a:pPr algn="ctr"/>
-                      <a:r>
-                        <a:rPr lang="pt-BR" dirty="0" err="1"/>
-                        <a:t>X</a:t>
-                      </a:r>
-                      <a:endParaRPr lang="pt-BR" dirty="0"/>
-                    </a:p>
-                  </a:txBody>
-                  <a:tcPr/>
-                </a:tc>
-                <a:tc>
-                  <a:txBody>
-                    <a:bodyPr/>
-                    <a:lstStyle/>
-                    <a:p>
-                      <a:pPr algn="ctr"/>
-                      <a:r>
-                        <a:rPr lang="pt-BR" dirty="0" err="1"/>
-                        <a:t>Y</a:t>
-                      </a:r>
-                      <a:endParaRPr lang="pt-BR" dirty="0"/>
-                    </a:p>
-                  </a:txBody>
-                  <a:tcPr/>
-                </a:tc>
-                <a:tc>
-                  <a:txBody>
-                    <a:bodyPr/>
-                    <a:lstStyle/>
-                    <a:p>
-                      <a:pPr algn="ctr"/>
-                      <a:r>
-                        <a:rPr lang="pt-BR" dirty="0"/>
-                        <a:t>|X-Y|</a:t>
-                      </a:r>
-                    </a:p>
-                  </a:txBody>
-                  <a:tcPr/>
-                </a:tc>
+      <mc:AlternateContent xmlns:mc="http://schemas.openxmlformats.org/markup-compatibility/2006">
+        <mc:Choice xmlns:a14="http://schemas.microsoft.com/office/drawing/2010/main" Requires="a14">
+          <p:graphicFrame>
+            <p:nvGraphicFramePr>
+              <p:cNvPr id="2" name="Espaço Reservado para Conteúdo 1">
                 <a:extLst>
-                  <a:ext uri="{0D108BD9-81ED-4DB2-BD59-A6C34878D82A}">
-                    <a16:rowId xmlns:a16="http://schemas.microsoft.com/office/drawing/2014/main" val="3387704678"/>
+                  <a:ext uri="{FF2B5EF4-FFF2-40B4-BE49-F238E27FC236}">
+                    <a16:creationId xmlns:a16="http://schemas.microsoft.com/office/drawing/2014/main" id="{E77B43E8-B8E9-B34E-991F-6FE6A61A692E}"/>
                   </a:ext>
                 </a:extLst>
-              </a:tr>
-              <a:tr h="370840">
-                <a:tc>
-                  <a:txBody>
-                    <a:bodyPr/>
-                    <a:lstStyle/>
-                    <a:p>
-                      <a:pPr algn="ctr"/>
-                      <a:r>
-                        <a:rPr lang="pt-BR" dirty="0"/>
-                        <a:t>2.45</a:t>
-                      </a:r>
-                    </a:p>
-                  </a:txBody>
-                  <a:tcPr/>
-                </a:tc>
-                <a:tc>
-                  <a:txBody>
-                    <a:bodyPr/>
-                    <a:lstStyle/>
-                    <a:p>
-                      <a:pPr algn="ctr"/>
-                      <a:r>
-                        <a:rPr lang="pt-BR" dirty="0"/>
-                        <a:t>2.47</a:t>
-                      </a:r>
-                    </a:p>
-                  </a:txBody>
-                  <a:tcPr/>
-                </a:tc>
-                <a:tc>
-                  <a:txBody>
-                    <a:bodyPr/>
-                    <a:lstStyle/>
-                    <a:p>
-                      <a:pPr algn="ctr"/>
-                      <a:r>
-                        <a:rPr lang="pt-BR" dirty="0"/>
-                        <a:t>0.02</a:t>
-                      </a:r>
-                    </a:p>
-                  </a:txBody>
-                  <a:tcPr/>
-                </a:tc>
+              </p:cNvPr>
+              <p:cNvGraphicFramePr>
+                <a:graphicFrameLocks noGrp="1"/>
+              </p:cNvGraphicFramePr>
+              <p:nvPr>
+                <p:ph idx="1"/>
+                <p:extLst>
+                  <p:ext uri="{D42A27DB-BD31-4B8C-83A1-F6EECF244321}">
+                    <p14:modId xmlns:p14="http://schemas.microsoft.com/office/powerpoint/2010/main" val="871994529"/>
+                  </p:ext>
+                </p:extLst>
+              </p:nvPr>
+            </p:nvGraphicFramePr>
+            <p:xfrm>
+              <a:off x="4108784" y="2042193"/>
+              <a:ext cx="3974432" cy="2255266"/>
+            </p:xfrm>
+            <a:graphic>
+              <a:graphicData uri="http://schemas.openxmlformats.org/drawingml/2006/table">
+                <a:tbl>
+                  <a:tblPr firstRow="1" bandRow="1">
+                    <a:tableStyleId>{5C22544A-7EE6-4342-B048-85BDC9FD1C3A}</a:tableStyleId>
+                  </a:tblPr>
+                  <a:tblGrid>
+                    <a:gridCol w="1375611">
+                      <a:extLst>
+                        <a:ext uri="{9D8B030D-6E8A-4147-A177-3AD203B41FA5}">
+                          <a16:colId xmlns:a16="http://schemas.microsoft.com/office/drawing/2014/main" val="3250293782"/>
+                        </a:ext>
+                      </a:extLst>
+                    </a:gridCol>
+                    <a:gridCol w="1251284">
+                      <a:extLst>
+                        <a:ext uri="{9D8B030D-6E8A-4147-A177-3AD203B41FA5}">
+                          <a16:colId xmlns:a16="http://schemas.microsoft.com/office/drawing/2014/main" val="886750355"/>
+                        </a:ext>
+                      </a:extLst>
+                    </a:gridCol>
+                    <a:gridCol w="1347537">
+                      <a:extLst>
+                        <a:ext uri="{9D8B030D-6E8A-4147-A177-3AD203B41FA5}">
+                          <a16:colId xmlns:a16="http://schemas.microsoft.com/office/drawing/2014/main" val="4002214762"/>
+                        </a:ext>
+                      </a:extLst>
+                    </a:gridCol>
+                  </a:tblGrid>
+                  <a:tr h="370840">
+                    <a:tc>
+                      <a:txBody>
+                        <a:bodyPr/>
+                        <a:lstStyle/>
+                        <a:p>
+                          <a:pPr algn="ctr"/>
+                          <a:r>
+                            <a:rPr lang="pt-BR" dirty="0"/>
+                            <a:t>Y</a:t>
+                          </a:r>
+                        </a:p>
+                      </a:txBody>
+                      <a:tcPr/>
+                    </a:tc>
+                    <a:tc>
+                      <a:txBody>
+                        <a:bodyPr/>
+                        <a:lstStyle/>
+                        <a:p>
+                          <a:pPr algn="ctr"/>
+                          <a14:m>
+                            <m:oMathPara xmlns:m="http://schemas.openxmlformats.org/officeDocument/2006/math">
+                              <m:oMathParaPr>
+                                <m:jc m:val="centerGroup"/>
+                              </m:oMathParaPr>
+                              <m:oMath xmlns:m="http://schemas.openxmlformats.org/officeDocument/2006/math">
+                                <m:acc>
+                                  <m:accPr>
+                                    <m:chr m:val="̂"/>
+                                    <m:ctrlPr>
+                                      <a:rPr lang="pt-BR" i="1" smtClean="0">
+                                        <a:latin typeface="Cambria Math" panose="02040503050406030204" pitchFamily="18" charset="0"/>
+                                      </a:rPr>
+                                    </m:ctrlPr>
+                                  </m:accPr>
+                                  <m:e>
+                                    <m:r>
+                                      <a:rPr lang="pt-BR" b="1" i="1" smtClean="0">
+                                        <a:latin typeface="Cambria Math" panose="02040503050406030204" pitchFamily="18" charset="0"/>
+                                      </a:rPr>
+                                      <m:t>𝒀</m:t>
+                                    </m:r>
+                                  </m:e>
+                                </m:acc>
+                              </m:oMath>
+                            </m:oMathPara>
+                          </a14:m>
+                          <a:endParaRPr lang="pt-BR" dirty="0"/>
+                        </a:p>
+                      </a:txBody>
+                      <a:tcPr/>
+                    </a:tc>
+                    <a:tc>
+                      <a:txBody>
+                        <a:bodyPr/>
+                        <a:lstStyle/>
+                        <a:p>
+                          <a:pPr algn="ctr"/>
+                          <a14:m>
+                            <m:oMathPara xmlns:m="http://schemas.openxmlformats.org/officeDocument/2006/math">
+                              <m:oMathParaPr>
+                                <m:jc m:val="centerGroup"/>
+                              </m:oMathParaPr>
+                              <m:oMath xmlns:m="http://schemas.openxmlformats.org/officeDocument/2006/math">
+                                <m:d>
+                                  <m:dPr>
+                                    <m:begChr m:val="|"/>
+                                    <m:endChr m:val="|"/>
+                                    <m:ctrlPr>
+                                      <a:rPr lang="pt-BR" i="1" smtClean="0">
+                                        <a:latin typeface="Cambria Math" panose="02040503050406030204" pitchFamily="18" charset="0"/>
+                                      </a:rPr>
+                                    </m:ctrlPr>
+                                  </m:dPr>
+                                  <m:e>
+                                    <m:r>
+                                      <a:rPr lang="pt-BR" b="1" i="1" smtClean="0">
+                                        <a:latin typeface="Cambria Math" panose="02040503050406030204" pitchFamily="18" charset="0"/>
+                                      </a:rPr>
+                                      <m:t>𝒀</m:t>
+                                    </m:r>
+                                    <m:r>
+                                      <a:rPr lang="pt-BR" b="1" i="1" smtClean="0">
+                                        <a:latin typeface="Cambria Math" panose="02040503050406030204" pitchFamily="18" charset="0"/>
+                                      </a:rPr>
+                                      <m:t>−</m:t>
+                                    </m:r>
+                                    <m:acc>
+                                      <m:accPr>
+                                        <m:chr m:val="̂"/>
+                                        <m:ctrlPr>
+                                          <a:rPr lang="pt-BR" b="1" i="1" smtClean="0">
+                                            <a:latin typeface="Cambria Math" panose="02040503050406030204" pitchFamily="18" charset="0"/>
+                                          </a:rPr>
+                                        </m:ctrlPr>
+                                      </m:accPr>
+                                      <m:e>
+                                        <m:r>
+                                          <a:rPr lang="pt-BR" b="1" i="1" smtClean="0">
+                                            <a:latin typeface="Cambria Math" panose="02040503050406030204" pitchFamily="18" charset="0"/>
+                                          </a:rPr>
+                                          <m:t>𝒀</m:t>
+                                        </m:r>
+                                      </m:e>
+                                    </m:acc>
+                                  </m:e>
+                                </m:d>
+                              </m:oMath>
+                            </m:oMathPara>
+                          </a14:m>
+                          <a:endParaRPr lang="pt-BR" dirty="0"/>
+                        </a:p>
+                      </a:txBody>
+                      <a:tcPr/>
+                    </a:tc>
+                    <a:extLst>
+                      <a:ext uri="{0D108BD9-81ED-4DB2-BD59-A6C34878D82A}">
+                        <a16:rowId xmlns:a16="http://schemas.microsoft.com/office/drawing/2014/main" val="3387704678"/>
+                      </a:ext>
+                    </a:extLst>
+                  </a:tr>
+                  <a:tr h="370840">
+                    <a:tc>
+                      <a:txBody>
+                        <a:bodyPr/>
+                        <a:lstStyle/>
+                        <a:p>
+                          <a:pPr algn="ctr"/>
+                          <a:r>
+                            <a:rPr lang="pt-BR" dirty="0"/>
+                            <a:t>2.45</a:t>
+                          </a:r>
+                        </a:p>
+                      </a:txBody>
+                      <a:tcPr/>
+                    </a:tc>
+                    <a:tc>
+                      <a:txBody>
+                        <a:bodyPr/>
+                        <a:lstStyle/>
+                        <a:p>
+                          <a:pPr algn="ctr"/>
+                          <a:r>
+                            <a:rPr lang="pt-BR" dirty="0"/>
+                            <a:t>2.47</a:t>
+                          </a:r>
+                        </a:p>
+                      </a:txBody>
+                      <a:tcPr/>
+                    </a:tc>
+                    <a:tc>
+                      <a:txBody>
+                        <a:bodyPr/>
+                        <a:lstStyle/>
+                        <a:p>
+                          <a:pPr algn="ctr"/>
+                          <a:r>
+                            <a:rPr lang="pt-BR" dirty="0"/>
+                            <a:t>0.02</a:t>
+                          </a:r>
+                        </a:p>
+                      </a:txBody>
+                      <a:tcPr/>
+                    </a:tc>
+                    <a:extLst>
+                      <a:ext uri="{0D108BD9-81ED-4DB2-BD59-A6C34878D82A}">
+                        <a16:rowId xmlns:a16="http://schemas.microsoft.com/office/drawing/2014/main" val="1199927121"/>
+                      </a:ext>
+                    </a:extLst>
+                  </a:tr>
+                  <a:tr h="370840">
+                    <a:tc>
+                      <a:txBody>
+                        <a:bodyPr/>
+                        <a:lstStyle/>
+                        <a:p>
+                          <a:pPr algn="ctr"/>
+                          <a:r>
+                            <a:rPr lang="pt-BR" dirty="0"/>
+                            <a:t>2.38</a:t>
+                          </a:r>
+                        </a:p>
+                      </a:txBody>
+                      <a:tcPr/>
+                    </a:tc>
+                    <a:tc>
+                      <a:txBody>
+                        <a:bodyPr/>
+                        <a:lstStyle/>
+                        <a:p>
+                          <a:pPr algn="ctr"/>
+                          <a:r>
+                            <a:rPr lang="pt-BR" dirty="0"/>
+                            <a:t>2.35</a:t>
+                          </a:r>
+                        </a:p>
+                      </a:txBody>
+                      <a:tcPr/>
+                    </a:tc>
+                    <a:tc>
+                      <a:txBody>
+                        <a:bodyPr/>
+                        <a:lstStyle/>
+                        <a:p>
+                          <a:pPr algn="ctr"/>
+                          <a:r>
+                            <a:rPr lang="pt-BR" dirty="0"/>
+                            <a:t>0.03</a:t>
+                          </a:r>
+                        </a:p>
+                      </a:txBody>
+                      <a:tcPr/>
+                    </a:tc>
+                    <a:extLst>
+                      <a:ext uri="{0D108BD9-81ED-4DB2-BD59-A6C34878D82A}">
+                        <a16:rowId xmlns:a16="http://schemas.microsoft.com/office/drawing/2014/main" val="861695788"/>
+                      </a:ext>
+                    </a:extLst>
+                  </a:tr>
+                  <a:tr h="370840">
+                    <a:tc>
+                      <a:txBody>
+                        <a:bodyPr/>
+                        <a:lstStyle/>
+                        <a:p>
+                          <a:pPr algn="ctr"/>
+                          <a:r>
+                            <a:rPr lang="pt-BR" dirty="0"/>
+                            <a:t>2.41</a:t>
+                          </a:r>
+                        </a:p>
+                      </a:txBody>
+                      <a:tcPr/>
+                    </a:tc>
+                    <a:tc>
+                      <a:txBody>
+                        <a:bodyPr/>
+                        <a:lstStyle/>
+                        <a:p>
+                          <a:pPr algn="ctr"/>
+                          <a:r>
+                            <a:rPr lang="pt-BR" dirty="0"/>
+                            <a:t>2.42</a:t>
+                          </a:r>
+                        </a:p>
+                      </a:txBody>
+                      <a:tcPr/>
+                    </a:tc>
+                    <a:tc>
+                      <a:txBody>
+                        <a:bodyPr/>
+                        <a:lstStyle/>
+                        <a:p>
+                          <a:pPr algn="ctr"/>
+                          <a:r>
+                            <a:rPr lang="pt-BR" dirty="0"/>
+                            <a:t>0.01</a:t>
+                          </a:r>
+                        </a:p>
+                      </a:txBody>
+                      <a:tcPr/>
+                    </a:tc>
+                    <a:extLst>
+                      <a:ext uri="{0D108BD9-81ED-4DB2-BD59-A6C34878D82A}">
+                        <a16:rowId xmlns:a16="http://schemas.microsoft.com/office/drawing/2014/main" val="3962358187"/>
+                      </a:ext>
+                    </a:extLst>
+                  </a:tr>
+                  <a:tr h="370840">
+                    <a:tc>
+                      <a:txBody>
+                        <a:bodyPr/>
+                        <a:lstStyle/>
+                        <a:p>
+                          <a:pPr algn="ctr"/>
+                          <a:r>
+                            <a:rPr lang="pt-BR" dirty="0"/>
+                            <a:t>2.39</a:t>
+                          </a:r>
+                        </a:p>
+                      </a:txBody>
+                      <a:tcPr/>
+                    </a:tc>
+                    <a:tc>
+                      <a:txBody>
+                        <a:bodyPr/>
+                        <a:lstStyle/>
+                        <a:p>
+                          <a:pPr algn="ctr"/>
+                          <a:r>
+                            <a:rPr lang="pt-BR" dirty="0"/>
+                            <a:t>2.35</a:t>
+                          </a:r>
+                        </a:p>
+                      </a:txBody>
+                      <a:tcPr/>
+                    </a:tc>
+                    <a:tc>
+                      <a:txBody>
+                        <a:bodyPr/>
+                        <a:lstStyle/>
+                        <a:p>
+                          <a:pPr algn="ctr"/>
+                          <a:r>
+                            <a:rPr lang="pt-BR" dirty="0"/>
+                            <a:t>0.04</a:t>
+                          </a:r>
+                        </a:p>
+                      </a:txBody>
+                      <a:tcPr/>
+                    </a:tc>
+                    <a:extLst>
+                      <a:ext uri="{0D108BD9-81ED-4DB2-BD59-A6C34878D82A}">
+                        <a16:rowId xmlns:a16="http://schemas.microsoft.com/office/drawing/2014/main" val="3991630761"/>
+                      </a:ext>
+                    </a:extLst>
+                  </a:tr>
+                  <a:tr h="370840">
+                    <a:tc>
+                      <a:txBody>
+                        <a:bodyPr/>
+                        <a:lstStyle/>
+                        <a:p>
+                          <a:pPr algn="ctr"/>
+                          <a:r>
+                            <a:rPr lang="pt-BR" dirty="0"/>
+                            <a:t>2.15</a:t>
+                          </a:r>
+                        </a:p>
+                      </a:txBody>
+                      <a:tcPr/>
+                    </a:tc>
+                    <a:tc>
+                      <a:txBody>
+                        <a:bodyPr/>
+                        <a:lstStyle/>
+                        <a:p>
+                          <a:pPr algn="ctr"/>
+                          <a:r>
+                            <a:rPr lang="pt-BR" dirty="0"/>
+                            <a:t>2.18</a:t>
+                          </a:r>
+                        </a:p>
+                      </a:txBody>
+                      <a:tcPr/>
+                    </a:tc>
+                    <a:tc>
+                      <a:txBody>
+                        <a:bodyPr/>
+                        <a:lstStyle/>
+                        <a:p>
+                          <a:pPr algn="ctr"/>
+                          <a:r>
+                            <a:rPr lang="pt-BR" dirty="0"/>
+                            <a:t>0.04</a:t>
+                          </a:r>
+                        </a:p>
+                      </a:txBody>
+                      <a:tcPr/>
+                    </a:tc>
+                    <a:extLst>
+                      <a:ext uri="{0D108BD9-81ED-4DB2-BD59-A6C34878D82A}">
+                        <a16:rowId xmlns:a16="http://schemas.microsoft.com/office/drawing/2014/main" val="742894488"/>
+                      </a:ext>
+                    </a:extLst>
+                  </a:tr>
+                </a:tbl>
+              </a:graphicData>
+            </a:graphic>
+          </p:graphicFrame>
+        </mc:Choice>
+        <mc:Fallback>
+          <p:graphicFrame>
+            <p:nvGraphicFramePr>
+              <p:cNvPr id="2" name="Espaço Reservado para Conteúdo 1">
                 <a:extLst>
-                  <a:ext uri="{0D108BD9-81ED-4DB2-BD59-A6C34878D82A}">
-                    <a16:rowId xmlns:a16="http://schemas.microsoft.com/office/drawing/2014/main" val="1199927121"/>
+                  <a:ext uri="{FF2B5EF4-FFF2-40B4-BE49-F238E27FC236}">
+                    <a16:creationId xmlns:a16="http://schemas.microsoft.com/office/drawing/2014/main" id="{E77B43E8-B8E9-B34E-991F-6FE6A61A692E}"/>
                   </a:ext>
                 </a:extLst>
-              </a:tr>
-              <a:tr h="370840">
-                <a:tc>
-                  <a:txBody>
-                    <a:bodyPr/>
-                    <a:lstStyle/>
-                    <a:p>
-                      <a:pPr algn="ctr"/>
-                      <a:r>
-                        <a:rPr lang="pt-BR" dirty="0"/>
-                        <a:t>2.38</a:t>
-                      </a:r>
-                    </a:p>
-                  </a:txBody>
-                  <a:tcPr/>
-                </a:tc>
-                <a:tc>
-                  <a:txBody>
-                    <a:bodyPr/>
-                    <a:lstStyle/>
-                    <a:p>
-                      <a:pPr algn="ctr"/>
-                      <a:r>
-                        <a:rPr lang="pt-BR" dirty="0"/>
-                        <a:t>2.35</a:t>
-                      </a:r>
-                    </a:p>
-                  </a:txBody>
-                  <a:tcPr/>
-                </a:tc>
-                <a:tc>
-                  <a:txBody>
-                    <a:bodyPr/>
-                    <a:lstStyle/>
-                    <a:p>
-                      <a:pPr algn="ctr"/>
-                      <a:r>
-                        <a:rPr lang="pt-BR" dirty="0"/>
-                        <a:t>0.03</a:t>
-                      </a:r>
-                    </a:p>
-                  </a:txBody>
-                  <a:tcPr/>
-                </a:tc>
-                <a:extLst>
-                  <a:ext uri="{0D108BD9-81ED-4DB2-BD59-A6C34878D82A}">
-                    <a16:rowId xmlns:a16="http://schemas.microsoft.com/office/drawing/2014/main" val="861695788"/>
-                  </a:ext>
-                </a:extLst>
-              </a:tr>
-              <a:tr h="370840">
-                <a:tc>
-                  <a:txBody>
-                    <a:bodyPr/>
-                    <a:lstStyle/>
-                    <a:p>
-                      <a:pPr algn="ctr"/>
-                      <a:r>
-                        <a:rPr lang="pt-BR" dirty="0"/>
-                        <a:t>2.41</a:t>
-                      </a:r>
-                    </a:p>
-                  </a:txBody>
-                  <a:tcPr/>
-                </a:tc>
-                <a:tc>
-                  <a:txBody>
-                    <a:bodyPr/>
-                    <a:lstStyle/>
-                    <a:p>
-                      <a:pPr algn="ctr"/>
-                      <a:r>
-                        <a:rPr lang="pt-BR" dirty="0"/>
-                        <a:t>2.42</a:t>
-                      </a:r>
-                    </a:p>
-                  </a:txBody>
-                  <a:tcPr/>
-                </a:tc>
-                <a:tc>
-                  <a:txBody>
-                    <a:bodyPr/>
-                    <a:lstStyle/>
-                    <a:p>
-                      <a:pPr algn="ctr"/>
-                      <a:r>
-                        <a:rPr lang="pt-BR" dirty="0"/>
-                        <a:t>0.01</a:t>
-                      </a:r>
-                    </a:p>
-                  </a:txBody>
-                  <a:tcPr/>
-                </a:tc>
-                <a:extLst>
-                  <a:ext uri="{0D108BD9-81ED-4DB2-BD59-A6C34878D82A}">
-                    <a16:rowId xmlns:a16="http://schemas.microsoft.com/office/drawing/2014/main" val="3962358187"/>
-                  </a:ext>
-                </a:extLst>
-              </a:tr>
-              <a:tr h="370840">
-                <a:tc>
-                  <a:txBody>
-                    <a:bodyPr/>
-                    <a:lstStyle/>
-                    <a:p>
-                      <a:pPr algn="ctr"/>
-                      <a:r>
-                        <a:rPr lang="pt-BR" dirty="0"/>
-                        <a:t>2.39</a:t>
-                      </a:r>
-                    </a:p>
-                  </a:txBody>
-                  <a:tcPr/>
-                </a:tc>
-                <a:tc>
-                  <a:txBody>
-                    <a:bodyPr/>
-                    <a:lstStyle/>
-                    <a:p>
-                      <a:pPr algn="ctr"/>
-                      <a:r>
-                        <a:rPr lang="pt-BR" dirty="0"/>
-                        <a:t>2.35</a:t>
-                      </a:r>
-                    </a:p>
-                  </a:txBody>
-                  <a:tcPr/>
-                </a:tc>
-                <a:tc>
-                  <a:txBody>
-                    <a:bodyPr/>
-                    <a:lstStyle/>
-                    <a:p>
-                      <a:pPr algn="ctr"/>
-                      <a:r>
-                        <a:rPr lang="pt-BR" dirty="0"/>
-                        <a:t>0.04</a:t>
-                      </a:r>
-                    </a:p>
-                  </a:txBody>
-                  <a:tcPr/>
-                </a:tc>
-                <a:extLst>
-                  <a:ext uri="{0D108BD9-81ED-4DB2-BD59-A6C34878D82A}">
-                    <a16:rowId xmlns:a16="http://schemas.microsoft.com/office/drawing/2014/main" val="3991630761"/>
-                  </a:ext>
-                </a:extLst>
-              </a:tr>
-              <a:tr h="370840">
-                <a:tc>
-                  <a:txBody>
-                    <a:bodyPr/>
-                    <a:lstStyle/>
-                    <a:p>
-                      <a:pPr algn="ctr"/>
-                      <a:r>
-                        <a:rPr lang="pt-BR" dirty="0"/>
-                        <a:t>2.15</a:t>
-                      </a:r>
-                    </a:p>
-                  </a:txBody>
-                  <a:tcPr/>
-                </a:tc>
-                <a:tc>
-                  <a:txBody>
-                    <a:bodyPr/>
-                    <a:lstStyle/>
-                    <a:p>
-                      <a:pPr algn="ctr"/>
-                      <a:r>
-                        <a:rPr lang="pt-BR" dirty="0"/>
-                        <a:t>2.18</a:t>
-                      </a:r>
-                    </a:p>
-                  </a:txBody>
-                  <a:tcPr/>
-                </a:tc>
-                <a:tc>
-                  <a:txBody>
-                    <a:bodyPr/>
-                    <a:lstStyle/>
-                    <a:p>
-                      <a:pPr algn="ctr"/>
-                      <a:r>
-                        <a:rPr lang="pt-BR" dirty="0"/>
-                        <a:t>0.04</a:t>
-                      </a:r>
-                    </a:p>
-                  </a:txBody>
-                  <a:tcPr/>
-                </a:tc>
-                <a:extLst>
-                  <a:ext uri="{0D108BD9-81ED-4DB2-BD59-A6C34878D82A}">
-                    <a16:rowId xmlns:a16="http://schemas.microsoft.com/office/drawing/2014/main" val="742894488"/>
-                  </a:ext>
-                </a:extLst>
-              </a:tr>
-            </a:tbl>
-          </a:graphicData>
-        </a:graphic>
-      </p:graphicFrame>
+              </p:cNvPr>
+              <p:cNvGraphicFramePr>
+                <a:graphicFrameLocks noGrp="1"/>
+              </p:cNvGraphicFramePr>
+              <p:nvPr>
+                <p:ph idx="1"/>
+                <p:extLst>
+                  <p:ext uri="{D42A27DB-BD31-4B8C-83A1-F6EECF244321}">
+                    <p14:modId xmlns:p14="http://schemas.microsoft.com/office/powerpoint/2010/main" val="871994529"/>
+                  </p:ext>
+                </p:extLst>
+              </p:nvPr>
+            </p:nvGraphicFramePr>
+            <p:xfrm>
+              <a:off x="4108784" y="2042193"/>
+              <a:ext cx="3974432" cy="2255266"/>
+            </p:xfrm>
+            <a:graphic>
+              <a:graphicData uri="http://schemas.openxmlformats.org/drawingml/2006/table">
+                <a:tbl>
+                  <a:tblPr firstRow="1" bandRow="1">
+                    <a:tableStyleId>{5C22544A-7EE6-4342-B048-85BDC9FD1C3A}</a:tableStyleId>
+                  </a:tblPr>
+                  <a:tblGrid>
+                    <a:gridCol w="1375611">
+                      <a:extLst>
+                        <a:ext uri="{9D8B030D-6E8A-4147-A177-3AD203B41FA5}">
+                          <a16:colId xmlns:a16="http://schemas.microsoft.com/office/drawing/2014/main" val="3250293782"/>
+                        </a:ext>
+                      </a:extLst>
+                    </a:gridCol>
+                    <a:gridCol w="1251284">
+                      <a:extLst>
+                        <a:ext uri="{9D8B030D-6E8A-4147-A177-3AD203B41FA5}">
+                          <a16:colId xmlns:a16="http://schemas.microsoft.com/office/drawing/2014/main" val="886750355"/>
+                        </a:ext>
+                      </a:extLst>
+                    </a:gridCol>
+                    <a:gridCol w="1347537">
+                      <a:extLst>
+                        <a:ext uri="{9D8B030D-6E8A-4147-A177-3AD203B41FA5}">
+                          <a16:colId xmlns:a16="http://schemas.microsoft.com/office/drawing/2014/main" val="4002214762"/>
+                        </a:ext>
+                      </a:extLst>
+                    </a:gridCol>
+                  </a:tblGrid>
+                  <a:tr h="401066">
+                    <a:tc>
+                      <a:txBody>
+                        <a:bodyPr/>
+                        <a:lstStyle/>
+                        <a:p>
+                          <a:pPr algn="ctr"/>
+                          <a:r>
+                            <a:rPr lang="pt-BR" dirty="0"/>
+                            <a:t>Y</a:t>
+                          </a:r>
+                        </a:p>
+                      </a:txBody>
+                      <a:tcPr/>
+                    </a:tc>
+                    <a:tc>
+                      <a:txBody>
+                        <a:bodyPr/>
+                        <a:lstStyle/>
+                        <a:p>
+                          <a:endParaRPr lang="pt-BR"/>
+                        </a:p>
+                      </a:txBody>
+                      <a:tcPr>
+                        <a:blipFill>
+                          <a:blip r:embed="rId2"/>
+                          <a:stretch>
+                            <a:fillRect l="-111111" t="-6250" r="-108081" b="-481250"/>
+                          </a:stretch>
+                        </a:blipFill>
+                      </a:tcPr>
+                    </a:tc>
+                    <a:tc>
+                      <a:txBody>
+                        <a:bodyPr/>
+                        <a:lstStyle/>
+                        <a:p>
+                          <a:endParaRPr lang="pt-BR"/>
+                        </a:p>
+                      </a:txBody>
+                      <a:tcPr>
+                        <a:blipFill>
+                          <a:blip r:embed="rId2"/>
+                          <a:stretch>
+                            <a:fillRect l="-197170" t="-6250" r="-943" b="-481250"/>
+                          </a:stretch>
+                        </a:blipFill>
+                      </a:tcPr>
+                    </a:tc>
+                    <a:extLst>
+                      <a:ext uri="{0D108BD9-81ED-4DB2-BD59-A6C34878D82A}">
+                        <a16:rowId xmlns:a16="http://schemas.microsoft.com/office/drawing/2014/main" val="3387704678"/>
+                      </a:ext>
+                    </a:extLst>
+                  </a:tr>
+                  <a:tr h="370840">
+                    <a:tc>
+                      <a:txBody>
+                        <a:bodyPr/>
+                        <a:lstStyle/>
+                        <a:p>
+                          <a:pPr algn="ctr"/>
+                          <a:r>
+                            <a:rPr lang="pt-BR" dirty="0"/>
+                            <a:t>2.45</a:t>
+                          </a:r>
+                        </a:p>
+                      </a:txBody>
+                      <a:tcPr/>
+                    </a:tc>
+                    <a:tc>
+                      <a:txBody>
+                        <a:bodyPr/>
+                        <a:lstStyle/>
+                        <a:p>
+                          <a:pPr algn="ctr"/>
+                          <a:r>
+                            <a:rPr lang="pt-BR" dirty="0"/>
+                            <a:t>2.47</a:t>
+                          </a:r>
+                        </a:p>
+                      </a:txBody>
+                      <a:tcPr/>
+                    </a:tc>
+                    <a:tc>
+                      <a:txBody>
+                        <a:bodyPr/>
+                        <a:lstStyle/>
+                        <a:p>
+                          <a:pPr algn="ctr"/>
+                          <a:r>
+                            <a:rPr lang="pt-BR" dirty="0"/>
+                            <a:t>0.02</a:t>
+                          </a:r>
+                        </a:p>
+                      </a:txBody>
+                      <a:tcPr/>
+                    </a:tc>
+                    <a:extLst>
+                      <a:ext uri="{0D108BD9-81ED-4DB2-BD59-A6C34878D82A}">
+                        <a16:rowId xmlns:a16="http://schemas.microsoft.com/office/drawing/2014/main" val="1199927121"/>
+                      </a:ext>
+                    </a:extLst>
+                  </a:tr>
+                  <a:tr h="370840">
+                    <a:tc>
+                      <a:txBody>
+                        <a:bodyPr/>
+                        <a:lstStyle/>
+                        <a:p>
+                          <a:pPr algn="ctr"/>
+                          <a:r>
+                            <a:rPr lang="pt-BR" dirty="0"/>
+                            <a:t>2.38</a:t>
+                          </a:r>
+                        </a:p>
+                      </a:txBody>
+                      <a:tcPr/>
+                    </a:tc>
+                    <a:tc>
+                      <a:txBody>
+                        <a:bodyPr/>
+                        <a:lstStyle/>
+                        <a:p>
+                          <a:pPr algn="ctr"/>
+                          <a:r>
+                            <a:rPr lang="pt-BR" dirty="0"/>
+                            <a:t>2.35</a:t>
+                          </a:r>
+                        </a:p>
+                      </a:txBody>
+                      <a:tcPr/>
+                    </a:tc>
+                    <a:tc>
+                      <a:txBody>
+                        <a:bodyPr/>
+                        <a:lstStyle/>
+                        <a:p>
+                          <a:pPr algn="ctr"/>
+                          <a:r>
+                            <a:rPr lang="pt-BR" dirty="0"/>
+                            <a:t>0.03</a:t>
+                          </a:r>
+                        </a:p>
+                      </a:txBody>
+                      <a:tcPr/>
+                    </a:tc>
+                    <a:extLst>
+                      <a:ext uri="{0D108BD9-81ED-4DB2-BD59-A6C34878D82A}">
+                        <a16:rowId xmlns:a16="http://schemas.microsoft.com/office/drawing/2014/main" val="861695788"/>
+                      </a:ext>
+                    </a:extLst>
+                  </a:tr>
+                  <a:tr h="370840">
+                    <a:tc>
+                      <a:txBody>
+                        <a:bodyPr/>
+                        <a:lstStyle/>
+                        <a:p>
+                          <a:pPr algn="ctr"/>
+                          <a:r>
+                            <a:rPr lang="pt-BR" dirty="0"/>
+                            <a:t>2.41</a:t>
+                          </a:r>
+                        </a:p>
+                      </a:txBody>
+                      <a:tcPr/>
+                    </a:tc>
+                    <a:tc>
+                      <a:txBody>
+                        <a:bodyPr/>
+                        <a:lstStyle/>
+                        <a:p>
+                          <a:pPr algn="ctr"/>
+                          <a:r>
+                            <a:rPr lang="pt-BR" dirty="0"/>
+                            <a:t>2.42</a:t>
+                          </a:r>
+                        </a:p>
+                      </a:txBody>
+                      <a:tcPr/>
+                    </a:tc>
+                    <a:tc>
+                      <a:txBody>
+                        <a:bodyPr/>
+                        <a:lstStyle/>
+                        <a:p>
+                          <a:pPr algn="ctr"/>
+                          <a:r>
+                            <a:rPr lang="pt-BR" dirty="0"/>
+                            <a:t>0.01</a:t>
+                          </a:r>
+                        </a:p>
+                      </a:txBody>
+                      <a:tcPr/>
+                    </a:tc>
+                    <a:extLst>
+                      <a:ext uri="{0D108BD9-81ED-4DB2-BD59-A6C34878D82A}">
+                        <a16:rowId xmlns:a16="http://schemas.microsoft.com/office/drawing/2014/main" val="3962358187"/>
+                      </a:ext>
+                    </a:extLst>
+                  </a:tr>
+                  <a:tr h="370840">
+                    <a:tc>
+                      <a:txBody>
+                        <a:bodyPr/>
+                        <a:lstStyle/>
+                        <a:p>
+                          <a:pPr algn="ctr"/>
+                          <a:r>
+                            <a:rPr lang="pt-BR" dirty="0"/>
+                            <a:t>2.39</a:t>
+                          </a:r>
+                        </a:p>
+                      </a:txBody>
+                      <a:tcPr/>
+                    </a:tc>
+                    <a:tc>
+                      <a:txBody>
+                        <a:bodyPr/>
+                        <a:lstStyle/>
+                        <a:p>
+                          <a:pPr algn="ctr"/>
+                          <a:r>
+                            <a:rPr lang="pt-BR" dirty="0"/>
+                            <a:t>2.35</a:t>
+                          </a:r>
+                        </a:p>
+                      </a:txBody>
+                      <a:tcPr/>
+                    </a:tc>
+                    <a:tc>
+                      <a:txBody>
+                        <a:bodyPr/>
+                        <a:lstStyle/>
+                        <a:p>
+                          <a:pPr algn="ctr"/>
+                          <a:r>
+                            <a:rPr lang="pt-BR" dirty="0"/>
+                            <a:t>0.04</a:t>
+                          </a:r>
+                        </a:p>
+                      </a:txBody>
+                      <a:tcPr/>
+                    </a:tc>
+                    <a:extLst>
+                      <a:ext uri="{0D108BD9-81ED-4DB2-BD59-A6C34878D82A}">
+                        <a16:rowId xmlns:a16="http://schemas.microsoft.com/office/drawing/2014/main" val="3991630761"/>
+                      </a:ext>
+                    </a:extLst>
+                  </a:tr>
+                  <a:tr h="370840">
+                    <a:tc>
+                      <a:txBody>
+                        <a:bodyPr/>
+                        <a:lstStyle/>
+                        <a:p>
+                          <a:pPr algn="ctr"/>
+                          <a:r>
+                            <a:rPr lang="pt-BR" dirty="0"/>
+                            <a:t>2.15</a:t>
+                          </a:r>
+                        </a:p>
+                      </a:txBody>
+                      <a:tcPr/>
+                    </a:tc>
+                    <a:tc>
+                      <a:txBody>
+                        <a:bodyPr/>
+                        <a:lstStyle/>
+                        <a:p>
+                          <a:pPr algn="ctr"/>
+                          <a:r>
+                            <a:rPr lang="pt-BR" dirty="0"/>
+                            <a:t>2.18</a:t>
+                          </a:r>
+                        </a:p>
+                      </a:txBody>
+                      <a:tcPr/>
+                    </a:tc>
+                    <a:tc>
+                      <a:txBody>
+                        <a:bodyPr/>
+                        <a:lstStyle/>
+                        <a:p>
+                          <a:pPr algn="ctr"/>
+                          <a:r>
+                            <a:rPr lang="pt-BR" dirty="0"/>
+                            <a:t>0.04</a:t>
+                          </a:r>
+                        </a:p>
+                      </a:txBody>
+                      <a:tcPr/>
+                    </a:tc>
+                    <a:extLst>
+                      <a:ext uri="{0D108BD9-81ED-4DB2-BD59-A6C34878D82A}">
+                        <a16:rowId xmlns:a16="http://schemas.microsoft.com/office/drawing/2014/main" val="742894488"/>
+                      </a:ext>
+                    </a:extLst>
+                  </a:tr>
+                </a:tbl>
+              </a:graphicData>
+            </a:graphic>
+          </p:graphicFrame>
+        </mc:Fallback>
+      </mc:AlternateContent>
       <p:sp>
         <p:nvSpPr>
           <p:cNvPr id="4" name="Título 1">
@@ -9725,8 +11540,8 @@
           </a:p>
         </p:txBody>
       </p:sp>
-      <mc:AlternateContent xmlns:mc="http://schemas.openxmlformats.org/markup-compatibility/2006" xmlns:a14="http://schemas.microsoft.com/office/drawing/2010/main">
-        <mc:Choice Requires="a14">
+      <mc:AlternateContent xmlns:mc="http://schemas.openxmlformats.org/markup-compatibility/2006">
+        <mc:Choice xmlns:a14="http://schemas.microsoft.com/office/drawing/2010/main" Requires="a14">
           <p:sp>
             <p:nvSpPr>
               <p:cNvPr id="5" name="CaixaDeTexto 4">
@@ -9742,7 +11557,7 @@
             <p:spPr>
               <a:xfrm>
                 <a:off x="4311314" y="4618738"/>
-                <a:ext cx="3771902" cy="543226"/>
+                <a:ext cx="3771902" cy="591380"/>
               </a:xfrm>
               <a:prstGeom prst="rect">
                 <a:avLst/>
@@ -9833,7 +11648,7 @@
                                     <a:rPr lang="pt-BR" b="0" i="1" smtClean="0">
                                       <a:latin typeface="Cambria Math" panose="02040503050406030204" pitchFamily="18" charset="0"/>
                                     </a:rPr>
-                                    <m:t>𝑋</m:t>
+                                    <m:t>𝑌</m:t>
                                   </m:r>
                                   <m:r>
                                     <a:rPr lang="pt-BR" b="0" i="1" smtClean="0">
@@ -9841,12 +11656,24 @@
                                     </a:rPr>
                                     <m:t>−</m:t>
                                   </m:r>
-                                  <m:r>
-                                    <a:rPr lang="pt-BR" b="0" i="1" smtClean="0">
-                                      <a:latin typeface="Cambria Math" panose="02040503050406030204" pitchFamily="18" charset="0"/>
-                                    </a:rPr>
-                                    <m:t>𝑌</m:t>
-                                  </m:r>
+                                  <m:acc>
+                                    <m:accPr>
+                                      <m:chr m:val="̂"/>
+                                      <m:ctrlPr>
+                                        <a:rPr lang="pt-BR" b="0" i="1" smtClean="0">
+                                          <a:latin typeface="Cambria Math" panose="02040503050406030204" pitchFamily="18" charset="0"/>
+                                        </a:rPr>
+                                      </m:ctrlPr>
+                                    </m:accPr>
+                                    <m:e>
+                                      <m:r>
+                                        <a:rPr lang="pt-BR" b="0" i="1" smtClean="0">
+                                          <a:latin typeface="Cambria Math" panose="02040503050406030204" pitchFamily="18" charset="0"/>
+                                        </a:rPr>
+                                        <m:t>𝑌</m:t>
+                                      </m:r>
+                                    </m:e>
+                                  </m:acc>
                                 </m:e>
                               </m:d>
                             </m:e>
@@ -9906,7 +11733,7 @@
             </p:txBody>
           </p:sp>
         </mc:Choice>
-        <mc:Fallback xmlns="">
+        <mc:Fallback>
           <p:sp>
             <p:nvSpPr>
               <p:cNvPr id="5" name="CaixaDeTexto 4">
@@ -9924,15 +11751,15 @@
             <p:spPr>
               <a:xfrm>
                 <a:off x="4311314" y="4618738"/>
-                <a:ext cx="3771902" cy="543226"/>
+                <a:ext cx="3771902" cy="591380"/>
               </a:xfrm>
               <a:prstGeom prst="rect">
                 <a:avLst/>
               </a:prstGeom>
               <a:blipFill>
-                <a:blip r:embed="rId2"/>
+                <a:blip r:embed="rId3"/>
                 <a:stretch>
-                  <a:fillRect t="-88372" b="-74419"/>
+                  <a:fillRect t="-76596" b="-63830"/>
                 </a:stretch>
               </a:blipFill>
             </p:spPr>
@@ -10132,592 +11959,1299 @@
           <a:chExt cx="0" cy="0"/>
         </a:xfrm>
       </p:grpSpPr>
-      <p:graphicFrame>
-        <p:nvGraphicFramePr>
-          <p:cNvPr id="2" name="Espaço Reservado para Conteúdo 1">
-            <a:extLst>
-              <a:ext uri="{FF2B5EF4-FFF2-40B4-BE49-F238E27FC236}">
-                <a16:creationId xmlns:a16="http://schemas.microsoft.com/office/drawing/2014/main" id="{E77B43E8-B8E9-B34E-991F-6FE6A61A692E}"/>
-              </a:ext>
-            </a:extLst>
-          </p:cNvPr>
-          <p:cNvGraphicFramePr>
-            <a:graphicFrameLocks noGrp="1"/>
-          </p:cNvGraphicFramePr>
-          <p:nvPr>
-            <p:ph idx="1"/>
-            <p:extLst>
-              <p:ext uri="{D42A27DB-BD31-4B8C-83A1-F6EECF244321}">
-                <p14:modId xmlns:p14="http://schemas.microsoft.com/office/powerpoint/2010/main" val="638377831"/>
-              </p:ext>
-            </p:extLst>
-          </p:nvPr>
-        </p:nvGraphicFramePr>
-        <p:xfrm>
-          <a:off x="3940341" y="2055613"/>
-          <a:ext cx="5336004" cy="2225040"/>
-        </p:xfrm>
-        <a:graphic>
-          <a:graphicData uri="http://schemas.openxmlformats.org/drawingml/2006/table">
-            <a:tbl>
-              <a:tblPr firstRow="1" bandRow="1">
-                <a:tableStyleId>{5C22544A-7EE6-4342-B048-85BDC9FD1C3A}</a:tableStyleId>
-              </a:tblPr>
-              <a:tblGrid>
-                <a:gridCol w="1040733">
-                  <a:extLst>
-                    <a:ext uri="{9D8B030D-6E8A-4147-A177-3AD203B41FA5}">
-                      <a16:colId xmlns:a16="http://schemas.microsoft.com/office/drawing/2014/main" val="3250293782"/>
-                    </a:ext>
-                  </a:extLst>
-                </a:gridCol>
-                <a:gridCol w="1046747">
-                  <a:extLst>
-                    <a:ext uri="{9D8B030D-6E8A-4147-A177-3AD203B41FA5}">
-                      <a16:colId xmlns:a16="http://schemas.microsoft.com/office/drawing/2014/main" val="886750355"/>
-                    </a:ext>
-                  </a:extLst>
-                </a:gridCol>
-                <a:gridCol w="794084">
-                  <a:extLst>
-                    <a:ext uri="{9D8B030D-6E8A-4147-A177-3AD203B41FA5}">
-                      <a16:colId xmlns:a16="http://schemas.microsoft.com/office/drawing/2014/main" val="4002214762"/>
-                    </a:ext>
-                  </a:extLst>
-                </a:gridCol>
-                <a:gridCol w="2454440">
-                  <a:extLst>
-                    <a:ext uri="{9D8B030D-6E8A-4147-A177-3AD203B41FA5}">
-                      <a16:colId xmlns:a16="http://schemas.microsoft.com/office/drawing/2014/main" val="517397511"/>
-                    </a:ext>
-                  </a:extLst>
-                </a:gridCol>
-              </a:tblGrid>
-              <a:tr h="370840">
-                <a:tc>
-                  <a:txBody>
-                    <a:bodyPr/>
-                    <a:lstStyle/>
-                    <a:p>
-                      <a:pPr algn="ctr"/>
-                      <a:r>
-                        <a:rPr lang="pt-BR" dirty="0" err="1"/>
-                        <a:t>X</a:t>
-                      </a:r>
-                      <a:endParaRPr lang="pt-BR" dirty="0"/>
-                    </a:p>
-                  </a:txBody>
-                  <a:tcPr/>
-                </a:tc>
-                <a:tc>
-                  <a:txBody>
-                    <a:bodyPr/>
-                    <a:lstStyle/>
-                    <a:p>
-                      <a:pPr algn="ctr"/>
-                      <a:r>
-                        <a:rPr lang="pt-BR" dirty="0" err="1"/>
-                        <a:t>Y</a:t>
-                      </a:r>
-                      <a:endParaRPr lang="pt-BR" dirty="0"/>
-                    </a:p>
-                  </a:txBody>
-                  <a:tcPr/>
-                </a:tc>
-                <a:tc>
-                  <a:txBody>
-                    <a:bodyPr/>
-                    <a:lstStyle/>
-                    <a:p>
-                      <a:pPr algn="ctr"/>
-                      <a:r>
-                        <a:rPr lang="pt-BR" dirty="0"/>
-                        <a:t>|X-Y|</a:t>
-                      </a:r>
-                    </a:p>
-                  </a:txBody>
-                  <a:tcPr/>
-                </a:tc>
-                <a:tc>
-                  <a:txBody>
-                    <a:bodyPr/>
-                    <a:lstStyle/>
-                    <a:p>
-                      <a:pPr marL="0" marR="0" lvl="0" indent="0" algn="ctr" defTabSz="914400" rtl="0" eaLnBrk="1" fontAlgn="auto" latinLnBrk="0" hangingPunct="1">
-                        <a:lnSpc>
-                          <a:spcPct val="100000"/>
-                        </a:lnSpc>
-                        <a:spcBef>
-                          <a:spcPts val="0"/>
-                        </a:spcBef>
-                        <a:spcAft>
-                          <a:spcPts val="0"/>
-                        </a:spcAft>
-                        <a:buClrTx/>
-                        <a:buSzTx/>
-                        <a:buFontTx/>
-                        <a:buNone/>
-                        <a:tabLst/>
-                        <a:defRPr/>
-                      </a:pPr>
-                      <a:r>
-                        <a:rPr lang="pt-BR" dirty="0"/>
-                        <a:t>|X-Y|/</a:t>
-                      </a:r>
-                      <a:r>
-                        <a:rPr lang="pt-BR" dirty="0" err="1"/>
-                        <a:t>X</a:t>
-                      </a:r>
-                      <a:endParaRPr lang="pt-BR" dirty="0"/>
-                    </a:p>
-                  </a:txBody>
-                  <a:tcPr/>
-                </a:tc>
+      <mc:AlternateContent xmlns:mc="http://schemas.openxmlformats.org/markup-compatibility/2006">
+        <mc:Choice xmlns:a14="http://schemas.microsoft.com/office/drawing/2010/main" Requires="a14">
+          <p:graphicFrame>
+            <p:nvGraphicFramePr>
+              <p:cNvPr id="2" name="Espaço Reservado para Conteúdo 1">
                 <a:extLst>
-                  <a:ext uri="{0D108BD9-81ED-4DB2-BD59-A6C34878D82A}">
-                    <a16:rowId xmlns:a16="http://schemas.microsoft.com/office/drawing/2014/main" val="3387704678"/>
+                  <a:ext uri="{FF2B5EF4-FFF2-40B4-BE49-F238E27FC236}">
+                    <a16:creationId xmlns:a16="http://schemas.microsoft.com/office/drawing/2014/main" id="{E77B43E8-B8E9-B34E-991F-6FE6A61A692E}"/>
                   </a:ext>
                 </a:extLst>
-              </a:tr>
-              <a:tr h="370840">
-                <a:tc>
-                  <a:txBody>
-                    <a:bodyPr/>
-                    <a:lstStyle/>
-                    <a:p>
-                      <a:pPr algn="ctr"/>
-                      <a:r>
-                        <a:rPr lang="pt-BR" dirty="0"/>
-                        <a:t>2.45</a:t>
-                      </a:r>
-                    </a:p>
-                  </a:txBody>
-                  <a:tcPr/>
-                </a:tc>
-                <a:tc>
-                  <a:txBody>
-                    <a:bodyPr/>
-                    <a:lstStyle/>
-                    <a:p>
-                      <a:pPr algn="ctr"/>
-                      <a:r>
-                        <a:rPr lang="pt-BR" dirty="0"/>
-                        <a:t>2.47</a:t>
-                      </a:r>
-                    </a:p>
-                  </a:txBody>
-                  <a:tcPr/>
-                </a:tc>
-                <a:tc>
-                  <a:txBody>
-                    <a:bodyPr/>
-                    <a:lstStyle/>
-                    <a:p>
-                      <a:pPr algn="ctr"/>
-                      <a:r>
-                        <a:rPr lang="pt-BR" dirty="0"/>
-                        <a:t>0.02</a:t>
-                      </a:r>
-                    </a:p>
-                  </a:txBody>
-                  <a:tcPr/>
-                </a:tc>
-                <a:tc>
-                  <a:txBody>
-                    <a:bodyPr/>
-                    <a:lstStyle/>
-                    <a:p>
-                      <a:pPr marL="0" marR="0" lvl="0" indent="0" algn="ctr" defTabSz="914400" rtl="0" eaLnBrk="1" fontAlgn="auto" latinLnBrk="0" hangingPunct="1">
-                        <a:lnSpc>
-                          <a:spcPct val="100000"/>
-                        </a:lnSpc>
-                        <a:spcBef>
-                          <a:spcPts val="0"/>
-                        </a:spcBef>
-                        <a:spcAft>
-                          <a:spcPts val="0"/>
-                        </a:spcAft>
-                        <a:buClrTx/>
-                        <a:buSzTx/>
-                        <a:buFontTx/>
-                        <a:buNone/>
-                        <a:tabLst/>
-                        <a:defRPr/>
-                      </a:pPr>
-                      <a:r>
-                        <a:rPr lang="pt-BR" sz="1800" kern="1200" dirty="0">
-                          <a:solidFill>
-                            <a:schemeClr val="dk1"/>
-                          </a:solidFill>
-                          <a:effectLst/>
-                          <a:latin typeface="+mn-lt"/>
-                          <a:ea typeface="+mn-ea"/>
-                          <a:cs typeface="+mn-cs"/>
-                        </a:rPr>
-                        <a:t>0.0082</a:t>
-                      </a:r>
-                    </a:p>
-                  </a:txBody>
-                  <a:tcPr/>
-                </a:tc>
+              </p:cNvPr>
+              <p:cNvGraphicFramePr>
+                <a:graphicFrameLocks noGrp="1"/>
+              </p:cNvGraphicFramePr>
+              <p:nvPr>
+                <p:ph idx="1"/>
+                <p:extLst>
+                  <p:ext uri="{D42A27DB-BD31-4B8C-83A1-F6EECF244321}">
+                    <p14:modId xmlns:p14="http://schemas.microsoft.com/office/powerpoint/2010/main" val="581665651"/>
+                  </p:ext>
+                </p:extLst>
+              </p:nvPr>
+            </p:nvGraphicFramePr>
+            <p:xfrm>
+              <a:off x="3916280" y="1995455"/>
+              <a:ext cx="5336004" cy="2255266"/>
+            </p:xfrm>
+            <a:graphic>
+              <a:graphicData uri="http://schemas.openxmlformats.org/drawingml/2006/table">
+                <a:tbl>
+                  <a:tblPr firstRow="1" bandRow="1">
+                    <a:tableStyleId>{5C22544A-7EE6-4342-B048-85BDC9FD1C3A}</a:tableStyleId>
+                  </a:tblPr>
+                  <a:tblGrid>
+                    <a:gridCol w="1040733">
+                      <a:extLst>
+                        <a:ext uri="{9D8B030D-6E8A-4147-A177-3AD203B41FA5}">
+                          <a16:colId xmlns:a16="http://schemas.microsoft.com/office/drawing/2014/main" val="3250293782"/>
+                        </a:ext>
+                      </a:extLst>
+                    </a:gridCol>
+                    <a:gridCol w="1046747">
+                      <a:extLst>
+                        <a:ext uri="{9D8B030D-6E8A-4147-A177-3AD203B41FA5}">
+                          <a16:colId xmlns:a16="http://schemas.microsoft.com/office/drawing/2014/main" val="886750355"/>
+                        </a:ext>
+                      </a:extLst>
+                    </a:gridCol>
+                    <a:gridCol w="914400">
+                      <a:extLst>
+                        <a:ext uri="{9D8B030D-6E8A-4147-A177-3AD203B41FA5}">
+                          <a16:colId xmlns:a16="http://schemas.microsoft.com/office/drawing/2014/main" val="4002214762"/>
+                        </a:ext>
+                      </a:extLst>
+                    </a:gridCol>
+                    <a:gridCol w="2334124">
+                      <a:extLst>
+                        <a:ext uri="{9D8B030D-6E8A-4147-A177-3AD203B41FA5}">
+                          <a16:colId xmlns:a16="http://schemas.microsoft.com/office/drawing/2014/main" val="517397511"/>
+                        </a:ext>
+                      </a:extLst>
+                    </a:gridCol>
+                  </a:tblGrid>
+                  <a:tr h="370840">
+                    <a:tc>
+                      <a:txBody>
+                        <a:bodyPr/>
+                        <a:lstStyle/>
+                        <a:p>
+                          <a:pPr algn="ctr"/>
+                          <a:r>
+                            <a:rPr lang="pt-BR" dirty="0"/>
+                            <a:t>Y</a:t>
+                          </a:r>
+                        </a:p>
+                      </a:txBody>
+                      <a:tcPr/>
+                    </a:tc>
+                    <a:tc>
+                      <a:txBody>
+                        <a:bodyPr/>
+                        <a:lstStyle/>
+                        <a:p>
+                          <a:pPr algn="ctr"/>
+                          <a14:m>
+                            <m:oMathPara xmlns:m="http://schemas.openxmlformats.org/officeDocument/2006/math">
+                              <m:oMathParaPr>
+                                <m:jc m:val="centerGroup"/>
+                              </m:oMathParaPr>
+                              <m:oMath xmlns:m="http://schemas.openxmlformats.org/officeDocument/2006/math">
+                                <m:acc>
+                                  <m:accPr>
+                                    <m:chr m:val="̂"/>
+                                    <m:ctrlPr>
+                                      <a:rPr lang="pt-BR" i="1" smtClean="0">
+                                        <a:latin typeface="Cambria Math" panose="02040503050406030204" pitchFamily="18" charset="0"/>
+                                      </a:rPr>
+                                    </m:ctrlPr>
+                                  </m:accPr>
+                                  <m:e>
+                                    <m:r>
+                                      <a:rPr lang="pt-BR" b="1" i="1" smtClean="0">
+                                        <a:latin typeface="Cambria Math" panose="02040503050406030204" pitchFamily="18" charset="0"/>
+                                      </a:rPr>
+                                      <m:t>𝒀</m:t>
+                                    </m:r>
+                                  </m:e>
+                                </m:acc>
+                              </m:oMath>
+                            </m:oMathPara>
+                          </a14:m>
+                          <a:endParaRPr lang="pt-BR" dirty="0"/>
+                        </a:p>
+                      </a:txBody>
+                      <a:tcPr/>
+                    </a:tc>
+                    <a:tc>
+                      <a:txBody>
+                        <a:bodyPr/>
+                        <a:lstStyle/>
+                        <a:p>
+                          <a:pPr marL="0" marR="0" lvl="0" indent="0" algn="ctr" defTabSz="914400" rtl="0" eaLnBrk="1" fontAlgn="auto" latinLnBrk="0" hangingPunct="1">
+                            <a:lnSpc>
+                              <a:spcPct val="100000"/>
+                            </a:lnSpc>
+                            <a:spcBef>
+                              <a:spcPts val="0"/>
+                            </a:spcBef>
+                            <a:spcAft>
+                              <a:spcPts val="0"/>
+                            </a:spcAft>
+                            <a:buClrTx/>
+                            <a:buSzTx/>
+                            <a:buFontTx/>
+                            <a:buNone/>
+                            <a:tabLst/>
+                            <a:defRPr/>
+                          </a:pPr>
+                          <a14:m>
+                            <m:oMathPara xmlns:m="http://schemas.openxmlformats.org/officeDocument/2006/math">
+                              <m:oMathParaPr>
+                                <m:jc m:val="centerGroup"/>
+                              </m:oMathParaPr>
+                              <m:oMath xmlns:m="http://schemas.openxmlformats.org/officeDocument/2006/math">
+                                <m:d>
+                                  <m:dPr>
+                                    <m:begChr m:val="|"/>
+                                    <m:endChr m:val="|"/>
+                                    <m:ctrlPr>
+                                      <a:rPr lang="pt-BR" i="1" smtClean="0">
+                                        <a:latin typeface="Cambria Math" panose="02040503050406030204" pitchFamily="18" charset="0"/>
+                                      </a:rPr>
+                                    </m:ctrlPr>
+                                  </m:dPr>
+                                  <m:e>
+                                    <m:r>
+                                      <a:rPr lang="pt-BR" b="1" i="1" smtClean="0">
+                                        <a:latin typeface="Cambria Math" panose="02040503050406030204" pitchFamily="18" charset="0"/>
+                                      </a:rPr>
+                                      <m:t>𝒀</m:t>
+                                    </m:r>
+                                    <m:r>
+                                      <a:rPr lang="pt-BR" b="1" i="1" smtClean="0">
+                                        <a:latin typeface="Cambria Math" panose="02040503050406030204" pitchFamily="18" charset="0"/>
+                                      </a:rPr>
+                                      <m:t>−</m:t>
+                                    </m:r>
+                                    <m:acc>
+                                      <m:accPr>
+                                        <m:chr m:val="̂"/>
+                                        <m:ctrlPr>
+                                          <a:rPr lang="pt-BR" b="1" i="1" smtClean="0">
+                                            <a:latin typeface="Cambria Math" panose="02040503050406030204" pitchFamily="18" charset="0"/>
+                                          </a:rPr>
+                                        </m:ctrlPr>
+                                      </m:accPr>
+                                      <m:e>
+                                        <m:r>
+                                          <a:rPr lang="pt-BR" b="1" i="1" smtClean="0">
+                                            <a:latin typeface="Cambria Math" panose="02040503050406030204" pitchFamily="18" charset="0"/>
+                                          </a:rPr>
+                                          <m:t>𝒀</m:t>
+                                        </m:r>
+                                      </m:e>
+                                    </m:acc>
+                                  </m:e>
+                                </m:d>
+                              </m:oMath>
+                            </m:oMathPara>
+                          </a14:m>
+                          <a:endParaRPr lang="pt-BR" dirty="0"/>
+                        </a:p>
+                      </a:txBody>
+                      <a:tcPr/>
+                    </a:tc>
+                    <a:tc>
+                      <a:txBody>
+                        <a:bodyPr/>
+                        <a:lstStyle/>
+                        <a:p>
+                          <a:pPr marL="0" marR="0" lvl="0" indent="0" algn="ctr" defTabSz="914400" rtl="0" eaLnBrk="1" fontAlgn="auto" latinLnBrk="0" hangingPunct="1">
+                            <a:lnSpc>
+                              <a:spcPct val="100000"/>
+                            </a:lnSpc>
+                            <a:spcBef>
+                              <a:spcPts val="0"/>
+                            </a:spcBef>
+                            <a:spcAft>
+                              <a:spcPts val="0"/>
+                            </a:spcAft>
+                            <a:buClrTx/>
+                            <a:buSzTx/>
+                            <a:buFontTx/>
+                            <a:buNone/>
+                            <a:tabLst/>
+                            <a:defRPr/>
+                          </a:pPr>
+                          <a14:m>
+                            <m:oMath xmlns:m="http://schemas.openxmlformats.org/officeDocument/2006/math">
+                              <m:d>
+                                <m:dPr>
+                                  <m:begChr m:val="|"/>
+                                  <m:endChr m:val="|"/>
+                                  <m:ctrlPr>
+                                    <a:rPr lang="pt-BR" i="1" smtClean="0">
+                                      <a:latin typeface="Cambria Math" panose="02040503050406030204" pitchFamily="18" charset="0"/>
+                                    </a:rPr>
+                                  </m:ctrlPr>
+                                </m:dPr>
+                                <m:e>
+                                  <m:r>
+                                    <a:rPr lang="pt-BR" b="1" i="1" smtClean="0">
+                                      <a:latin typeface="Cambria Math" panose="02040503050406030204" pitchFamily="18" charset="0"/>
+                                    </a:rPr>
+                                    <m:t>𝒀</m:t>
+                                  </m:r>
+                                  <m:r>
+                                    <a:rPr lang="pt-BR" b="1" i="1" smtClean="0">
+                                      <a:latin typeface="Cambria Math" panose="02040503050406030204" pitchFamily="18" charset="0"/>
+                                    </a:rPr>
+                                    <m:t>−</m:t>
+                                  </m:r>
+                                  <m:acc>
+                                    <m:accPr>
+                                      <m:chr m:val="̂"/>
+                                      <m:ctrlPr>
+                                        <a:rPr lang="pt-BR" b="1" i="1" smtClean="0">
+                                          <a:latin typeface="Cambria Math" panose="02040503050406030204" pitchFamily="18" charset="0"/>
+                                        </a:rPr>
+                                      </m:ctrlPr>
+                                    </m:accPr>
+                                    <m:e>
+                                      <m:r>
+                                        <a:rPr lang="pt-BR" b="1" i="1" smtClean="0">
+                                          <a:latin typeface="Cambria Math" panose="02040503050406030204" pitchFamily="18" charset="0"/>
+                                        </a:rPr>
+                                        <m:t>𝒀</m:t>
+                                      </m:r>
+                                    </m:e>
+                                  </m:acc>
+                                </m:e>
+                              </m:d>
+                            </m:oMath>
+                          </a14:m>
+                          <a:r>
+                            <a:rPr lang="pt-BR" dirty="0"/>
+                            <a:t>/Y</a:t>
+                          </a:r>
+                        </a:p>
+                      </a:txBody>
+                      <a:tcPr/>
+                    </a:tc>
+                    <a:extLst>
+                      <a:ext uri="{0D108BD9-81ED-4DB2-BD59-A6C34878D82A}">
+                        <a16:rowId xmlns:a16="http://schemas.microsoft.com/office/drawing/2014/main" val="3387704678"/>
+                      </a:ext>
+                    </a:extLst>
+                  </a:tr>
+                  <a:tr h="370840">
+                    <a:tc>
+                      <a:txBody>
+                        <a:bodyPr/>
+                        <a:lstStyle/>
+                        <a:p>
+                          <a:pPr algn="ctr"/>
+                          <a:r>
+                            <a:rPr lang="pt-BR" dirty="0"/>
+                            <a:t>2.45</a:t>
+                          </a:r>
+                        </a:p>
+                      </a:txBody>
+                      <a:tcPr/>
+                    </a:tc>
+                    <a:tc>
+                      <a:txBody>
+                        <a:bodyPr/>
+                        <a:lstStyle/>
+                        <a:p>
+                          <a:pPr algn="ctr"/>
+                          <a:r>
+                            <a:rPr lang="pt-BR" dirty="0"/>
+                            <a:t>2.47</a:t>
+                          </a:r>
+                        </a:p>
+                      </a:txBody>
+                      <a:tcPr/>
+                    </a:tc>
+                    <a:tc>
+                      <a:txBody>
+                        <a:bodyPr/>
+                        <a:lstStyle/>
+                        <a:p>
+                          <a:pPr algn="ctr"/>
+                          <a:r>
+                            <a:rPr lang="pt-BR" dirty="0"/>
+                            <a:t>0.02</a:t>
+                          </a:r>
+                        </a:p>
+                      </a:txBody>
+                      <a:tcPr/>
+                    </a:tc>
+                    <a:tc>
+                      <a:txBody>
+                        <a:bodyPr/>
+                        <a:lstStyle/>
+                        <a:p>
+                          <a:pPr marL="0" marR="0" lvl="0" indent="0" algn="ctr" defTabSz="914400" rtl="0" eaLnBrk="1" fontAlgn="auto" latinLnBrk="0" hangingPunct="1">
+                            <a:lnSpc>
+                              <a:spcPct val="100000"/>
+                            </a:lnSpc>
+                            <a:spcBef>
+                              <a:spcPts val="0"/>
+                            </a:spcBef>
+                            <a:spcAft>
+                              <a:spcPts val="0"/>
+                            </a:spcAft>
+                            <a:buClrTx/>
+                            <a:buSzTx/>
+                            <a:buFontTx/>
+                            <a:buNone/>
+                            <a:tabLst/>
+                            <a:defRPr/>
+                          </a:pPr>
+                          <a:r>
+                            <a:rPr lang="pt-BR" sz="1800" kern="1200" dirty="0">
+                              <a:solidFill>
+                                <a:schemeClr val="dk1"/>
+                              </a:solidFill>
+                              <a:effectLst/>
+                              <a:latin typeface="+mn-lt"/>
+                              <a:ea typeface="+mn-ea"/>
+                              <a:cs typeface="+mn-cs"/>
+                            </a:rPr>
+                            <a:t>0.0082</a:t>
+                          </a:r>
+                        </a:p>
+                      </a:txBody>
+                      <a:tcPr/>
+                    </a:tc>
+                    <a:extLst>
+                      <a:ext uri="{0D108BD9-81ED-4DB2-BD59-A6C34878D82A}">
+                        <a16:rowId xmlns:a16="http://schemas.microsoft.com/office/drawing/2014/main" val="1199927121"/>
+                      </a:ext>
+                    </a:extLst>
+                  </a:tr>
+                  <a:tr h="370840">
+                    <a:tc>
+                      <a:txBody>
+                        <a:bodyPr/>
+                        <a:lstStyle/>
+                        <a:p>
+                          <a:pPr algn="ctr"/>
+                          <a:r>
+                            <a:rPr lang="pt-BR" dirty="0"/>
+                            <a:t>2.38</a:t>
+                          </a:r>
+                        </a:p>
+                      </a:txBody>
+                      <a:tcPr/>
+                    </a:tc>
+                    <a:tc>
+                      <a:txBody>
+                        <a:bodyPr/>
+                        <a:lstStyle/>
+                        <a:p>
+                          <a:pPr algn="ctr"/>
+                          <a:r>
+                            <a:rPr lang="pt-BR" dirty="0"/>
+                            <a:t>2.35</a:t>
+                          </a:r>
+                        </a:p>
+                      </a:txBody>
+                      <a:tcPr/>
+                    </a:tc>
+                    <a:tc>
+                      <a:txBody>
+                        <a:bodyPr/>
+                        <a:lstStyle/>
+                        <a:p>
+                          <a:pPr algn="ctr"/>
+                          <a:r>
+                            <a:rPr lang="pt-BR" dirty="0"/>
+                            <a:t>0.03</a:t>
+                          </a:r>
+                        </a:p>
+                      </a:txBody>
+                      <a:tcPr/>
+                    </a:tc>
+                    <a:tc>
+                      <a:txBody>
+                        <a:bodyPr/>
+                        <a:lstStyle/>
+                        <a:p>
+                          <a:pPr marL="0" marR="0" lvl="0" indent="0" algn="ctr" defTabSz="914400" rtl="0" eaLnBrk="1" fontAlgn="auto" latinLnBrk="0" hangingPunct="1">
+                            <a:lnSpc>
+                              <a:spcPct val="100000"/>
+                            </a:lnSpc>
+                            <a:spcBef>
+                              <a:spcPts val="0"/>
+                            </a:spcBef>
+                            <a:spcAft>
+                              <a:spcPts val="0"/>
+                            </a:spcAft>
+                            <a:buClrTx/>
+                            <a:buSzTx/>
+                            <a:buFontTx/>
+                            <a:buNone/>
+                            <a:tabLst/>
+                            <a:defRPr/>
+                          </a:pPr>
+                          <a:r>
+                            <a:rPr lang="pt-BR" sz="1800" kern="1200" dirty="0">
+                              <a:solidFill>
+                                <a:schemeClr val="dk1"/>
+                              </a:solidFill>
+                              <a:effectLst/>
+                              <a:latin typeface="+mn-lt"/>
+                              <a:ea typeface="+mn-ea"/>
+                              <a:cs typeface="+mn-cs"/>
+                            </a:rPr>
+                            <a:t>0.0126</a:t>
+                          </a:r>
+                        </a:p>
+                      </a:txBody>
+                      <a:tcPr/>
+                    </a:tc>
+                    <a:extLst>
+                      <a:ext uri="{0D108BD9-81ED-4DB2-BD59-A6C34878D82A}">
+                        <a16:rowId xmlns:a16="http://schemas.microsoft.com/office/drawing/2014/main" val="861695788"/>
+                      </a:ext>
+                    </a:extLst>
+                  </a:tr>
+                  <a:tr h="370840">
+                    <a:tc>
+                      <a:txBody>
+                        <a:bodyPr/>
+                        <a:lstStyle/>
+                        <a:p>
+                          <a:pPr algn="ctr"/>
+                          <a:r>
+                            <a:rPr lang="pt-BR" dirty="0"/>
+                            <a:t>2.41</a:t>
+                          </a:r>
+                        </a:p>
+                      </a:txBody>
+                      <a:tcPr/>
+                    </a:tc>
+                    <a:tc>
+                      <a:txBody>
+                        <a:bodyPr/>
+                        <a:lstStyle/>
+                        <a:p>
+                          <a:pPr algn="ctr"/>
+                          <a:r>
+                            <a:rPr lang="pt-BR" dirty="0"/>
+                            <a:t>2.42</a:t>
+                          </a:r>
+                        </a:p>
+                      </a:txBody>
+                      <a:tcPr/>
+                    </a:tc>
+                    <a:tc>
+                      <a:txBody>
+                        <a:bodyPr/>
+                        <a:lstStyle/>
+                        <a:p>
+                          <a:pPr algn="ctr"/>
+                          <a:r>
+                            <a:rPr lang="pt-BR" dirty="0"/>
+                            <a:t>0.01</a:t>
+                          </a:r>
+                        </a:p>
+                      </a:txBody>
+                      <a:tcPr/>
+                    </a:tc>
+                    <a:tc>
+                      <a:txBody>
+                        <a:bodyPr/>
+                        <a:lstStyle/>
+                        <a:p>
+                          <a:pPr marL="0" marR="0" lvl="0" indent="0" algn="ctr" defTabSz="914400" rtl="0" eaLnBrk="1" fontAlgn="auto" latinLnBrk="0" hangingPunct="1">
+                            <a:lnSpc>
+                              <a:spcPct val="100000"/>
+                            </a:lnSpc>
+                            <a:spcBef>
+                              <a:spcPts val="0"/>
+                            </a:spcBef>
+                            <a:spcAft>
+                              <a:spcPts val="0"/>
+                            </a:spcAft>
+                            <a:buClrTx/>
+                            <a:buSzTx/>
+                            <a:buFontTx/>
+                            <a:buNone/>
+                            <a:tabLst/>
+                            <a:defRPr/>
+                          </a:pPr>
+                          <a:r>
+                            <a:rPr lang="pt-BR" sz="1800" kern="1200" dirty="0">
+                              <a:solidFill>
+                                <a:schemeClr val="dk1"/>
+                              </a:solidFill>
+                              <a:effectLst/>
+                              <a:latin typeface="+mn-lt"/>
+                              <a:ea typeface="+mn-ea"/>
+                              <a:cs typeface="+mn-cs"/>
+                            </a:rPr>
+                            <a:t>0.0041</a:t>
+                          </a:r>
+                        </a:p>
+                      </a:txBody>
+                      <a:tcPr/>
+                    </a:tc>
+                    <a:extLst>
+                      <a:ext uri="{0D108BD9-81ED-4DB2-BD59-A6C34878D82A}">
+                        <a16:rowId xmlns:a16="http://schemas.microsoft.com/office/drawing/2014/main" val="3962358187"/>
+                      </a:ext>
+                    </a:extLst>
+                  </a:tr>
+                  <a:tr h="370840">
+                    <a:tc>
+                      <a:txBody>
+                        <a:bodyPr/>
+                        <a:lstStyle/>
+                        <a:p>
+                          <a:pPr algn="ctr"/>
+                          <a:r>
+                            <a:rPr lang="pt-BR" dirty="0"/>
+                            <a:t>2.39</a:t>
+                          </a:r>
+                        </a:p>
+                      </a:txBody>
+                      <a:tcPr/>
+                    </a:tc>
+                    <a:tc>
+                      <a:txBody>
+                        <a:bodyPr/>
+                        <a:lstStyle/>
+                        <a:p>
+                          <a:pPr algn="ctr"/>
+                          <a:r>
+                            <a:rPr lang="pt-BR" dirty="0"/>
+                            <a:t>2.35</a:t>
+                          </a:r>
+                        </a:p>
+                      </a:txBody>
+                      <a:tcPr/>
+                    </a:tc>
+                    <a:tc>
+                      <a:txBody>
+                        <a:bodyPr/>
+                        <a:lstStyle/>
+                        <a:p>
+                          <a:pPr algn="ctr"/>
+                          <a:r>
+                            <a:rPr lang="pt-BR" dirty="0"/>
+                            <a:t>0.04</a:t>
+                          </a:r>
+                        </a:p>
+                      </a:txBody>
+                      <a:tcPr/>
+                    </a:tc>
+                    <a:tc>
+                      <a:txBody>
+                        <a:bodyPr/>
+                        <a:lstStyle/>
+                        <a:p>
+                          <a:pPr marL="0" marR="0" lvl="0" indent="0" algn="ctr" defTabSz="914400" rtl="0" eaLnBrk="1" fontAlgn="auto" latinLnBrk="0" hangingPunct="1">
+                            <a:lnSpc>
+                              <a:spcPct val="100000"/>
+                            </a:lnSpc>
+                            <a:spcBef>
+                              <a:spcPts val="0"/>
+                            </a:spcBef>
+                            <a:spcAft>
+                              <a:spcPts val="0"/>
+                            </a:spcAft>
+                            <a:buClrTx/>
+                            <a:buSzTx/>
+                            <a:buFontTx/>
+                            <a:buNone/>
+                            <a:tabLst/>
+                            <a:defRPr/>
+                          </a:pPr>
+                          <a:r>
+                            <a:rPr lang="pt-BR" sz="1800" kern="1200" dirty="0">
+                              <a:solidFill>
+                                <a:schemeClr val="dk1"/>
+                              </a:solidFill>
+                              <a:effectLst/>
+                              <a:latin typeface="+mn-lt"/>
+                              <a:ea typeface="+mn-ea"/>
+                              <a:cs typeface="+mn-cs"/>
+                            </a:rPr>
+                            <a:t>0.0167</a:t>
+                          </a:r>
+                        </a:p>
+                      </a:txBody>
+                      <a:tcPr/>
+                    </a:tc>
+                    <a:extLst>
+                      <a:ext uri="{0D108BD9-81ED-4DB2-BD59-A6C34878D82A}">
+                        <a16:rowId xmlns:a16="http://schemas.microsoft.com/office/drawing/2014/main" val="3991630761"/>
+                      </a:ext>
+                    </a:extLst>
+                  </a:tr>
+                  <a:tr h="370840">
+                    <a:tc>
+                      <a:txBody>
+                        <a:bodyPr/>
+                        <a:lstStyle/>
+                        <a:p>
+                          <a:pPr algn="ctr"/>
+                          <a:r>
+                            <a:rPr lang="pt-BR" dirty="0"/>
+                            <a:t>2.15</a:t>
+                          </a:r>
+                        </a:p>
+                      </a:txBody>
+                      <a:tcPr/>
+                    </a:tc>
+                    <a:tc>
+                      <a:txBody>
+                        <a:bodyPr/>
+                        <a:lstStyle/>
+                        <a:p>
+                          <a:pPr algn="ctr"/>
+                          <a:r>
+                            <a:rPr lang="pt-BR" dirty="0"/>
+                            <a:t>2.18</a:t>
+                          </a:r>
+                        </a:p>
+                      </a:txBody>
+                      <a:tcPr/>
+                    </a:tc>
+                    <a:tc>
+                      <a:txBody>
+                        <a:bodyPr/>
+                        <a:lstStyle/>
+                        <a:p>
+                          <a:pPr algn="ctr"/>
+                          <a:r>
+                            <a:rPr lang="pt-BR" dirty="0"/>
+                            <a:t>0.04</a:t>
+                          </a:r>
+                        </a:p>
+                      </a:txBody>
+                      <a:tcPr/>
+                    </a:tc>
+                    <a:tc>
+                      <a:txBody>
+                        <a:bodyPr/>
+                        <a:lstStyle/>
+                        <a:p>
+                          <a:pPr marL="0" marR="0" lvl="0" indent="0" algn="ctr" defTabSz="914400" rtl="0" eaLnBrk="1" fontAlgn="auto" latinLnBrk="0" hangingPunct="1">
+                            <a:lnSpc>
+                              <a:spcPct val="100000"/>
+                            </a:lnSpc>
+                            <a:spcBef>
+                              <a:spcPts val="0"/>
+                            </a:spcBef>
+                            <a:spcAft>
+                              <a:spcPts val="0"/>
+                            </a:spcAft>
+                            <a:buClrTx/>
+                            <a:buSzTx/>
+                            <a:buFontTx/>
+                            <a:buNone/>
+                            <a:tabLst/>
+                            <a:defRPr/>
+                          </a:pPr>
+                          <a:r>
+                            <a:rPr lang="pt-BR" sz="1800" kern="1200" dirty="0">
+                              <a:solidFill>
+                                <a:schemeClr val="dk1"/>
+                              </a:solidFill>
+                              <a:effectLst/>
+                              <a:latin typeface="+mn-lt"/>
+                              <a:ea typeface="+mn-ea"/>
+                              <a:cs typeface="+mn-cs"/>
+                            </a:rPr>
+                            <a:t>0.0186</a:t>
+                          </a:r>
+                        </a:p>
+                      </a:txBody>
+                      <a:tcPr/>
+                    </a:tc>
+                    <a:extLst>
+                      <a:ext uri="{0D108BD9-81ED-4DB2-BD59-A6C34878D82A}">
+                        <a16:rowId xmlns:a16="http://schemas.microsoft.com/office/drawing/2014/main" val="742894488"/>
+                      </a:ext>
+                    </a:extLst>
+                  </a:tr>
+                </a:tbl>
+              </a:graphicData>
+            </a:graphic>
+          </p:graphicFrame>
+        </mc:Choice>
+        <mc:Fallback>
+          <p:graphicFrame>
+            <p:nvGraphicFramePr>
+              <p:cNvPr id="2" name="Espaço Reservado para Conteúdo 1">
                 <a:extLst>
-                  <a:ext uri="{0D108BD9-81ED-4DB2-BD59-A6C34878D82A}">
-                    <a16:rowId xmlns:a16="http://schemas.microsoft.com/office/drawing/2014/main" val="1199927121"/>
+                  <a:ext uri="{FF2B5EF4-FFF2-40B4-BE49-F238E27FC236}">
+                    <a16:creationId xmlns:a16="http://schemas.microsoft.com/office/drawing/2014/main" id="{E77B43E8-B8E9-B34E-991F-6FE6A61A692E}"/>
                   </a:ext>
                 </a:extLst>
-              </a:tr>
-              <a:tr h="370840">
-                <a:tc>
-                  <a:txBody>
-                    <a:bodyPr/>
-                    <a:lstStyle/>
-                    <a:p>
-                      <a:pPr algn="ctr"/>
-                      <a:r>
-                        <a:rPr lang="pt-BR" dirty="0"/>
-                        <a:t>2.38</a:t>
-                      </a:r>
-                    </a:p>
-                  </a:txBody>
-                  <a:tcPr/>
-                </a:tc>
-                <a:tc>
-                  <a:txBody>
-                    <a:bodyPr/>
-                    <a:lstStyle/>
-                    <a:p>
-                      <a:pPr algn="ctr"/>
-                      <a:r>
-                        <a:rPr lang="pt-BR" dirty="0"/>
-                        <a:t>2.35</a:t>
-                      </a:r>
-                    </a:p>
-                  </a:txBody>
-                  <a:tcPr/>
-                </a:tc>
-                <a:tc>
-                  <a:txBody>
-                    <a:bodyPr/>
-                    <a:lstStyle/>
-                    <a:p>
-                      <a:pPr algn="ctr"/>
-                      <a:r>
-                        <a:rPr lang="pt-BR" dirty="0"/>
-                        <a:t>0.03</a:t>
-                      </a:r>
-                    </a:p>
-                  </a:txBody>
-                  <a:tcPr/>
-                </a:tc>
-                <a:tc>
-                  <a:txBody>
-                    <a:bodyPr/>
-                    <a:lstStyle/>
-                    <a:p>
-                      <a:pPr marL="0" marR="0" lvl="0" indent="0" algn="ctr" defTabSz="914400" rtl="0" eaLnBrk="1" fontAlgn="auto" latinLnBrk="0" hangingPunct="1">
-                        <a:lnSpc>
-                          <a:spcPct val="100000"/>
-                        </a:lnSpc>
-                        <a:spcBef>
-                          <a:spcPts val="0"/>
-                        </a:spcBef>
-                        <a:spcAft>
-                          <a:spcPts val="0"/>
-                        </a:spcAft>
-                        <a:buClrTx/>
-                        <a:buSzTx/>
-                        <a:buFontTx/>
-                        <a:buNone/>
-                        <a:tabLst/>
-                        <a:defRPr/>
-                      </a:pPr>
-                      <a:r>
-                        <a:rPr lang="pt-BR" sz="1800" kern="1200" dirty="0">
-                          <a:solidFill>
-                            <a:schemeClr val="dk1"/>
-                          </a:solidFill>
-                          <a:effectLst/>
-                          <a:latin typeface="+mn-lt"/>
-                          <a:ea typeface="+mn-ea"/>
-                          <a:cs typeface="+mn-cs"/>
-                        </a:rPr>
-                        <a:t>0.0126</a:t>
-                      </a:r>
-                    </a:p>
-                  </a:txBody>
-                  <a:tcPr/>
-                </a:tc>
-                <a:extLst>
-                  <a:ext uri="{0D108BD9-81ED-4DB2-BD59-A6C34878D82A}">
-                    <a16:rowId xmlns:a16="http://schemas.microsoft.com/office/drawing/2014/main" val="861695788"/>
-                  </a:ext>
-                </a:extLst>
-              </a:tr>
-              <a:tr h="370840">
-                <a:tc>
-                  <a:txBody>
-                    <a:bodyPr/>
-                    <a:lstStyle/>
-                    <a:p>
-                      <a:pPr algn="ctr"/>
-                      <a:r>
-                        <a:rPr lang="pt-BR" dirty="0"/>
-                        <a:t>2.41</a:t>
-                      </a:r>
-                    </a:p>
-                  </a:txBody>
-                  <a:tcPr/>
-                </a:tc>
-                <a:tc>
-                  <a:txBody>
-                    <a:bodyPr/>
-                    <a:lstStyle/>
-                    <a:p>
-                      <a:pPr algn="ctr"/>
-                      <a:r>
-                        <a:rPr lang="pt-BR" dirty="0"/>
-                        <a:t>2.42</a:t>
-                      </a:r>
-                    </a:p>
-                  </a:txBody>
-                  <a:tcPr/>
-                </a:tc>
-                <a:tc>
-                  <a:txBody>
-                    <a:bodyPr/>
-                    <a:lstStyle/>
-                    <a:p>
-                      <a:pPr algn="ctr"/>
-                      <a:r>
-                        <a:rPr lang="pt-BR" dirty="0"/>
-                        <a:t>0.01</a:t>
-                      </a:r>
-                    </a:p>
-                  </a:txBody>
-                  <a:tcPr/>
-                </a:tc>
-                <a:tc>
-                  <a:txBody>
-                    <a:bodyPr/>
-                    <a:lstStyle/>
-                    <a:p>
-                      <a:pPr marL="0" marR="0" lvl="0" indent="0" algn="ctr" defTabSz="914400" rtl="0" eaLnBrk="1" fontAlgn="auto" latinLnBrk="0" hangingPunct="1">
-                        <a:lnSpc>
-                          <a:spcPct val="100000"/>
-                        </a:lnSpc>
-                        <a:spcBef>
-                          <a:spcPts val="0"/>
-                        </a:spcBef>
-                        <a:spcAft>
-                          <a:spcPts val="0"/>
-                        </a:spcAft>
-                        <a:buClrTx/>
-                        <a:buSzTx/>
-                        <a:buFontTx/>
-                        <a:buNone/>
-                        <a:tabLst/>
-                        <a:defRPr/>
-                      </a:pPr>
-                      <a:r>
-                        <a:rPr lang="pt-BR" sz="1800" kern="1200" dirty="0">
-                          <a:solidFill>
-                            <a:schemeClr val="dk1"/>
-                          </a:solidFill>
-                          <a:effectLst/>
-                          <a:latin typeface="+mn-lt"/>
-                          <a:ea typeface="+mn-ea"/>
-                          <a:cs typeface="+mn-cs"/>
-                        </a:rPr>
-                        <a:t>0.0041</a:t>
-                      </a:r>
-                    </a:p>
-                  </a:txBody>
-                  <a:tcPr/>
-                </a:tc>
-                <a:extLst>
-                  <a:ext uri="{0D108BD9-81ED-4DB2-BD59-A6C34878D82A}">
-                    <a16:rowId xmlns:a16="http://schemas.microsoft.com/office/drawing/2014/main" val="3962358187"/>
-                  </a:ext>
-                </a:extLst>
-              </a:tr>
-              <a:tr h="370840">
-                <a:tc>
-                  <a:txBody>
-                    <a:bodyPr/>
-                    <a:lstStyle/>
-                    <a:p>
-                      <a:pPr algn="ctr"/>
-                      <a:r>
-                        <a:rPr lang="pt-BR" dirty="0"/>
-                        <a:t>2.39</a:t>
-                      </a:r>
-                    </a:p>
-                  </a:txBody>
-                  <a:tcPr/>
-                </a:tc>
-                <a:tc>
-                  <a:txBody>
-                    <a:bodyPr/>
-                    <a:lstStyle/>
-                    <a:p>
-                      <a:pPr algn="ctr"/>
-                      <a:r>
-                        <a:rPr lang="pt-BR" dirty="0"/>
-                        <a:t>2.35</a:t>
-                      </a:r>
-                    </a:p>
-                  </a:txBody>
-                  <a:tcPr/>
-                </a:tc>
-                <a:tc>
-                  <a:txBody>
-                    <a:bodyPr/>
-                    <a:lstStyle/>
-                    <a:p>
-                      <a:pPr algn="ctr"/>
-                      <a:r>
-                        <a:rPr lang="pt-BR" dirty="0"/>
-                        <a:t>0.04</a:t>
-                      </a:r>
-                    </a:p>
-                  </a:txBody>
-                  <a:tcPr/>
-                </a:tc>
-                <a:tc>
-                  <a:txBody>
-                    <a:bodyPr/>
-                    <a:lstStyle/>
-                    <a:p>
-                      <a:pPr marL="0" marR="0" lvl="0" indent="0" algn="ctr" defTabSz="914400" rtl="0" eaLnBrk="1" fontAlgn="auto" latinLnBrk="0" hangingPunct="1">
-                        <a:lnSpc>
-                          <a:spcPct val="100000"/>
-                        </a:lnSpc>
-                        <a:spcBef>
-                          <a:spcPts val="0"/>
-                        </a:spcBef>
-                        <a:spcAft>
-                          <a:spcPts val="0"/>
-                        </a:spcAft>
-                        <a:buClrTx/>
-                        <a:buSzTx/>
-                        <a:buFontTx/>
-                        <a:buNone/>
-                        <a:tabLst/>
-                        <a:defRPr/>
-                      </a:pPr>
-                      <a:r>
-                        <a:rPr lang="pt-BR" sz="1800" kern="1200" dirty="0">
-                          <a:solidFill>
-                            <a:schemeClr val="dk1"/>
-                          </a:solidFill>
-                          <a:effectLst/>
-                          <a:latin typeface="+mn-lt"/>
-                          <a:ea typeface="+mn-ea"/>
-                          <a:cs typeface="+mn-cs"/>
-                        </a:rPr>
-                        <a:t>0.0167</a:t>
-                      </a:r>
-                    </a:p>
-                  </a:txBody>
-                  <a:tcPr/>
-                </a:tc>
-                <a:extLst>
-                  <a:ext uri="{0D108BD9-81ED-4DB2-BD59-A6C34878D82A}">
-                    <a16:rowId xmlns:a16="http://schemas.microsoft.com/office/drawing/2014/main" val="3991630761"/>
-                  </a:ext>
-                </a:extLst>
-              </a:tr>
-              <a:tr h="370840">
-                <a:tc>
-                  <a:txBody>
-                    <a:bodyPr/>
-                    <a:lstStyle/>
-                    <a:p>
-                      <a:pPr algn="ctr"/>
-                      <a:r>
-                        <a:rPr lang="pt-BR" dirty="0"/>
-                        <a:t>2.15</a:t>
-                      </a:r>
-                    </a:p>
-                  </a:txBody>
-                  <a:tcPr/>
-                </a:tc>
-                <a:tc>
-                  <a:txBody>
-                    <a:bodyPr/>
-                    <a:lstStyle/>
-                    <a:p>
-                      <a:pPr algn="ctr"/>
-                      <a:r>
-                        <a:rPr lang="pt-BR" dirty="0"/>
-                        <a:t>2.18</a:t>
-                      </a:r>
-                    </a:p>
-                  </a:txBody>
-                  <a:tcPr/>
-                </a:tc>
-                <a:tc>
-                  <a:txBody>
-                    <a:bodyPr/>
-                    <a:lstStyle/>
-                    <a:p>
-                      <a:pPr algn="ctr"/>
-                      <a:r>
-                        <a:rPr lang="pt-BR" dirty="0"/>
-                        <a:t>0.04</a:t>
-                      </a:r>
-                    </a:p>
-                  </a:txBody>
-                  <a:tcPr/>
-                </a:tc>
-                <a:tc>
-                  <a:txBody>
-                    <a:bodyPr/>
-                    <a:lstStyle/>
-                    <a:p>
-                      <a:pPr marL="0" marR="0" lvl="0" indent="0" algn="ctr" defTabSz="914400" rtl="0" eaLnBrk="1" fontAlgn="auto" latinLnBrk="0" hangingPunct="1">
-                        <a:lnSpc>
-                          <a:spcPct val="100000"/>
-                        </a:lnSpc>
-                        <a:spcBef>
-                          <a:spcPts val="0"/>
-                        </a:spcBef>
-                        <a:spcAft>
-                          <a:spcPts val="0"/>
-                        </a:spcAft>
-                        <a:buClrTx/>
-                        <a:buSzTx/>
-                        <a:buFontTx/>
-                        <a:buNone/>
-                        <a:tabLst/>
-                        <a:defRPr/>
-                      </a:pPr>
-                      <a:r>
-                        <a:rPr lang="pt-BR" sz="1800" kern="1200" dirty="0">
-                          <a:solidFill>
-                            <a:schemeClr val="dk1"/>
-                          </a:solidFill>
-                          <a:effectLst/>
-                          <a:latin typeface="+mn-lt"/>
-                          <a:ea typeface="+mn-ea"/>
-                          <a:cs typeface="+mn-cs"/>
-                        </a:rPr>
-                        <a:t>0.0186</a:t>
-                      </a:r>
-                    </a:p>
-                  </a:txBody>
-                  <a:tcPr/>
-                </a:tc>
-                <a:extLst>
-                  <a:ext uri="{0D108BD9-81ED-4DB2-BD59-A6C34878D82A}">
-                    <a16:rowId xmlns:a16="http://schemas.microsoft.com/office/drawing/2014/main" val="742894488"/>
-                  </a:ext>
-                </a:extLst>
-              </a:tr>
-            </a:tbl>
-          </a:graphicData>
-        </a:graphic>
-      </p:graphicFrame>
+              </p:cNvPr>
+              <p:cNvGraphicFramePr>
+                <a:graphicFrameLocks noGrp="1"/>
+              </p:cNvGraphicFramePr>
+              <p:nvPr>
+                <p:ph idx="1"/>
+                <p:extLst>
+                  <p:ext uri="{D42A27DB-BD31-4B8C-83A1-F6EECF244321}">
+                    <p14:modId xmlns:p14="http://schemas.microsoft.com/office/powerpoint/2010/main" val="581665651"/>
+                  </p:ext>
+                </p:extLst>
+              </p:nvPr>
+            </p:nvGraphicFramePr>
+            <p:xfrm>
+              <a:off x="3916280" y="1995455"/>
+              <a:ext cx="5336004" cy="2255266"/>
+            </p:xfrm>
+            <a:graphic>
+              <a:graphicData uri="http://schemas.openxmlformats.org/drawingml/2006/table">
+                <a:tbl>
+                  <a:tblPr firstRow="1" bandRow="1">
+                    <a:tableStyleId>{5C22544A-7EE6-4342-B048-85BDC9FD1C3A}</a:tableStyleId>
+                  </a:tblPr>
+                  <a:tblGrid>
+                    <a:gridCol w="1040733">
+                      <a:extLst>
+                        <a:ext uri="{9D8B030D-6E8A-4147-A177-3AD203B41FA5}">
+                          <a16:colId xmlns:a16="http://schemas.microsoft.com/office/drawing/2014/main" val="3250293782"/>
+                        </a:ext>
+                      </a:extLst>
+                    </a:gridCol>
+                    <a:gridCol w="1046747">
+                      <a:extLst>
+                        <a:ext uri="{9D8B030D-6E8A-4147-A177-3AD203B41FA5}">
+                          <a16:colId xmlns:a16="http://schemas.microsoft.com/office/drawing/2014/main" val="886750355"/>
+                        </a:ext>
+                      </a:extLst>
+                    </a:gridCol>
+                    <a:gridCol w="914400">
+                      <a:extLst>
+                        <a:ext uri="{9D8B030D-6E8A-4147-A177-3AD203B41FA5}">
+                          <a16:colId xmlns:a16="http://schemas.microsoft.com/office/drawing/2014/main" val="4002214762"/>
+                        </a:ext>
+                      </a:extLst>
+                    </a:gridCol>
+                    <a:gridCol w="2334124">
+                      <a:extLst>
+                        <a:ext uri="{9D8B030D-6E8A-4147-A177-3AD203B41FA5}">
+                          <a16:colId xmlns:a16="http://schemas.microsoft.com/office/drawing/2014/main" val="517397511"/>
+                        </a:ext>
+                      </a:extLst>
+                    </a:gridCol>
+                  </a:tblGrid>
+                  <a:tr h="401066">
+                    <a:tc>
+                      <a:txBody>
+                        <a:bodyPr/>
+                        <a:lstStyle/>
+                        <a:p>
+                          <a:pPr algn="ctr"/>
+                          <a:r>
+                            <a:rPr lang="pt-BR" dirty="0"/>
+                            <a:t>Y</a:t>
+                          </a:r>
+                        </a:p>
+                      </a:txBody>
+                      <a:tcPr/>
+                    </a:tc>
+                    <a:tc>
+                      <a:txBody>
+                        <a:bodyPr/>
+                        <a:lstStyle/>
+                        <a:p>
+                          <a:endParaRPr lang="pt-BR"/>
+                        </a:p>
+                      </a:txBody>
+                      <a:tcPr>
+                        <a:blipFill>
+                          <a:blip r:embed="rId2"/>
+                          <a:stretch>
+                            <a:fillRect l="-100000" t="-6250" r="-309639" b="-478125"/>
+                          </a:stretch>
+                        </a:blipFill>
+                      </a:tcPr>
+                    </a:tc>
+                    <a:tc>
+                      <a:txBody>
+                        <a:bodyPr/>
+                        <a:lstStyle/>
+                        <a:p>
+                          <a:endParaRPr lang="pt-BR"/>
+                        </a:p>
+                      </a:txBody>
+                      <a:tcPr>
+                        <a:blipFill>
+                          <a:blip r:embed="rId2"/>
+                          <a:stretch>
+                            <a:fillRect l="-230556" t="-6250" r="-256944" b="-478125"/>
+                          </a:stretch>
+                        </a:blipFill>
+                      </a:tcPr>
+                    </a:tc>
+                    <a:tc>
+                      <a:txBody>
+                        <a:bodyPr/>
+                        <a:lstStyle/>
+                        <a:p>
+                          <a:endParaRPr lang="pt-BR"/>
+                        </a:p>
+                      </a:txBody>
+                      <a:tcPr>
+                        <a:blipFill>
+                          <a:blip r:embed="rId2"/>
+                          <a:stretch>
+                            <a:fillRect l="-129348" t="-6250" r="-543" b="-478125"/>
+                          </a:stretch>
+                        </a:blipFill>
+                      </a:tcPr>
+                    </a:tc>
+                    <a:extLst>
+                      <a:ext uri="{0D108BD9-81ED-4DB2-BD59-A6C34878D82A}">
+                        <a16:rowId xmlns:a16="http://schemas.microsoft.com/office/drawing/2014/main" val="3387704678"/>
+                      </a:ext>
+                    </a:extLst>
+                  </a:tr>
+                  <a:tr h="370840">
+                    <a:tc>
+                      <a:txBody>
+                        <a:bodyPr/>
+                        <a:lstStyle/>
+                        <a:p>
+                          <a:pPr algn="ctr"/>
+                          <a:r>
+                            <a:rPr lang="pt-BR" dirty="0"/>
+                            <a:t>2.45</a:t>
+                          </a:r>
+                        </a:p>
+                      </a:txBody>
+                      <a:tcPr/>
+                    </a:tc>
+                    <a:tc>
+                      <a:txBody>
+                        <a:bodyPr/>
+                        <a:lstStyle/>
+                        <a:p>
+                          <a:pPr algn="ctr"/>
+                          <a:r>
+                            <a:rPr lang="pt-BR" dirty="0"/>
+                            <a:t>2.47</a:t>
+                          </a:r>
+                        </a:p>
+                      </a:txBody>
+                      <a:tcPr/>
+                    </a:tc>
+                    <a:tc>
+                      <a:txBody>
+                        <a:bodyPr/>
+                        <a:lstStyle/>
+                        <a:p>
+                          <a:pPr algn="ctr"/>
+                          <a:r>
+                            <a:rPr lang="pt-BR" dirty="0"/>
+                            <a:t>0.02</a:t>
+                          </a:r>
+                        </a:p>
+                      </a:txBody>
+                      <a:tcPr/>
+                    </a:tc>
+                    <a:tc>
+                      <a:txBody>
+                        <a:bodyPr/>
+                        <a:lstStyle/>
+                        <a:p>
+                          <a:pPr marL="0" marR="0" lvl="0" indent="0" algn="ctr" defTabSz="914400" rtl="0" eaLnBrk="1" fontAlgn="auto" latinLnBrk="0" hangingPunct="1">
+                            <a:lnSpc>
+                              <a:spcPct val="100000"/>
+                            </a:lnSpc>
+                            <a:spcBef>
+                              <a:spcPts val="0"/>
+                            </a:spcBef>
+                            <a:spcAft>
+                              <a:spcPts val="0"/>
+                            </a:spcAft>
+                            <a:buClrTx/>
+                            <a:buSzTx/>
+                            <a:buFontTx/>
+                            <a:buNone/>
+                            <a:tabLst/>
+                            <a:defRPr/>
+                          </a:pPr>
+                          <a:r>
+                            <a:rPr lang="pt-BR" sz="1800" kern="1200" dirty="0">
+                              <a:solidFill>
+                                <a:schemeClr val="dk1"/>
+                              </a:solidFill>
+                              <a:effectLst/>
+                              <a:latin typeface="+mn-lt"/>
+                              <a:ea typeface="+mn-ea"/>
+                              <a:cs typeface="+mn-cs"/>
+                            </a:rPr>
+                            <a:t>0.0082</a:t>
+                          </a:r>
+                        </a:p>
+                      </a:txBody>
+                      <a:tcPr/>
+                    </a:tc>
+                    <a:extLst>
+                      <a:ext uri="{0D108BD9-81ED-4DB2-BD59-A6C34878D82A}">
+                        <a16:rowId xmlns:a16="http://schemas.microsoft.com/office/drawing/2014/main" val="1199927121"/>
+                      </a:ext>
+                    </a:extLst>
+                  </a:tr>
+                  <a:tr h="370840">
+                    <a:tc>
+                      <a:txBody>
+                        <a:bodyPr/>
+                        <a:lstStyle/>
+                        <a:p>
+                          <a:pPr algn="ctr"/>
+                          <a:r>
+                            <a:rPr lang="pt-BR" dirty="0"/>
+                            <a:t>2.38</a:t>
+                          </a:r>
+                        </a:p>
+                      </a:txBody>
+                      <a:tcPr/>
+                    </a:tc>
+                    <a:tc>
+                      <a:txBody>
+                        <a:bodyPr/>
+                        <a:lstStyle/>
+                        <a:p>
+                          <a:pPr algn="ctr"/>
+                          <a:r>
+                            <a:rPr lang="pt-BR" dirty="0"/>
+                            <a:t>2.35</a:t>
+                          </a:r>
+                        </a:p>
+                      </a:txBody>
+                      <a:tcPr/>
+                    </a:tc>
+                    <a:tc>
+                      <a:txBody>
+                        <a:bodyPr/>
+                        <a:lstStyle/>
+                        <a:p>
+                          <a:pPr algn="ctr"/>
+                          <a:r>
+                            <a:rPr lang="pt-BR" dirty="0"/>
+                            <a:t>0.03</a:t>
+                          </a:r>
+                        </a:p>
+                      </a:txBody>
+                      <a:tcPr/>
+                    </a:tc>
+                    <a:tc>
+                      <a:txBody>
+                        <a:bodyPr/>
+                        <a:lstStyle/>
+                        <a:p>
+                          <a:pPr marL="0" marR="0" lvl="0" indent="0" algn="ctr" defTabSz="914400" rtl="0" eaLnBrk="1" fontAlgn="auto" latinLnBrk="0" hangingPunct="1">
+                            <a:lnSpc>
+                              <a:spcPct val="100000"/>
+                            </a:lnSpc>
+                            <a:spcBef>
+                              <a:spcPts val="0"/>
+                            </a:spcBef>
+                            <a:spcAft>
+                              <a:spcPts val="0"/>
+                            </a:spcAft>
+                            <a:buClrTx/>
+                            <a:buSzTx/>
+                            <a:buFontTx/>
+                            <a:buNone/>
+                            <a:tabLst/>
+                            <a:defRPr/>
+                          </a:pPr>
+                          <a:r>
+                            <a:rPr lang="pt-BR" sz="1800" kern="1200" dirty="0">
+                              <a:solidFill>
+                                <a:schemeClr val="dk1"/>
+                              </a:solidFill>
+                              <a:effectLst/>
+                              <a:latin typeface="+mn-lt"/>
+                              <a:ea typeface="+mn-ea"/>
+                              <a:cs typeface="+mn-cs"/>
+                            </a:rPr>
+                            <a:t>0.0126</a:t>
+                          </a:r>
+                        </a:p>
+                      </a:txBody>
+                      <a:tcPr/>
+                    </a:tc>
+                    <a:extLst>
+                      <a:ext uri="{0D108BD9-81ED-4DB2-BD59-A6C34878D82A}">
+                        <a16:rowId xmlns:a16="http://schemas.microsoft.com/office/drawing/2014/main" val="861695788"/>
+                      </a:ext>
+                    </a:extLst>
+                  </a:tr>
+                  <a:tr h="370840">
+                    <a:tc>
+                      <a:txBody>
+                        <a:bodyPr/>
+                        <a:lstStyle/>
+                        <a:p>
+                          <a:pPr algn="ctr"/>
+                          <a:r>
+                            <a:rPr lang="pt-BR" dirty="0"/>
+                            <a:t>2.41</a:t>
+                          </a:r>
+                        </a:p>
+                      </a:txBody>
+                      <a:tcPr/>
+                    </a:tc>
+                    <a:tc>
+                      <a:txBody>
+                        <a:bodyPr/>
+                        <a:lstStyle/>
+                        <a:p>
+                          <a:pPr algn="ctr"/>
+                          <a:r>
+                            <a:rPr lang="pt-BR" dirty="0"/>
+                            <a:t>2.42</a:t>
+                          </a:r>
+                        </a:p>
+                      </a:txBody>
+                      <a:tcPr/>
+                    </a:tc>
+                    <a:tc>
+                      <a:txBody>
+                        <a:bodyPr/>
+                        <a:lstStyle/>
+                        <a:p>
+                          <a:pPr algn="ctr"/>
+                          <a:r>
+                            <a:rPr lang="pt-BR" dirty="0"/>
+                            <a:t>0.01</a:t>
+                          </a:r>
+                        </a:p>
+                      </a:txBody>
+                      <a:tcPr/>
+                    </a:tc>
+                    <a:tc>
+                      <a:txBody>
+                        <a:bodyPr/>
+                        <a:lstStyle/>
+                        <a:p>
+                          <a:pPr marL="0" marR="0" lvl="0" indent="0" algn="ctr" defTabSz="914400" rtl="0" eaLnBrk="1" fontAlgn="auto" latinLnBrk="0" hangingPunct="1">
+                            <a:lnSpc>
+                              <a:spcPct val="100000"/>
+                            </a:lnSpc>
+                            <a:spcBef>
+                              <a:spcPts val="0"/>
+                            </a:spcBef>
+                            <a:spcAft>
+                              <a:spcPts val="0"/>
+                            </a:spcAft>
+                            <a:buClrTx/>
+                            <a:buSzTx/>
+                            <a:buFontTx/>
+                            <a:buNone/>
+                            <a:tabLst/>
+                            <a:defRPr/>
+                          </a:pPr>
+                          <a:r>
+                            <a:rPr lang="pt-BR" sz="1800" kern="1200" dirty="0">
+                              <a:solidFill>
+                                <a:schemeClr val="dk1"/>
+                              </a:solidFill>
+                              <a:effectLst/>
+                              <a:latin typeface="+mn-lt"/>
+                              <a:ea typeface="+mn-ea"/>
+                              <a:cs typeface="+mn-cs"/>
+                            </a:rPr>
+                            <a:t>0.0041</a:t>
+                          </a:r>
+                        </a:p>
+                      </a:txBody>
+                      <a:tcPr/>
+                    </a:tc>
+                    <a:extLst>
+                      <a:ext uri="{0D108BD9-81ED-4DB2-BD59-A6C34878D82A}">
+                        <a16:rowId xmlns:a16="http://schemas.microsoft.com/office/drawing/2014/main" val="3962358187"/>
+                      </a:ext>
+                    </a:extLst>
+                  </a:tr>
+                  <a:tr h="370840">
+                    <a:tc>
+                      <a:txBody>
+                        <a:bodyPr/>
+                        <a:lstStyle/>
+                        <a:p>
+                          <a:pPr algn="ctr"/>
+                          <a:r>
+                            <a:rPr lang="pt-BR" dirty="0"/>
+                            <a:t>2.39</a:t>
+                          </a:r>
+                        </a:p>
+                      </a:txBody>
+                      <a:tcPr/>
+                    </a:tc>
+                    <a:tc>
+                      <a:txBody>
+                        <a:bodyPr/>
+                        <a:lstStyle/>
+                        <a:p>
+                          <a:pPr algn="ctr"/>
+                          <a:r>
+                            <a:rPr lang="pt-BR" dirty="0"/>
+                            <a:t>2.35</a:t>
+                          </a:r>
+                        </a:p>
+                      </a:txBody>
+                      <a:tcPr/>
+                    </a:tc>
+                    <a:tc>
+                      <a:txBody>
+                        <a:bodyPr/>
+                        <a:lstStyle/>
+                        <a:p>
+                          <a:pPr algn="ctr"/>
+                          <a:r>
+                            <a:rPr lang="pt-BR" dirty="0"/>
+                            <a:t>0.04</a:t>
+                          </a:r>
+                        </a:p>
+                      </a:txBody>
+                      <a:tcPr/>
+                    </a:tc>
+                    <a:tc>
+                      <a:txBody>
+                        <a:bodyPr/>
+                        <a:lstStyle/>
+                        <a:p>
+                          <a:pPr marL="0" marR="0" lvl="0" indent="0" algn="ctr" defTabSz="914400" rtl="0" eaLnBrk="1" fontAlgn="auto" latinLnBrk="0" hangingPunct="1">
+                            <a:lnSpc>
+                              <a:spcPct val="100000"/>
+                            </a:lnSpc>
+                            <a:spcBef>
+                              <a:spcPts val="0"/>
+                            </a:spcBef>
+                            <a:spcAft>
+                              <a:spcPts val="0"/>
+                            </a:spcAft>
+                            <a:buClrTx/>
+                            <a:buSzTx/>
+                            <a:buFontTx/>
+                            <a:buNone/>
+                            <a:tabLst/>
+                            <a:defRPr/>
+                          </a:pPr>
+                          <a:r>
+                            <a:rPr lang="pt-BR" sz="1800" kern="1200" dirty="0">
+                              <a:solidFill>
+                                <a:schemeClr val="dk1"/>
+                              </a:solidFill>
+                              <a:effectLst/>
+                              <a:latin typeface="+mn-lt"/>
+                              <a:ea typeface="+mn-ea"/>
+                              <a:cs typeface="+mn-cs"/>
+                            </a:rPr>
+                            <a:t>0.0167</a:t>
+                          </a:r>
+                        </a:p>
+                      </a:txBody>
+                      <a:tcPr/>
+                    </a:tc>
+                    <a:extLst>
+                      <a:ext uri="{0D108BD9-81ED-4DB2-BD59-A6C34878D82A}">
+                        <a16:rowId xmlns:a16="http://schemas.microsoft.com/office/drawing/2014/main" val="3991630761"/>
+                      </a:ext>
+                    </a:extLst>
+                  </a:tr>
+                  <a:tr h="370840">
+                    <a:tc>
+                      <a:txBody>
+                        <a:bodyPr/>
+                        <a:lstStyle/>
+                        <a:p>
+                          <a:pPr algn="ctr"/>
+                          <a:r>
+                            <a:rPr lang="pt-BR" dirty="0"/>
+                            <a:t>2.15</a:t>
+                          </a:r>
+                        </a:p>
+                      </a:txBody>
+                      <a:tcPr/>
+                    </a:tc>
+                    <a:tc>
+                      <a:txBody>
+                        <a:bodyPr/>
+                        <a:lstStyle/>
+                        <a:p>
+                          <a:pPr algn="ctr"/>
+                          <a:r>
+                            <a:rPr lang="pt-BR" dirty="0"/>
+                            <a:t>2.18</a:t>
+                          </a:r>
+                        </a:p>
+                      </a:txBody>
+                      <a:tcPr/>
+                    </a:tc>
+                    <a:tc>
+                      <a:txBody>
+                        <a:bodyPr/>
+                        <a:lstStyle/>
+                        <a:p>
+                          <a:pPr algn="ctr"/>
+                          <a:r>
+                            <a:rPr lang="pt-BR" dirty="0"/>
+                            <a:t>0.04</a:t>
+                          </a:r>
+                        </a:p>
+                      </a:txBody>
+                      <a:tcPr/>
+                    </a:tc>
+                    <a:tc>
+                      <a:txBody>
+                        <a:bodyPr/>
+                        <a:lstStyle/>
+                        <a:p>
+                          <a:pPr marL="0" marR="0" lvl="0" indent="0" algn="ctr" defTabSz="914400" rtl="0" eaLnBrk="1" fontAlgn="auto" latinLnBrk="0" hangingPunct="1">
+                            <a:lnSpc>
+                              <a:spcPct val="100000"/>
+                            </a:lnSpc>
+                            <a:spcBef>
+                              <a:spcPts val="0"/>
+                            </a:spcBef>
+                            <a:spcAft>
+                              <a:spcPts val="0"/>
+                            </a:spcAft>
+                            <a:buClrTx/>
+                            <a:buSzTx/>
+                            <a:buFontTx/>
+                            <a:buNone/>
+                            <a:tabLst/>
+                            <a:defRPr/>
+                          </a:pPr>
+                          <a:r>
+                            <a:rPr lang="pt-BR" sz="1800" kern="1200" dirty="0">
+                              <a:solidFill>
+                                <a:schemeClr val="dk1"/>
+                              </a:solidFill>
+                              <a:effectLst/>
+                              <a:latin typeface="+mn-lt"/>
+                              <a:ea typeface="+mn-ea"/>
+                              <a:cs typeface="+mn-cs"/>
+                            </a:rPr>
+                            <a:t>0.0186</a:t>
+                          </a:r>
+                        </a:p>
+                      </a:txBody>
+                      <a:tcPr/>
+                    </a:tc>
+                    <a:extLst>
+                      <a:ext uri="{0D108BD9-81ED-4DB2-BD59-A6C34878D82A}">
+                        <a16:rowId xmlns:a16="http://schemas.microsoft.com/office/drawing/2014/main" val="742894488"/>
+                      </a:ext>
+                    </a:extLst>
+                  </a:tr>
+                </a:tbl>
+              </a:graphicData>
+            </a:graphic>
+          </p:graphicFrame>
+        </mc:Fallback>
+      </mc:AlternateContent>
       <p:sp>
         <p:nvSpPr>
           <p:cNvPr id="4" name="Título 1">
@@ -10761,8 +13295,8 @@
           </a:p>
         </p:txBody>
       </p:sp>
-      <mc:AlternateContent xmlns:mc="http://schemas.openxmlformats.org/markup-compatibility/2006" xmlns:a14="http://schemas.microsoft.com/office/drawing/2010/main">
-        <mc:Choice Requires="a14">
+      <mc:AlternateContent xmlns:mc="http://schemas.openxmlformats.org/markup-compatibility/2006">
+        <mc:Choice xmlns:a14="http://schemas.microsoft.com/office/drawing/2010/main" Requires="a14">
           <p:sp>
             <p:nvSpPr>
               <p:cNvPr id="5" name="CaixaDeTexto 4">
@@ -10778,7 +13312,7 @@
             <p:spPr>
               <a:xfrm>
                 <a:off x="4241131" y="4645578"/>
-                <a:ext cx="4686302" cy="688394"/>
+                <a:ext cx="4686302" cy="704039"/>
               </a:xfrm>
               <a:prstGeom prst="rect">
                 <a:avLst/>
@@ -10889,7 +13423,7 @@
                                   <a:rPr lang="pt-BR" b="0" i="1" smtClean="0">
                                     <a:latin typeface="Cambria Math" panose="02040503050406030204" pitchFamily="18" charset="0"/>
                                   </a:rPr>
-                                  <m:t>𝑋</m:t>
+                                  <m:t>𝑌</m:t>
                                 </m:r>
                                 <m:r>
                                   <a:rPr lang="pt-BR" b="0" i="1" smtClean="0">
@@ -10897,12 +13431,24 @@
                                   </a:rPr>
                                   <m:t>−</m:t>
                                 </m:r>
-                                <m:r>
-                                  <a:rPr lang="pt-BR" b="0" i="1" smtClean="0">
-                                    <a:latin typeface="Cambria Math" panose="02040503050406030204" pitchFamily="18" charset="0"/>
-                                  </a:rPr>
-                                  <m:t>𝑌</m:t>
-                                </m:r>
+                                <m:acc>
+                                  <m:accPr>
+                                    <m:chr m:val="̂"/>
+                                    <m:ctrlPr>
+                                      <a:rPr lang="pt-BR" b="0" i="1" smtClean="0">
+                                        <a:latin typeface="Cambria Math" panose="02040503050406030204" pitchFamily="18" charset="0"/>
+                                      </a:rPr>
+                                    </m:ctrlPr>
+                                  </m:accPr>
+                                  <m:e>
+                                    <m:r>
+                                      <a:rPr lang="pt-BR" b="0" i="1" smtClean="0">
+                                        <a:latin typeface="Cambria Math" panose="02040503050406030204" pitchFamily="18" charset="0"/>
+                                      </a:rPr>
+                                      <m:t>𝑌</m:t>
+                                    </m:r>
+                                  </m:e>
+                                </m:acc>
                               </m:e>
                             </m:d>
                           </m:num>
@@ -10911,7 +13457,7 @@
                               <a:rPr lang="pt-BR" b="0" i="1" smtClean="0">
                                 <a:latin typeface="Cambria Math" panose="02040503050406030204" pitchFamily="18" charset="0"/>
                               </a:rPr>
-                              <m:t>𝑋</m:t>
+                              <m:t>𝑌</m:t>
                             </m:r>
                           </m:den>
                         </m:f>
@@ -10975,7 +13521,7 @@
             </p:txBody>
           </p:sp>
         </mc:Choice>
-        <mc:Fallback xmlns="">
+        <mc:Fallback>
           <p:sp>
             <p:nvSpPr>
               <p:cNvPr id="5" name="CaixaDeTexto 4">
@@ -10993,15 +13539,15 @@
             <p:spPr>
               <a:xfrm>
                 <a:off x="4241131" y="4645578"/>
-                <a:ext cx="4686302" cy="688394"/>
+                <a:ext cx="4686302" cy="704039"/>
               </a:xfrm>
               <a:prstGeom prst="rect">
                 <a:avLst/>
               </a:prstGeom>
               <a:blipFill>
-                <a:blip r:embed="rId2"/>
+                <a:blip r:embed="rId3"/>
                 <a:stretch>
-                  <a:fillRect l="-1622" t="-54545" b="-49091"/>
+                  <a:fillRect l="-1622" t="-51786" b="-48214"/>
                 </a:stretch>
               </a:blipFill>
             </p:spPr>

--- a/Estatistica/Estatistica_Erros.pptx
+++ b/Estatistica/Estatistica_Erros.pptx
@@ -3370,7 +3370,7 @@
           <a:p>
             <a:r>
               <a:rPr lang="pt-BR" dirty="0"/>
-              <a:t>Medidas de erros</a:t>
+              <a:t>Medidas de erros em problemas de regressão</a:t>
             </a:r>
           </a:p>
         </p:txBody>
@@ -8645,10 +8645,13 @@
               <a:t>/</a:t>
             </a:r>
             <a:r>
-              <a:rPr lang="pt-BR"/>
-              <a:t>profdanilods/</a:t>
+              <a:rPr lang="pt-BR" dirty="0" err="1"/>
+              <a:t>profdanilods</a:t>
             </a:r>
-            <a:endParaRPr lang="pt-BR" dirty="0"/>
+            <a:r>
+              <a:rPr lang="pt-BR" dirty="0"/>
+              <a:t>/</a:t>
+            </a:r>
           </a:p>
           <a:p>
             <a:endParaRPr lang="pt-BR" dirty="0"/>
